--- a/project scope/0. Project Scope.pptx
+++ b/project scope/0. Project Scope.pptx
@@ -5,23 +5,24 @@
     <p:sldMasterId id="2147483660" r:id="rId1"/>
   </p:sldMasterIdLst>
   <p:notesMasterIdLst>
-    <p:notesMasterId r:id="rId16"/>
+    <p:notesMasterId r:id="rId17"/>
   </p:notesMasterIdLst>
   <p:sldIdLst>
     <p:sldId id="383" r:id="rId2"/>
     <p:sldId id="387" r:id="rId3"/>
     <p:sldId id="384" r:id="rId4"/>
     <p:sldId id="261" r:id="rId5"/>
-    <p:sldId id="386" r:id="rId6"/>
-    <p:sldId id="388" r:id="rId7"/>
-    <p:sldId id="385" r:id="rId8"/>
-    <p:sldId id="257" r:id="rId9"/>
-    <p:sldId id="258" r:id="rId10"/>
-    <p:sldId id="259" r:id="rId11"/>
-    <p:sldId id="260" r:id="rId12"/>
-    <p:sldId id="263" r:id="rId13"/>
-    <p:sldId id="262" r:id="rId14"/>
-    <p:sldId id="389" r:id="rId15"/>
+    <p:sldId id="391" r:id="rId6"/>
+    <p:sldId id="386" r:id="rId7"/>
+    <p:sldId id="388" r:id="rId8"/>
+    <p:sldId id="385" r:id="rId9"/>
+    <p:sldId id="257" r:id="rId10"/>
+    <p:sldId id="258" r:id="rId11"/>
+    <p:sldId id="259" r:id="rId12"/>
+    <p:sldId id="260" r:id="rId13"/>
+    <p:sldId id="263" r:id="rId14"/>
+    <p:sldId id="262" r:id="rId15"/>
+    <p:sldId id="389" r:id="rId16"/>
   </p:sldIdLst>
   <p:sldSz cx="12192000" cy="6858000"/>
   <p:notesSz cx="6858000" cy="9144000"/>
@@ -129,6 +130,7 @@
             <p14:sldId id="387"/>
             <p14:sldId id="384"/>
             <p14:sldId id="261"/>
+            <p14:sldId id="391"/>
             <p14:sldId id="386"/>
             <p14:sldId id="388"/>
             <p14:sldId id="385"/>
@@ -232,7 +234,7 @@
           <a:p>
             <a:fld id="{0DF783A0-3355-4AD7-940B-2E78D07ECA96}" type="datetimeFigureOut">
               <a:rPr lang="en-US" smtClean="0"/>
-              <a:t>5/12/2022</a:t>
+              <a:t>5/16/2022</a:t>
             </a:fld>
             <a:endParaRPr lang="en-US"/>
           </a:p>
@@ -1079,7 +1081,7 @@
                   <a:spcPct val="0"/>
                 </a:spcBef>
               </a:pPr>
-              <a:t>6</a:t>
+              <a:t>7</a:t>
             </a:fld>
             <a:endParaRPr lang="de-DE" altLang="x-none"/>
           </a:p>
@@ -2875,7 +2877,7 @@
           <a:p>
             <a:fld id="{EF1A4CB2-B0C7-4AF6-92A0-AEF25DAE34DB}" type="datetimeFigureOut">
               <a:rPr lang="en-US" smtClean="0"/>
-              <a:t>5/12/2022</a:t>
+              <a:t>5/16/2022</a:t>
             </a:fld>
             <a:endParaRPr lang="en-US"/>
           </a:p>
@@ -3164,7 +3166,7 @@
           <a:p>
             <a:fld id="{EF1A4CB2-B0C7-4AF6-92A0-AEF25DAE34DB}" type="datetimeFigureOut">
               <a:rPr lang="en-US" smtClean="0"/>
-              <a:t>5/12/2022</a:t>
+              <a:t>5/16/2022</a:t>
             </a:fld>
             <a:endParaRPr lang="en-US"/>
           </a:p>
@@ -3453,7 +3455,7 @@
           <a:p>
             <a:fld id="{EF1A4CB2-B0C7-4AF6-92A0-AEF25DAE34DB}" type="datetimeFigureOut">
               <a:rPr lang="en-US" smtClean="0"/>
-              <a:t>5/12/2022</a:t>
+              <a:t>5/16/2022</a:t>
             </a:fld>
             <a:endParaRPr lang="en-US"/>
           </a:p>
@@ -3742,7 +3744,7 @@
           <a:p>
             <a:fld id="{EF1A4CB2-B0C7-4AF6-92A0-AEF25DAE34DB}" type="datetimeFigureOut">
               <a:rPr lang="en-US" smtClean="0"/>
-              <a:t>5/12/2022</a:t>
+              <a:t>5/16/2022</a:t>
             </a:fld>
             <a:endParaRPr lang="en-US"/>
           </a:p>
@@ -3979,7 +3981,7 @@
           <a:p>
             <a:fld id="{EF1A4CB2-B0C7-4AF6-92A0-AEF25DAE34DB}" type="datetimeFigureOut">
               <a:rPr lang="en-US" smtClean="0"/>
-              <a:t>5/12/2022</a:t>
+              <a:t>5/16/2022</a:t>
             </a:fld>
             <a:endParaRPr lang="en-US"/>
           </a:p>
@@ -4436,7 +4438,7 @@
           <a:p>
             <a:fld id="{EF1A4CB2-B0C7-4AF6-92A0-AEF25DAE34DB}" type="datetimeFigureOut">
               <a:rPr lang="en-US" smtClean="0"/>
-              <a:t>5/12/2022</a:t>
+              <a:t>5/16/2022</a:t>
             </a:fld>
             <a:endParaRPr lang="en-US"/>
           </a:p>
@@ -4627,7 +4629,7 @@
           <a:p>
             <a:fld id="{EF1A4CB2-B0C7-4AF6-92A0-AEF25DAE34DB}" type="datetimeFigureOut">
               <a:rPr lang="en-US" smtClean="0"/>
-              <a:t>5/12/2022</a:t>
+              <a:t>5/16/2022</a:t>
             </a:fld>
             <a:endParaRPr lang="en-US"/>
           </a:p>
@@ -7000,7 +7002,7 @@
           <a:p>
             <a:fld id="{EF1A4CB2-B0C7-4AF6-92A0-AEF25DAE34DB}" type="datetimeFigureOut">
               <a:rPr lang="en-US" smtClean="0"/>
-              <a:t>5/12/2022</a:t>
+              <a:t>5/16/2022</a:t>
             </a:fld>
             <a:endParaRPr lang="en-US"/>
           </a:p>
@@ -7250,7 +7252,7 @@
           <a:p>
             <a:fld id="{EF1A4CB2-B0C7-4AF6-92A0-AEF25DAE34DB}" type="datetimeFigureOut">
               <a:rPr lang="en-US" smtClean="0"/>
-              <a:t>5/12/2022</a:t>
+              <a:t>5/16/2022</a:t>
             </a:fld>
             <a:endParaRPr lang="en-US"/>
           </a:p>
@@ -7636,7 +7638,7 @@
           <a:p>
             <a:fld id="{EF1A4CB2-B0C7-4AF6-92A0-AEF25DAE34DB}" type="datetimeFigureOut">
               <a:rPr lang="en-US" smtClean="0"/>
-              <a:t>5/12/2022</a:t>
+              <a:t>5/16/2022</a:t>
             </a:fld>
             <a:endParaRPr lang="en-US"/>
           </a:p>
@@ -7896,7 +7898,7 @@
           <a:p>
             <a:fld id="{EF1A4CB2-B0C7-4AF6-92A0-AEF25DAE34DB}" type="datetimeFigureOut">
               <a:rPr lang="en-US" smtClean="0"/>
-              <a:t>5/12/2022</a:t>
+              <a:t>5/16/2022</a:t>
             </a:fld>
             <a:endParaRPr lang="en-US"/>
           </a:p>
@@ -10146,7 +10148,7 @@
           <p:cNvPr id="2" name="Title 1">
             <a:extLst>
               <a:ext uri="{FF2B5EF4-FFF2-40B4-BE49-F238E27FC236}">
-                <a16:creationId xmlns:a16="http://schemas.microsoft.com/office/drawing/2014/main" id="{8C184E01-75D4-5FC7-E075-630465F4101A}"/>
+                <a16:creationId xmlns:a16="http://schemas.microsoft.com/office/drawing/2014/main" id="{8DA10270-1B60-AA04-26FE-4FCC2FCC2E3E}"/>
               </a:ext>
             </a:extLst>
           </p:cNvPr>
@@ -10164,7 +10166,7 @@
           <a:p>
             <a:r>
               <a:rPr lang="en-US" dirty="0"/>
-              <a:t>WP-2 – Root-Cause Identification</a:t>
+              <a:t>WP-1 Clarifications</a:t>
             </a:r>
           </a:p>
         </p:txBody>
@@ -10174,7 +10176,7 @@
           <p:cNvPr id="3" name="Content Placeholder 2">
             <a:extLst>
               <a:ext uri="{FF2B5EF4-FFF2-40B4-BE49-F238E27FC236}">
-                <a16:creationId xmlns:a16="http://schemas.microsoft.com/office/drawing/2014/main" id="{12F5A1FE-1DB7-E619-FE52-FB6C3CCCF65D}"/>
+                <a16:creationId xmlns:a16="http://schemas.microsoft.com/office/drawing/2014/main" id="{0837EC9D-6595-A48F-26C1-60F406A8E441}"/>
               </a:ext>
             </a:extLst>
           </p:cNvPr>
@@ -10187,127 +10189,17 @@
         </p:nvSpPr>
         <p:spPr>
           <a:xfrm>
-            <a:off x="838200" y="956958"/>
-            <a:ext cx="10515600" cy="5901042"/>
+            <a:off x="478369" y="1213307"/>
+            <a:ext cx="11473384" cy="4231147"/>
           </a:xfrm>
         </p:spPr>
         <p:txBody>
           <a:bodyPr>
-            <a:noAutofit/>
+            <a:normAutofit/>
           </a:bodyPr>
           <a:lstStyle/>
           <a:p>
-            <a:pPr marL="457200" indent="-457200">
-              <a:lnSpc>
-                <a:spcPct val="170000"/>
-              </a:lnSpc>
-              <a:spcBef>
-                <a:spcPts val="0"/>
-              </a:spcBef>
-              <a:spcAft>
-                <a:spcPts val="0"/>
-              </a:spcAft>
-              <a:buFont typeface="+mj-lt"/>
-              <a:buAutoNum type="arabicPeriod"/>
-            </a:pPr>
-            <a:r>
-              <a:rPr lang="en-US" sz="1600" dirty="0">
-                <a:latin typeface="+mj-lt"/>
-                <a:ea typeface="Verdana" panose="020B0604030504040204" pitchFamily="34" charset="0"/>
-              </a:rPr>
-              <a:t>We would work towards the goal of identifying the bottleneck (root-causes) of an anomaly. This might require ranking the services/nodes </a:t>
-            </a:r>
-            <a:r>
-              <a:rPr lang="en-US" sz="1600" dirty="0" err="1">
-                <a:latin typeface="+mj-lt"/>
-                <a:ea typeface="Verdana" panose="020B0604030504040204" pitchFamily="34" charset="0"/>
-              </a:rPr>
-              <a:t>w.r.t.</a:t>
-            </a:r>
-            <a:r>
-              <a:rPr lang="en-US" sz="1600" dirty="0">
-                <a:latin typeface="+mj-lt"/>
-                <a:ea typeface="Verdana" panose="020B0604030504040204" pitchFamily="34" charset="0"/>
-              </a:rPr>
-              <a:t> to probability of being the bottleneck (</a:t>
-            </a:r>
-            <a:r>
-              <a:rPr lang="en-US" sz="1600" dirty="0" err="1">
-                <a:latin typeface="+mj-lt"/>
-                <a:ea typeface="Verdana" panose="020B0604030504040204" pitchFamily="34" charset="0"/>
-              </a:rPr>
-              <a:t>Iqra</a:t>
-            </a:r>
-            <a:r>
-              <a:rPr lang="en-US" sz="1600" dirty="0">
-                <a:latin typeface="+mj-lt"/>
-                <a:ea typeface="Verdana" panose="020B0604030504040204" pitchFamily="34" charset="0"/>
-              </a:rPr>
-              <a:t> mentioned having read work in this direction).</a:t>
-            </a:r>
-          </a:p>
-          <a:p>
-            <a:pPr marL="457200" indent="-457200">
-              <a:lnSpc>
-                <a:spcPct val="170000"/>
-              </a:lnSpc>
-              <a:spcBef>
-                <a:spcPts val="0"/>
-              </a:spcBef>
-              <a:spcAft>
-                <a:spcPts val="0"/>
-              </a:spcAft>
-              <a:buFont typeface="+mj-lt"/>
-              <a:buAutoNum type="arabicPeriod"/>
-            </a:pPr>
-            <a:endParaRPr lang="en-US" sz="1600" dirty="0">
-              <a:latin typeface="+mj-lt"/>
-              <a:ea typeface="Verdana" panose="020B0604030504040204" pitchFamily="34" charset="0"/>
-            </a:endParaRPr>
-          </a:p>
-          <a:p>
-            <a:pPr marL="457200" indent="-457200">
-              <a:lnSpc>
-                <a:spcPct val="170000"/>
-              </a:lnSpc>
-              <a:spcBef>
-                <a:spcPts val="0"/>
-              </a:spcBef>
-              <a:spcAft>
-                <a:spcPts val="0"/>
-              </a:spcAft>
-              <a:buFont typeface="+mj-lt"/>
-              <a:buAutoNum type="arabicPeriod"/>
-            </a:pPr>
-            <a:r>
-              <a:rPr lang="en-US" sz="1600" dirty="0">
-                <a:latin typeface="+mj-lt"/>
-                <a:ea typeface="Verdana" panose="020B0604030504040204" pitchFamily="34" charset="0"/>
-              </a:rPr>
-              <a:t>Ranking could be done via graph matching. We would need to generate a few patterns of failures (3 or 4). Each pattern is graph pattern. These patterns would be used to train a classification model that given a new failure trace, it would provide the probability of that failure trace being from any of the known patterns.</a:t>
-            </a:r>
-          </a:p>
-          <a:p>
-            <a:pPr marL="457200" indent="-457200">
-              <a:lnSpc>
-                <a:spcPct val="170000"/>
-              </a:lnSpc>
-              <a:spcBef>
-                <a:spcPts val="0"/>
-              </a:spcBef>
-              <a:spcAft>
-                <a:spcPts val="0"/>
-              </a:spcAft>
-              <a:buFont typeface="+mj-lt"/>
-              <a:buAutoNum type="arabicPeriod"/>
-            </a:pPr>
-            <a:endParaRPr lang="en-US" sz="1600" dirty="0">
-              <a:latin typeface="+mj-lt"/>
-              <a:ea typeface="Verdana" panose="020B0604030504040204" pitchFamily="34" charset="0"/>
-            </a:endParaRPr>
-          </a:p>
-          <a:p>
-            <a:pPr marL="457200" indent="-457200">
+            <a:pPr marL="342900" indent="-342900">
               <a:lnSpc>
                 <a:spcPct val="170000"/>
               </a:lnSpc>
@@ -10318,25 +10210,128 @@
               <a:buAutoNum type="arabicPeriod"/>
             </a:pPr>
             <a:r>
-              <a:rPr lang="en-US" sz="1600" dirty="0">
+              <a:rPr lang="en-US" sz="1400" dirty="0">
+                <a:effectLst/>
                 <a:latin typeface="+mj-lt"/>
                 <a:ea typeface="Verdana" panose="020B0604030504040204" pitchFamily="34" charset="0"/>
               </a:rPr>
-              <a:t>One scenario that could be used is do detect the phenomenon of confounding. We discussed the possible confounding of the caches in containers 1 and 2 on the dependencies between time series delay time in service-1 and response time service-2. We would need to manipulate the size of caches in container 1 and 2 and the strength (number of calls) of dependency between service 1 and 2. For that, either the students or </a:t>
-            </a:r>
-            <a:r>
-              <a:rPr lang="en-US" sz="1600" dirty="0" err="1">
+              <a:t>Trade-offs of calibrating based on priors versus directly learning a threshold</a:t>
+            </a:r>
+          </a:p>
+          <a:p>
+            <a:pPr marL="342900" indent="-342900">
+              <a:lnSpc>
+                <a:spcPct val="170000"/>
+              </a:lnSpc>
+              <a:spcBef>
+                <a:spcPts val="0"/>
+              </a:spcBef>
+              <a:buFont typeface="+mj-lt"/>
+              <a:buAutoNum type="arabicPeriod"/>
+            </a:pPr>
+            <a:r>
+              <a:rPr lang="en-US" sz="1400" dirty="0">
+                <a:effectLst/>
                 <a:latin typeface="+mj-lt"/>
                 <a:ea typeface="Verdana" panose="020B0604030504040204" pitchFamily="34" charset="0"/>
               </a:rPr>
-              <a:t>Iqra</a:t>
-            </a:r>
-            <a:r>
-              <a:rPr lang="en-US" sz="1600" dirty="0">
+              <a:t> Role of false negatives (what if an outlier is not detected?). Maybe we can use some false discover rate (FDR) technique [2] (which is adaptive and scalable!).</a:t>
+            </a:r>
+          </a:p>
+          <a:p>
+            <a:pPr marL="342900" indent="-342900">
+              <a:lnSpc>
+                <a:spcPct val="170000"/>
+              </a:lnSpc>
+              <a:spcBef>
+                <a:spcPts val="0"/>
+              </a:spcBef>
+              <a:buFont typeface="+mj-lt"/>
+              <a:buAutoNum type="arabicPeriod"/>
+            </a:pPr>
+            <a:r>
+              <a:rPr lang="en-US" sz="1400" dirty="0">
+                <a:effectLst/>
                 <a:latin typeface="+mj-lt"/>
                 <a:ea typeface="Verdana" panose="020B0604030504040204" pitchFamily="34" charset="0"/>
               </a:rPr>
-              <a:t> would need to help produce data.</a:t>
+              <a:t>What happens as the more knowledge about the non-stationary process is collected, could we recalibrate based on an increase in belief?</a:t>
+            </a:r>
+          </a:p>
+          <a:p>
+            <a:pPr marL="342900" indent="-342900">
+              <a:lnSpc>
+                <a:spcPct val="170000"/>
+              </a:lnSpc>
+              <a:spcBef>
+                <a:spcPts val="0"/>
+              </a:spcBef>
+              <a:buFont typeface="+mj-lt"/>
+              <a:buAutoNum type="arabicPeriod"/>
+            </a:pPr>
+            <a:r>
+              <a:rPr lang="en-US" sz="1400" dirty="0">
+                <a:effectLst/>
+                <a:latin typeface="+mj-lt"/>
+                <a:ea typeface="Verdana" panose="020B0604030504040204" pitchFamily="34" charset="0"/>
+              </a:rPr>
+              <a:t>Maybe we could transfer calibrations across similar services, where similarity could be a combination of </a:t>
+            </a:r>
+            <a:r>
+              <a:rPr lang="en-US" sz="1400" b="1" dirty="0">
+                <a:effectLst/>
+                <a:latin typeface="+mj-lt"/>
+                <a:ea typeface="Verdana" panose="020B0604030504040204" pitchFamily="34" charset="0"/>
+              </a:rPr>
+              <a:t>graph </a:t>
+            </a:r>
+            <a:r>
+              <a:rPr lang="en-US" sz="1400" b="1" dirty="0" err="1">
+                <a:effectLst/>
+                <a:latin typeface="+mj-lt"/>
+                <a:ea typeface="Verdana" panose="020B0604030504040204" pitchFamily="34" charset="0"/>
+              </a:rPr>
+              <a:t>isormophism</a:t>
+            </a:r>
+            <a:r>
+              <a:rPr lang="en-US" sz="1400" dirty="0">
+                <a:effectLst/>
+                <a:latin typeface="+mj-lt"/>
+                <a:ea typeface="Verdana" panose="020B0604030504040204" pitchFamily="34" charset="0"/>
+              </a:rPr>
+              <a:t> and </a:t>
+            </a:r>
+            <a:r>
+              <a:rPr lang="en-US" sz="1400" b="1" dirty="0">
+                <a:effectLst/>
+                <a:latin typeface="+mj-lt"/>
+                <a:ea typeface="Verdana" panose="020B0604030504040204" pitchFamily="34" charset="0"/>
+              </a:rPr>
+              <a:t>distance/similarity metric</a:t>
+            </a:r>
+            <a:r>
+              <a:rPr lang="en-US" sz="1400" dirty="0">
+                <a:effectLst/>
+                <a:latin typeface="+mj-lt"/>
+                <a:ea typeface="Verdana" panose="020B0604030504040204" pitchFamily="34" charset="0"/>
+              </a:rPr>
+              <a:t>[3] based on </a:t>
+            </a:r>
+            <a:r>
+              <a:rPr lang="en-US" sz="1400" b="1" dirty="0">
+                <a:effectLst/>
+                <a:latin typeface="+mj-lt"/>
+                <a:ea typeface="Verdana" panose="020B0604030504040204" pitchFamily="34" charset="0"/>
+              </a:rPr>
+              <a:t>stylized facts</a:t>
+            </a:r>
+            <a:r>
+              <a:rPr lang="en-US" sz="1400" dirty="0">
+                <a:effectLst/>
+                <a:latin typeface="+mj-lt"/>
+                <a:ea typeface="Verdana" panose="020B0604030504040204" pitchFamily="34" charset="0"/>
+              </a:rPr>
+              <a:t> [4][5]</a:t>
             </a:r>
           </a:p>
         </p:txBody>
@@ -10344,7 +10339,7 @@
     </p:spTree>
     <p:extLst>
       <p:ext uri="{BB962C8B-B14F-4D97-AF65-F5344CB8AC3E}">
-        <p14:creationId xmlns:p14="http://schemas.microsoft.com/office/powerpoint/2010/main" val="3033199245"/>
+        <p14:creationId xmlns:p14="http://schemas.microsoft.com/office/powerpoint/2010/main" val="2413545060"/>
       </p:ext>
     </p:extLst>
   </p:cSld>
@@ -10376,7 +10371,7 @@
           <p:cNvPr id="2" name="Title 1">
             <a:extLst>
               <a:ext uri="{FF2B5EF4-FFF2-40B4-BE49-F238E27FC236}">
-                <a16:creationId xmlns:a16="http://schemas.microsoft.com/office/drawing/2014/main" id="{2831B9B4-2F40-31E7-15E9-4AE33144147F}"/>
+                <a16:creationId xmlns:a16="http://schemas.microsoft.com/office/drawing/2014/main" id="{8C184E01-75D4-5FC7-E075-630465F4101A}"/>
               </a:ext>
             </a:extLst>
           </p:cNvPr>
@@ -10394,7 +10389,7 @@
           <a:p>
             <a:r>
               <a:rPr lang="en-US" dirty="0"/>
-              <a:t>WP-3 – Evolving Graphs</a:t>
+              <a:t>WP-2 – Root-Cause Identification</a:t>
             </a:r>
           </a:p>
         </p:txBody>
@@ -10404,7 +10399,7 @@
           <p:cNvPr id="3" name="Content Placeholder 2">
             <a:extLst>
               <a:ext uri="{FF2B5EF4-FFF2-40B4-BE49-F238E27FC236}">
-                <a16:creationId xmlns:a16="http://schemas.microsoft.com/office/drawing/2014/main" id="{5CADD266-6446-F73F-8F6C-FDA6A24AB6E5}"/>
+                <a16:creationId xmlns:a16="http://schemas.microsoft.com/office/drawing/2014/main" id="{12F5A1FE-1DB7-E619-FE52-FB6C3CCCF65D}"/>
               </a:ext>
             </a:extLst>
           </p:cNvPr>
@@ -10417,176 +10412,164 @@
         </p:nvSpPr>
         <p:spPr>
           <a:xfrm>
-            <a:off x="478369" y="1213308"/>
-            <a:ext cx="11473384" cy="3284489"/>
+            <a:off x="838200" y="956958"/>
+            <a:ext cx="10515600" cy="5901042"/>
           </a:xfrm>
         </p:spPr>
         <p:txBody>
-          <a:bodyPr/>
+          <a:bodyPr>
+            <a:noAutofit/>
+          </a:bodyPr>
           <a:lstStyle/>
           <a:p>
-            <a:pPr marL="0" indent="0">
+            <a:pPr marL="457200" indent="-457200">
+              <a:lnSpc>
+                <a:spcPct val="170000"/>
+              </a:lnSpc>
               <a:spcBef>
                 <a:spcPts val="0"/>
               </a:spcBef>
               <a:spcAft>
                 <a:spcPts val="0"/>
               </a:spcAft>
-              <a:buNone/>
+              <a:buFont typeface="+mj-lt"/>
+              <a:buAutoNum type="arabicPeriod"/>
             </a:pPr>
             <a:r>
-              <a:rPr lang="en-US" sz="1800" u="sng" dirty="0">
+              <a:rPr lang="en-US" sz="1600" dirty="0">
                 <a:latin typeface="+mj-lt"/>
                 <a:ea typeface="Verdana" panose="020B0604030504040204" pitchFamily="34" charset="0"/>
               </a:rPr>
-              <a:t>Changes:</a:t>
-            </a:r>
-            <a:r>
-              <a:rPr lang="en-US" sz="1800" dirty="0">
+              <a:t>We would work towards the goal of identifying the bottleneck (root-causes) of an anomaly. This might require ranking the services/nodes </a:t>
+            </a:r>
+            <a:r>
+              <a:rPr lang="en-US" sz="1600" dirty="0" err="1">
                 <a:latin typeface="+mj-lt"/>
                 <a:ea typeface="Verdana" panose="020B0604030504040204" pitchFamily="34" charset="0"/>
               </a:rPr>
-              <a:t> </a:t>
-            </a:r>
-          </a:p>
-          <a:p>
-            <a:pPr marL="285750" indent="-285750">
-              <a:spcBef>
-                <a:spcPts val="0"/>
-              </a:spcBef>
-              <a:buFont typeface="Arial" panose="020B0604020202020204" pitchFamily="34" charset="0"/>
-              <a:buChar char="•"/>
-            </a:pPr>
-            <a:r>
-              <a:rPr lang="en-US" sz="1800" dirty="0">
+              <a:t>w.r.t.</a:t>
+            </a:r>
+            <a:r>
+              <a:rPr lang="en-US" sz="1600" dirty="0">
                 <a:latin typeface="+mj-lt"/>
                 <a:ea typeface="Verdana" panose="020B0604030504040204" pitchFamily="34" charset="0"/>
               </a:rPr>
-              <a:t>Adding an instance  added</a:t>
-            </a:r>
-          </a:p>
-          <a:p>
-            <a:pPr marL="285750" indent="-285750">
-              <a:spcBef>
-                <a:spcPts val="0"/>
-              </a:spcBef>
-              <a:buFont typeface="Arial" panose="020B0604020202020204" pitchFamily="34" charset="0"/>
-              <a:buChar char="•"/>
-            </a:pPr>
-            <a:r>
-              <a:rPr lang="en-US" sz="1800" dirty="0">
+              <a:t> to probability of being the bottleneck (</a:t>
+            </a:r>
+            <a:r>
+              <a:rPr lang="en-US" sz="1600" dirty="0" err="1">
                 <a:latin typeface="+mj-lt"/>
                 <a:ea typeface="Verdana" panose="020B0604030504040204" pitchFamily="34" charset="0"/>
               </a:rPr>
-              <a:t>Removing an instance</a:t>
-            </a:r>
-          </a:p>
-          <a:p>
-            <a:pPr marL="285750" indent="-285750">
-              <a:spcBef>
-                <a:spcPts val="0"/>
-              </a:spcBef>
-              <a:buFont typeface="Arial" panose="020B0604020202020204" pitchFamily="34" charset="0"/>
-              <a:buChar char="•"/>
-            </a:pPr>
-            <a:r>
-              <a:rPr lang="en-US" sz="1800" dirty="0">
+              <a:t>Iqra</a:t>
+            </a:r>
+            <a:r>
+              <a:rPr lang="en-US" sz="1600" dirty="0">
                 <a:latin typeface="+mj-lt"/>
                 <a:ea typeface="Verdana" panose="020B0604030504040204" pitchFamily="34" charset="0"/>
               </a:rPr>
-              <a:t>Partial or weaken connections</a:t>
-            </a:r>
-          </a:p>
-          <a:p>
-            <a:pPr>
+              <a:t> mentioned having read work in this direction).</a:t>
+            </a:r>
+          </a:p>
+          <a:p>
+            <a:pPr marL="457200" indent="-457200">
+              <a:lnSpc>
+                <a:spcPct val="170000"/>
+              </a:lnSpc>
               <a:spcBef>
                 <a:spcPts val="0"/>
               </a:spcBef>
               <a:spcAft>
                 <a:spcPts val="0"/>
               </a:spcAft>
-              <a:buFontTx/>
-              <a:buChar char="-"/>
+              <a:buFont typeface="+mj-lt"/>
+              <a:buAutoNum type="arabicPeriod"/>
             </a:pPr>
-            <a:endParaRPr lang="en-US" sz="1800" dirty="0">
+            <a:endParaRPr lang="en-US" sz="1600" dirty="0">
               <a:latin typeface="+mj-lt"/>
               <a:ea typeface="Verdana" panose="020B0604030504040204" pitchFamily="34" charset="0"/>
             </a:endParaRPr>
           </a:p>
           <a:p>
-            <a:pPr marL="0" indent="0">
+            <a:pPr marL="457200" indent="-457200">
+              <a:lnSpc>
+                <a:spcPct val="170000"/>
+              </a:lnSpc>
               <a:spcBef>
                 <a:spcPts val="0"/>
               </a:spcBef>
               <a:spcAft>
                 <a:spcPts val="0"/>
               </a:spcAft>
-              <a:buNone/>
+              <a:buFont typeface="+mj-lt"/>
+              <a:buAutoNum type="arabicPeriod"/>
             </a:pPr>
             <a:r>
-              <a:rPr lang="en-US" sz="1800" u="sng" dirty="0">
+              <a:rPr lang="en-US" sz="1600" dirty="0">
                 <a:latin typeface="+mj-lt"/>
                 <a:ea typeface="Verdana" panose="020B0604030504040204" pitchFamily="34" charset="0"/>
               </a:rPr>
-              <a:t>Impact:</a:t>
-            </a:r>
-            <a:r>
-              <a:rPr lang="en-US" sz="1800" dirty="0">
-                <a:latin typeface="+mj-lt"/>
-                <a:ea typeface="Verdana" panose="020B0604030504040204" pitchFamily="34" charset="0"/>
-              </a:rPr>
-              <a:t> These structural changes would affect the reliability of the previous models to generalize</a:t>
-            </a:r>
-          </a:p>
-          <a:p>
-            <a:pPr marL="0" indent="0">
+              <a:t>Ranking could be done via graph matching. We would need to generate a few patterns of failures (3 or 4). Each pattern is graph pattern. These patterns would be used to train a classification model that given a new failure trace, it would provide the probability of that failure trace being from any of the known patterns.</a:t>
+            </a:r>
+          </a:p>
+          <a:p>
+            <a:pPr marL="457200" indent="-457200">
+              <a:lnSpc>
+                <a:spcPct val="170000"/>
+              </a:lnSpc>
               <a:spcBef>
                 <a:spcPts val="0"/>
               </a:spcBef>
               <a:spcAft>
                 <a:spcPts val="0"/>
               </a:spcAft>
-              <a:buNone/>
+              <a:buFont typeface="+mj-lt"/>
+              <a:buAutoNum type="arabicPeriod"/>
             </a:pPr>
-            <a:r>
-              <a:rPr lang="en-US" sz="1800" u="sng" dirty="0">
+            <a:endParaRPr lang="en-US" sz="1600" dirty="0">
+              <a:latin typeface="+mj-lt"/>
+              <a:ea typeface="Verdana" panose="020B0604030504040204" pitchFamily="34" charset="0"/>
+            </a:endParaRPr>
+          </a:p>
+          <a:p>
+            <a:pPr marL="457200" indent="-457200">
+              <a:lnSpc>
+                <a:spcPct val="170000"/>
+              </a:lnSpc>
+              <a:spcBef>
+                <a:spcPts val="0"/>
+              </a:spcBef>
+              <a:buFont typeface="+mj-lt"/>
+              <a:buAutoNum type="arabicPeriod"/>
+            </a:pPr>
+            <a:r>
+              <a:rPr lang="en-US" sz="1600" dirty="0">
                 <a:latin typeface="+mj-lt"/>
                 <a:ea typeface="Verdana" panose="020B0604030504040204" pitchFamily="34" charset="0"/>
               </a:rPr>
-              <a:t>Evaluation</a:t>
-            </a:r>
-            <a:r>
-              <a:rPr lang="en-US" sz="1800" dirty="0">
+              <a:t>One scenario that could be used is do detect the phenomenon of confounding. We discussed the possible confounding of the caches in containers 1 and 2 on the dependencies between time series delay time in service-1 and response time service-2. We would need to manipulate the size of caches in container 1 and 2 and the strength (number of calls) of dependency between service 1 and 2. For that, either the students or </a:t>
+            </a:r>
+            <a:r>
+              <a:rPr lang="en-US" sz="1600" dirty="0" err="1">
                 <a:latin typeface="+mj-lt"/>
                 <a:ea typeface="Verdana" panose="020B0604030504040204" pitchFamily="34" charset="0"/>
               </a:rPr>
-              <a:t>: Measure how robust are the models to these changes</a:t>
-            </a:r>
-          </a:p>
-          <a:p>
-            <a:pPr marL="0" indent="0">
-              <a:spcBef>
-                <a:spcPts val="0"/>
-              </a:spcBef>
-              <a:spcAft>
-                <a:spcPts val="0"/>
-              </a:spcAft>
-              <a:buNone/>
-            </a:pPr>
-            <a:endParaRPr lang="en-US" sz="1800" dirty="0">
-              <a:latin typeface="+mj-lt"/>
-              <a:ea typeface="Verdana" panose="020B0604030504040204" pitchFamily="34" charset="0"/>
-            </a:endParaRPr>
-          </a:p>
-          <a:p>
-            <a:endParaRPr lang="en-US" dirty="0"/>
+              <a:t>Iqra</a:t>
+            </a:r>
+            <a:r>
+              <a:rPr lang="en-US" sz="1600" dirty="0">
+                <a:latin typeface="+mj-lt"/>
+                <a:ea typeface="Verdana" panose="020B0604030504040204" pitchFamily="34" charset="0"/>
+              </a:rPr>
+              <a:t> would need to help produce data.</a:t>
+            </a:r>
           </a:p>
         </p:txBody>
       </p:sp>
     </p:spTree>
     <p:extLst>
       <p:ext uri="{BB962C8B-B14F-4D97-AF65-F5344CB8AC3E}">
-        <p14:creationId xmlns:p14="http://schemas.microsoft.com/office/powerpoint/2010/main" val="1762729318"/>
+        <p14:creationId xmlns:p14="http://schemas.microsoft.com/office/powerpoint/2010/main" val="3033199245"/>
       </p:ext>
     </p:extLst>
   </p:cSld>
@@ -10618,7 +10601,7 @@
           <p:cNvPr id="2" name="Title 1">
             <a:extLst>
               <a:ext uri="{FF2B5EF4-FFF2-40B4-BE49-F238E27FC236}">
-                <a16:creationId xmlns:a16="http://schemas.microsoft.com/office/drawing/2014/main" id="{AE794B99-EBFF-BC5A-8DD9-3C4CFC6E2521}"/>
+                <a16:creationId xmlns:a16="http://schemas.microsoft.com/office/drawing/2014/main" id="{2831B9B4-2F40-31E7-15E9-4AE33144147F}"/>
               </a:ext>
             </a:extLst>
           </p:cNvPr>
@@ -10636,7 +10619,7 @@
           <a:p>
             <a:r>
               <a:rPr lang="en-US" dirty="0"/>
-              <a:t>WP-3 Heuristics for STG Matching</a:t>
+              <a:t>WP-3 – Evolving Graphs</a:t>
             </a:r>
           </a:p>
         </p:txBody>
@@ -10646,7 +10629,7 @@
           <p:cNvPr id="3" name="Content Placeholder 2">
             <a:extLst>
               <a:ext uri="{FF2B5EF4-FFF2-40B4-BE49-F238E27FC236}">
-                <a16:creationId xmlns:a16="http://schemas.microsoft.com/office/drawing/2014/main" id="{2AB5B57F-C05D-D055-F5C6-422D5A73ADBE}"/>
+                <a16:creationId xmlns:a16="http://schemas.microsoft.com/office/drawing/2014/main" id="{5CADD266-6446-F73F-8F6C-FDA6A24AB6E5}"/>
               </a:ext>
             </a:extLst>
           </p:cNvPr>
@@ -10659,98 +10642,176 @@
         </p:nvSpPr>
         <p:spPr>
           <a:xfrm>
-            <a:off x="478369" y="1213307"/>
-            <a:ext cx="11473384" cy="3534861"/>
+            <a:off x="478369" y="1213308"/>
+            <a:ext cx="11473384" cy="3284489"/>
           </a:xfrm>
         </p:spPr>
         <p:txBody>
           <a:bodyPr/>
           <a:lstStyle/>
           <a:p>
+            <a:pPr marL="0" indent="0">
+              <a:spcBef>
+                <a:spcPts val="0"/>
+              </a:spcBef>
+              <a:spcAft>
+                <a:spcPts val="0"/>
+              </a:spcAft>
+              <a:buNone/>
+            </a:pPr>
+            <a:r>
+              <a:rPr lang="en-US" sz="1800" u="sng" dirty="0">
+                <a:latin typeface="+mj-lt"/>
+                <a:ea typeface="Verdana" panose="020B0604030504040204" pitchFamily="34" charset="0"/>
+              </a:rPr>
+              <a:t>Changes:</a:t>
+            </a:r>
+            <a:r>
+              <a:rPr lang="en-US" sz="1800" dirty="0">
+                <a:latin typeface="+mj-lt"/>
+                <a:ea typeface="Verdana" panose="020B0604030504040204" pitchFamily="34" charset="0"/>
+              </a:rPr>
+              <a:t> </a:t>
+            </a:r>
+          </a:p>
+          <a:p>
             <a:pPr marL="285750" indent="-285750">
+              <a:spcBef>
+                <a:spcPts val="0"/>
+              </a:spcBef>
               <a:buFont typeface="Arial" panose="020B0604020202020204" pitchFamily="34" charset="0"/>
               <a:buChar char="•"/>
             </a:pPr>
             <a:r>
-              <a:rPr lang="en-US" sz="2000" dirty="0">
-                <a:effectLst/>
-                <a:latin typeface="Calibri,sans-serif"/>
+              <a:rPr lang="en-US" sz="1800" dirty="0">
+                <a:latin typeface="+mj-lt"/>
+                <a:ea typeface="Verdana" panose="020B0604030504040204" pitchFamily="34" charset="0"/>
               </a:rPr>
-              <a:t>Store the history of graph in a single graph.</a:t>
+              <a:t>Adding an instance  added</a:t>
             </a:r>
           </a:p>
           <a:p>
             <a:pPr marL="285750" indent="-285750">
+              <a:spcBef>
+                <a:spcPts val="0"/>
+              </a:spcBef>
               <a:buFont typeface="Arial" panose="020B0604020202020204" pitchFamily="34" charset="0"/>
               <a:buChar char="•"/>
             </a:pPr>
             <a:r>
-              <a:rPr lang="en-US" sz="2000" dirty="0">
-                <a:effectLst/>
-                <a:latin typeface="Calibri,sans-serif"/>
+              <a:rPr lang="en-US" sz="1800" dirty="0">
+                <a:latin typeface="+mj-lt"/>
+                <a:ea typeface="Verdana" panose="020B0604030504040204" pitchFamily="34" charset="0"/>
               </a:rPr>
-              <a:t>This history comprises actions of addition and deletion of nodes.</a:t>
+              <a:t>Removing an instance</a:t>
             </a:r>
           </a:p>
           <a:p>
             <a:pPr marL="285750" indent="-285750">
+              <a:spcBef>
+                <a:spcPts val="0"/>
+              </a:spcBef>
               <a:buFont typeface="Arial" panose="020B0604020202020204" pitchFamily="34" charset="0"/>
               <a:buChar char="•"/>
             </a:pPr>
             <a:r>
-              <a:rPr lang="en-US" sz="2000" dirty="0">
-                <a:effectLst/>
-                <a:latin typeface="Calibri,sans-serif"/>
+              <a:rPr lang="en-US" sz="1800" dirty="0">
+                <a:latin typeface="+mj-lt"/>
+                <a:ea typeface="Verdana" panose="020B0604030504040204" pitchFamily="34" charset="0"/>
               </a:rPr>
-              <a:t>Matching would be affected by the order of these actions.</a:t>
-            </a:r>
-          </a:p>
-          <a:p>
-            <a:pPr marL="285750" indent="-285750">
-              <a:buFont typeface="Arial" panose="020B0604020202020204" pitchFamily="34" charset="0"/>
-              <a:buChar char="•"/>
+              <a:t>Partial or weaken connections</a:t>
+            </a:r>
+          </a:p>
+          <a:p>
+            <a:pPr>
+              <a:spcBef>
+                <a:spcPts val="0"/>
+              </a:spcBef>
+              <a:spcAft>
+                <a:spcPts val="0"/>
+              </a:spcAft>
+              <a:buFontTx/>
+              <a:buChar char="-"/>
             </a:pPr>
-            <a:r>
-              <a:rPr lang="en-US" sz="2000" dirty="0">
-                <a:effectLst/>
-                <a:latin typeface="Calibri,sans-serif"/>
+            <a:endParaRPr lang="en-US" sz="1800" dirty="0">
+              <a:latin typeface="+mj-lt"/>
+              <a:ea typeface="Verdana" panose="020B0604030504040204" pitchFamily="34" charset="0"/>
+            </a:endParaRPr>
+          </a:p>
+          <a:p>
+            <a:pPr marL="0" indent="0">
+              <a:spcBef>
+                <a:spcPts val="0"/>
+              </a:spcBef>
+              <a:spcAft>
+                <a:spcPts val="0"/>
+              </a:spcAft>
+              <a:buNone/>
+            </a:pPr>
+            <a:r>
+              <a:rPr lang="en-US" sz="1800" u="sng" dirty="0">
+                <a:latin typeface="+mj-lt"/>
+                <a:ea typeface="Verdana" panose="020B0604030504040204" pitchFamily="34" charset="0"/>
               </a:rPr>
-              <a:t>This would allow to approximate the real temporal query with the structural one.</a:t>
-            </a:r>
-          </a:p>
-          <a:p>
-            <a:pPr marL="285750" indent="-285750">
-              <a:buFont typeface="Arial" panose="020B0604020202020204" pitchFamily="34" charset="0"/>
-              <a:buChar char="•"/>
+              <a:t>Impact:</a:t>
+            </a:r>
+            <a:r>
+              <a:rPr lang="en-US" sz="1800" dirty="0">
+                <a:latin typeface="+mj-lt"/>
+                <a:ea typeface="Verdana" panose="020B0604030504040204" pitchFamily="34" charset="0"/>
+              </a:rPr>
+              <a:t> These structural changes would affect the reliability of the previous models to generalize</a:t>
+            </a:r>
+          </a:p>
+          <a:p>
+            <a:pPr marL="0" indent="0">
+              <a:spcBef>
+                <a:spcPts val="0"/>
+              </a:spcBef>
+              <a:spcAft>
+                <a:spcPts val="0"/>
+              </a:spcAft>
+              <a:buNone/>
             </a:pPr>
             <a:r>
-              <a:rPr lang="en-US" sz="2000" dirty="0">
-                <a:effectLst/>
-                <a:latin typeface="Calibri,sans-serif"/>
+              <a:rPr lang="en-US" sz="1800" u="sng" dirty="0">
+                <a:latin typeface="+mj-lt"/>
+                <a:ea typeface="Verdana" panose="020B0604030504040204" pitchFamily="34" charset="0"/>
               </a:rPr>
-              <a:t>The difference between maximum and minimum deletions would provide a lifespan measure.</a:t>
-            </a:r>
-          </a:p>
-          <a:p>
-            <a:pPr marL="285750" indent="-285750">
-              <a:buFont typeface="Arial" panose="020B0604020202020204" pitchFamily="34" charset="0"/>
-              <a:buChar char="•"/>
+              <a:t>Evaluation</a:t>
+            </a:r>
+            <a:r>
+              <a:rPr lang="en-US" sz="1800" dirty="0">
+                <a:latin typeface="+mj-lt"/>
+                <a:ea typeface="Verdana" panose="020B0604030504040204" pitchFamily="34" charset="0"/>
+              </a:rPr>
+              <a:t>: Measure how robust are the models to these changes</a:t>
+            </a:r>
+          </a:p>
+          <a:p>
+            <a:pPr marL="0" indent="0">
+              <a:spcBef>
+                <a:spcPts val="0"/>
+              </a:spcBef>
+              <a:spcAft>
+                <a:spcPts val="0"/>
+              </a:spcAft>
+              <a:buNone/>
             </a:pPr>
-            <a:r>
-              <a:rPr lang="en-US" sz="2000" dirty="0">
-                <a:effectLst/>
-                <a:latin typeface="Calibri,sans-serif"/>
-              </a:rPr>
-              <a:t>This would allow to detect anomaly beyond the attribute level, but also at the graph level.</a:t>
-            </a:r>
-            <a:endParaRPr lang="en-US" sz="2000" dirty="0"/>
+            <a:endParaRPr lang="en-US" sz="1800" dirty="0">
+              <a:latin typeface="+mj-lt"/>
+              <a:ea typeface="Verdana" panose="020B0604030504040204" pitchFamily="34" charset="0"/>
+            </a:endParaRPr>
+          </a:p>
+          <a:p>
+            <a:endParaRPr lang="en-US" dirty="0"/>
           </a:p>
         </p:txBody>
       </p:sp>
     </p:spTree>
     <p:extLst>
       <p:ext uri="{BB962C8B-B14F-4D97-AF65-F5344CB8AC3E}">
-        <p14:creationId xmlns:p14="http://schemas.microsoft.com/office/powerpoint/2010/main" val="3510858119"/>
+        <p14:creationId xmlns:p14="http://schemas.microsoft.com/office/powerpoint/2010/main" val="1762729318"/>
       </p:ext>
     </p:extLst>
   </p:cSld>
@@ -10782,6 +10843,170 @@
           <p:cNvPr id="2" name="Title 1">
             <a:extLst>
               <a:ext uri="{FF2B5EF4-FFF2-40B4-BE49-F238E27FC236}">
+                <a16:creationId xmlns:a16="http://schemas.microsoft.com/office/drawing/2014/main" id="{AE794B99-EBFF-BC5A-8DD9-3C4CFC6E2521}"/>
+              </a:ext>
+            </a:extLst>
+          </p:cNvPr>
+          <p:cNvSpPr>
+            <a:spLocks noGrp="1"/>
+          </p:cNvSpPr>
+          <p:nvPr>
+            <p:ph type="title"/>
+          </p:nvPr>
+        </p:nvSpPr>
+        <p:spPr/>
+        <p:txBody>
+          <a:bodyPr/>
+          <a:lstStyle/>
+          <a:p>
+            <a:r>
+              <a:rPr lang="en-US" dirty="0"/>
+              <a:t>WP-3 Heuristics for STG Matching</a:t>
+            </a:r>
+          </a:p>
+        </p:txBody>
+      </p:sp>
+      <p:sp>
+        <p:nvSpPr>
+          <p:cNvPr id="3" name="Content Placeholder 2">
+            <a:extLst>
+              <a:ext uri="{FF2B5EF4-FFF2-40B4-BE49-F238E27FC236}">
+                <a16:creationId xmlns:a16="http://schemas.microsoft.com/office/drawing/2014/main" id="{2AB5B57F-C05D-D055-F5C6-422D5A73ADBE}"/>
+              </a:ext>
+            </a:extLst>
+          </p:cNvPr>
+          <p:cNvSpPr>
+            <a:spLocks noGrp="1"/>
+          </p:cNvSpPr>
+          <p:nvPr>
+            <p:ph idx="1"/>
+          </p:nvPr>
+        </p:nvSpPr>
+        <p:spPr>
+          <a:xfrm>
+            <a:off x="478369" y="1213307"/>
+            <a:ext cx="11473384" cy="3534861"/>
+          </a:xfrm>
+        </p:spPr>
+        <p:txBody>
+          <a:bodyPr/>
+          <a:lstStyle/>
+          <a:p>
+            <a:pPr marL="285750" indent="-285750">
+              <a:buFont typeface="Arial" panose="020B0604020202020204" pitchFamily="34" charset="0"/>
+              <a:buChar char="•"/>
+            </a:pPr>
+            <a:r>
+              <a:rPr lang="en-US" sz="2000" dirty="0">
+                <a:effectLst/>
+                <a:latin typeface="Calibri,sans-serif"/>
+              </a:rPr>
+              <a:t>Store the history of graph in a single graph.</a:t>
+            </a:r>
+          </a:p>
+          <a:p>
+            <a:pPr marL="285750" indent="-285750">
+              <a:buFont typeface="Arial" panose="020B0604020202020204" pitchFamily="34" charset="0"/>
+              <a:buChar char="•"/>
+            </a:pPr>
+            <a:r>
+              <a:rPr lang="en-US" sz="2000" dirty="0">
+                <a:effectLst/>
+                <a:latin typeface="Calibri,sans-serif"/>
+              </a:rPr>
+              <a:t>This history comprises actions of addition and deletion of nodes.</a:t>
+            </a:r>
+          </a:p>
+          <a:p>
+            <a:pPr marL="285750" indent="-285750">
+              <a:buFont typeface="Arial" panose="020B0604020202020204" pitchFamily="34" charset="0"/>
+              <a:buChar char="•"/>
+            </a:pPr>
+            <a:r>
+              <a:rPr lang="en-US" sz="2000" dirty="0">
+                <a:effectLst/>
+                <a:latin typeface="Calibri,sans-serif"/>
+              </a:rPr>
+              <a:t>Matching would be affected by the order of these actions.</a:t>
+            </a:r>
+          </a:p>
+          <a:p>
+            <a:pPr marL="285750" indent="-285750">
+              <a:buFont typeface="Arial" panose="020B0604020202020204" pitchFamily="34" charset="0"/>
+              <a:buChar char="•"/>
+            </a:pPr>
+            <a:r>
+              <a:rPr lang="en-US" sz="2000" dirty="0">
+                <a:effectLst/>
+                <a:latin typeface="Calibri,sans-serif"/>
+              </a:rPr>
+              <a:t>This would allow to approximate the real temporal query with the structural one.</a:t>
+            </a:r>
+          </a:p>
+          <a:p>
+            <a:pPr marL="285750" indent="-285750">
+              <a:buFont typeface="Arial" panose="020B0604020202020204" pitchFamily="34" charset="0"/>
+              <a:buChar char="•"/>
+            </a:pPr>
+            <a:r>
+              <a:rPr lang="en-US" sz="2000" dirty="0">
+                <a:effectLst/>
+                <a:latin typeface="Calibri,sans-serif"/>
+              </a:rPr>
+              <a:t>The difference between maximum and minimum deletions would provide a lifespan measure.</a:t>
+            </a:r>
+          </a:p>
+          <a:p>
+            <a:pPr marL="285750" indent="-285750">
+              <a:buFont typeface="Arial" panose="020B0604020202020204" pitchFamily="34" charset="0"/>
+              <a:buChar char="•"/>
+            </a:pPr>
+            <a:r>
+              <a:rPr lang="en-US" sz="2000" dirty="0">
+                <a:effectLst/>
+                <a:latin typeface="Calibri,sans-serif"/>
+              </a:rPr>
+              <a:t>This would allow to detect anomaly beyond the attribute level, but also at the graph level.</a:t>
+            </a:r>
+            <a:endParaRPr lang="en-US" sz="2000" dirty="0"/>
+          </a:p>
+        </p:txBody>
+      </p:sp>
+    </p:spTree>
+    <p:extLst>
+      <p:ext uri="{BB962C8B-B14F-4D97-AF65-F5344CB8AC3E}">
+        <p14:creationId xmlns:p14="http://schemas.microsoft.com/office/powerpoint/2010/main" val="3510858119"/>
+      </p:ext>
+    </p:extLst>
+  </p:cSld>
+  <p:clrMapOvr>
+    <a:masterClrMapping/>
+  </p:clrMapOvr>
+</p:sld>
+</file>
+
+<file path=ppt/slides/slide14.xml><?xml version="1.0" encoding="utf-8"?>
+<p:sld xmlns:a="http://schemas.openxmlformats.org/drawingml/2006/main" xmlns:r="http://schemas.openxmlformats.org/officeDocument/2006/relationships" xmlns:p="http://schemas.openxmlformats.org/presentationml/2006/main">
+  <p:cSld>
+    <p:spTree>
+      <p:nvGrpSpPr>
+        <p:cNvPr id="1" name=""/>
+        <p:cNvGrpSpPr/>
+        <p:nvPr/>
+      </p:nvGrpSpPr>
+      <p:grpSpPr>
+        <a:xfrm>
+          <a:off x="0" y="0"/>
+          <a:ext cx="0" cy="0"/>
+          <a:chOff x="0" y="0"/>
+          <a:chExt cx="0" cy="0"/>
+        </a:xfrm>
+      </p:grpSpPr>
+      <p:sp>
+        <p:nvSpPr>
+          <p:cNvPr id="2" name="Title 1">
+            <a:extLst>
+              <a:ext uri="{FF2B5EF4-FFF2-40B4-BE49-F238E27FC236}">
                 <a16:creationId xmlns:a16="http://schemas.microsoft.com/office/drawing/2014/main" id="{0302680A-DDC3-7858-5AB6-1E42BBB4DE10}"/>
               </a:ext>
             </a:extLst>
@@ -11035,7 +11260,7 @@
 </p:sld>
 </file>
 
-<file path=ppt/slides/slide14.xml><?xml version="1.0" encoding="utf-8"?>
+<file path=ppt/slides/slide15.xml><?xml version="1.0" encoding="utf-8"?>
 <p:sld xmlns:a="http://schemas.openxmlformats.org/drawingml/2006/main" xmlns:r="http://schemas.openxmlformats.org/officeDocument/2006/relationships" xmlns:p="http://schemas.openxmlformats.org/presentationml/2006/main">
   <p:cSld>
     <p:spTree>
@@ -12038,10 +12263,10 @@
       </p:grpSpPr>
       <p:sp>
         <p:nvSpPr>
-          <p:cNvPr id="4" name="Title 3">
+          <p:cNvPr id="2" name="Title 1">
             <a:extLst>
               <a:ext uri="{FF2B5EF4-FFF2-40B4-BE49-F238E27FC236}">
-                <a16:creationId xmlns:a16="http://schemas.microsoft.com/office/drawing/2014/main" id="{A9CE4E3E-A704-859E-9420-CB147BA20052}"/>
+                <a16:creationId xmlns:a16="http://schemas.microsoft.com/office/drawing/2014/main" id="{01F89863-02CD-5A31-2DEE-1FDFF736683F}"/>
               </a:ext>
             </a:extLst>
           </p:cNvPr>
@@ -12049,39 +12274,618 @@
             <a:spLocks noGrp="1"/>
           </p:cNvSpPr>
           <p:nvPr>
-            <p:ph type="ctrTitle"/>
+            <p:ph type="title"/>
           </p:nvPr>
         </p:nvSpPr>
-        <p:spPr>
-          <a:xfrm>
-            <a:off x="478368" y="3911097"/>
-            <a:ext cx="11228913" cy="2716040"/>
-          </a:xfrm>
-        </p:spPr>
+        <p:spPr/>
         <p:txBody>
           <a:bodyPr/>
           <a:lstStyle/>
           <a:p>
             <a:r>
               <a:rPr lang="en-US" dirty="0"/>
-              <a:t>End</a:t>
-            </a:r>
-          </a:p>
-        </p:txBody>
-      </p:sp>
+              <a:t>Design Tasks Milestones</a:t>
+            </a:r>
+          </a:p>
+        </p:txBody>
+      </p:sp>
+      <p:graphicFrame>
+        <p:nvGraphicFramePr>
+          <p:cNvPr id="4" name="Table 4">
+            <a:extLst>
+              <a:ext uri="{FF2B5EF4-FFF2-40B4-BE49-F238E27FC236}">
+                <a16:creationId xmlns:a16="http://schemas.microsoft.com/office/drawing/2014/main" id="{542EF125-13B4-3280-9086-D5E51FF2032E}"/>
+              </a:ext>
+            </a:extLst>
+          </p:cNvPr>
+          <p:cNvGraphicFramePr>
+            <a:graphicFrameLocks noGrp="1"/>
+          </p:cNvGraphicFramePr>
+          <p:nvPr>
+            <p:ph idx="1"/>
+          </p:nvPr>
+        </p:nvGraphicFramePr>
+        <p:xfrm>
+          <a:off x="268241" y="959353"/>
+          <a:ext cx="11474448" cy="5405120"/>
+        </p:xfrm>
+        <a:graphic>
+          <a:graphicData uri="http://schemas.openxmlformats.org/drawingml/2006/table">
+            <a:tbl>
+              <a:tblPr firstRow="1" bandRow="1">
+                <a:tableStyleId>{5C22544A-7EE6-4342-B048-85BDC9FD1C3A}</a:tableStyleId>
+              </a:tblPr>
+              <a:tblGrid>
+                <a:gridCol w="400348">
+                  <a:extLst>
+                    <a:ext uri="{9D8B030D-6E8A-4147-A177-3AD203B41FA5}">
+                      <a16:colId xmlns:a16="http://schemas.microsoft.com/office/drawing/2014/main" val="950524323"/>
+                    </a:ext>
+                  </a:extLst>
+                </a:gridCol>
+                <a:gridCol w="9163474">
+                  <a:extLst>
+                    <a:ext uri="{9D8B030D-6E8A-4147-A177-3AD203B41FA5}">
+                      <a16:colId xmlns:a16="http://schemas.microsoft.com/office/drawing/2014/main" val="1152934117"/>
+                    </a:ext>
+                  </a:extLst>
+                </a:gridCol>
+                <a:gridCol w="1910626">
+                  <a:extLst>
+                    <a:ext uri="{9D8B030D-6E8A-4147-A177-3AD203B41FA5}">
+                      <a16:colId xmlns:a16="http://schemas.microsoft.com/office/drawing/2014/main" val="995141170"/>
+                    </a:ext>
+                  </a:extLst>
+                </a:gridCol>
+              </a:tblGrid>
+              <a:tr h="370840">
+                <a:tc>
+                  <a:txBody>
+                    <a:bodyPr/>
+                    <a:lstStyle/>
+                    <a:p>
+                      <a:pPr algn="ctr"/>
+                      <a:r>
+                        <a:rPr lang="en-US" sz="1800" dirty="0"/>
+                        <a:t>#</a:t>
+                      </a:r>
+                    </a:p>
+                  </a:txBody>
+                  <a:tcPr/>
+                </a:tc>
+                <a:tc>
+                  <a:txBody>
+                    <a:bodyPr/>
+                    <a:lstStyle/>
+                    <a:p>
+                      <a:pPr algn="ctr"/>
+                      <a:r>
+                        <a:rPr lang="en-US" sz="1800" dirty="0"/>
+                        <a:t>Task</a:t>
+                      </a:r>
+                    </a:p>
+                  </a:txBody>
+                  <a:tcPr/>
+                </a:tc>
+                <a:tc>
+                  <a:txBody>
+                    <a:bodyPr/>
+                    <a:lstStyle/>
+                    <a:p>
+                      <a:pPr algn="ctr"/>
+                      <a:r>
+                        <a:rPr lang="en-US" sz="1800" dirty="0"/>
+                        <a:t>Milestone</a:t>
+                      </a:r>
+                    </a:p>
+                  </a:txBody>
+                  <a:tcPr/>
+                </a:tc>
+                <a:extLst>
+                  <a:ext uri="{0D108BD9-81ED-4DB2-BD59-A6C34878D82A}">
+                    <a16:rowId xmlns:a16="http://schemas.microsoft.com/office/drawing/2014/main" val="4012673333"/>
+                  </a:ext>
+                </a:extLst>
+              </a:tr>
+              <a:tr h="370840">
+                <a:tc>
+                  <a:txBody>
+                    <a:bodyPr/>
+                    <a:lstStyle/>
+                    <a:p>
+                      <a:pPr algn="ctr"/>
+                      <a:r>
+                        <a:rPr lang="en-US" sz="1800" dirty="0"/>
+                        <a:t>1</a:t>
+                      </a:r>
+                    </a:p>
+                  </a:txBody>
+                  <a:tcPr/>
+                </a:tc>
+                <a:tc>
+                  <a:txBody>
+                    <a:bodyPr/>
+                    <a:lstStyle/>
+                    <a:p>
+                      <a:pPr algn="l"/>
+                      <a:r>
+                        <a:rPr lang="en-US" sz="1800" dirty="0"/>
+                        <a:t>Design the data generation for anomaly detection (training vs testing)</a:t>
+                      </a:r>
+                    </a:p>
+                  </a:txBody>
+                  <a:tcPr/>
+                </a:tc>
+                <a:tc>
+                  <a:txBody>
+                    <a:bodyPr/>
+                    <a:lstStyle/>
+                    <a:p>
+                      <a:pPr algn="ctr"/>
+                      <a:r>
+                        <a:rPr lang="en-US" sz="1800" dirty="0"/>
+                        <a:t>May 16</a:t>
+                      </a:r>
+                    </a:p>
+                  </a:txBody>
+                  <a:tcPr/>
+                </a:tc>
+                <a:extLst>
+                  <a:ext uri="{0D108BD9-81ED-4DB2-BD59-A6C34878D82A}">
+                    <a16:rowId xmlns:a16="http://schemas.microsoft.com/office/drawing/2014/main" val="3083962340"/>
+                  </a:ext>
+                </a:extLst>
+              </a:tr>
+              <a:tr h="370840">
+                <a:tc>
+                  <a:txBody>
+                    <a:bodyPr/>
+                    <a:lstStyle/>
+                    <a:p>
+                      <a:pPr algn="ctr"/>
+                      <a:r>
+                        <a:rPr lang="en-US" sz="1800" dirty="0"/>
+                        <a:t>2</a:t>
+                      </a:r>
+                    </a:p>
+                  </a:txBody>
+                  <a:tcPr/>
+                </a:tc>
+                <a:tc>
+                  <a:txBody>
+                    <a:bodyPr/>
+                    <a:lstStyle/>
+                    <a:p>
+                      <a:pPr algn="l"/>
+                      <a:r>
+                        <a:rPr lang="en-US" sz="1800" dirty="0"/>
+                        <a:t>Design the anomaly association estimation</a:t>
+                      </a:r>
+                    </a:p>
+                    <a:p>
+                      <a:pPr marL="285750" indent="-285750" algn="l">
+                        <a:buFont typeface="Arial" panose="020B0604020202020204" pitchFamily="34" charset="0"/>
+                        <a:buChar char="•"/>
+                      </a:pPr>
+                      <a:r>
+                        <a:rPr lang="en-US" sz="1800" u="sng" dirty="0"/>
+                        <a:t>inputs</a:t>
+                      </a:r>
+                      <a:r>
+                        <a:rPr lang="en-US" sz="1800" dirty="0"/>
+                        <a:t>: usage timeseries, </a:t>
+                      </a:r>
+                      <a:r>
+                        <a:rPr lang="en-US" sz="1800" u="sng" dirty="0"/>
+                        <a:t>output</a:t>
+                      </a:r>
+                      <a:r>
+                        <a:rPr lang="en-US" sz="1800" dirty="0"/>
+                        <a:t>: correlation matrix</a:t>
+                      </a:r>
+                    </a:p>
+                  </a:txBody>
+                  <a:tcPr/>
+                </a:tc>
+                <a:tc>
+                  <a:txBody>
+                    <a:bodyPr/>
+                    <a:lstStyle/>
+                    <a:p>
+                      <a:pPr algn="ctr"/>
+                      <a:r>
+                        <a:rPr lang="en-US" sz="1800" dirty="0"/>
+                        <a:t>May 17</a:t>
+                      </a:r>
+                    </a:p>
+                  </a:txBody>
+                  <a:tcPr/>
+                </a:tc>
+                <a:extLst>
+                  <a:ext uri="{0D108BD9-81ED-4DB2-BD59-A6C34878D82A}">
+                    <a16:rowId xmlns:a16="http://schemas.microsoft.com/office/drawing/2014/main" val="1558141861"/>
+                  </a:ext>
+                </a:extLst>
+              </a:tr>
+              <a:tr h="560724">
+                <a:tc>
+                  <a:txBody>
+                    <a:bodyPr/>
+                    <a:lstStyle/>
+                    <a:p>
+                      <a:pPr algn="ctr"/>
+                      <a:r>
+                        <a:rPr lang="en-US" sz="1800" dirty="0"/>
+                        <a:t>3</a:t>
+                      </a:r>
+                    </a:p>
+                  </a:txBody>
+                  <a:tcPr/>
+                </a:tc>
+                <a:tc>
+                  <a:txBody>
+                    <a:bodyPr/>
+                    <a:lstStyle/>
+                    <a:p>
+                      <a:pPr algn="l"/>
+                      <a:r>
+                        <a:rPr lang="en-US" sz="1800" dirty="0"/>
+                        <a:t>Design the data generation for the failure propagation </a:t>
+                      </a:r>
+                    </a:p>
+                    <a:p>
+                      <a:pPr marL="285750" indent="-285750" algn="l">
+                        <a:buFont typeface="Arial" panose="020B0604020202020204" pitchFamily="34" charset="0"/>
+                        <a:buChar char="•"/>
+                      </a:pPr>
+                      <a:r>
+                        <a:rPr lang="en-US" sz="1800" u="sng" dirty="0"/>
+                        <a:t>inputs</a:t>
+                      </a:r>
+                      <a:r>
+                        <a:rPr lang="en-US" sz="1800" dirty="0"/>
+                        <a:t>: correlation matrix and adjacency matrix, </a:t>
+                      </a:r>
+                      <a:r>
+                        <a:rPr lang="en-US" sz="1800" u="sng" dirty="0"/>
+                        <a:t>output</a:t>
+                      </a:r>
+                      <a:r>
+                        <a:rPr lang="en-US" sz="1800" dirty="0"/>
+                        <a:t>: set of subgraphs)</a:t>
+                      </a:r>
+                    </a:p>
+                  </a:txBody>
+                  <a:tcPr/>
+                </a:tc>
+                <a:tc>
+                  <a:txBody>
+                    <a:bodyPr/>
+                    <a:lstStyle/>
+                    <a:p>
+                      <a:pPr algn="ctr"/>
+                      <a:r>
+                        <a:rPr lang="en-US" sz="1800" dirty="0"/>
+                        <a:t>May 24</a:t>
+                      </a:r>
+                    </a:p>
+                  </a:txBody>
+                  <a:tcPr/>
+                </a:tc>
+                <a:extLst>
+                  <a:ext uri="{0D108BD9-81ED-4DB2-BD59-A6C34878D82A}">
+                    <a16:rowId xmlns:a16="http://schemas.microsoft.com/office/drawing/2014/main" val="1120106117"/>
+                  </a:ext>
+                </a:extLst>
+              </a:tr>
+              <a:tr h="370840">
+                <a:tc>
+                  <a:txBody>
+                    <a:bodyPr/>
+                    <a:lstStyle/>
+                    <a:p>
+                      <a:pPr algn="ctr"/>
+                      <a:r>
+                        <a:rPr lang="en-US" sz="1800" dirty="0"/>
+                        <a:t>4</a:t>
+                      </a:r>
+                    </a:p>
+                  </a:txBody>
+                  <a:tcPr/>
+                </a:tc>
+                <a:tc>
+                  <a:txBody>
+                    <a:bodyPr/>
+                    <a:lstStyle/>
+                    <a:p>
+                      <a:pPr algn="l"/>
+                      <a:r>
+                        <a:rPr lang="en-US" sz="1800" dirty="0"/>
+                        <a:t>Design the graph matching (choose 3 algorithms: GNN and heuristics-based)</a:t>
+                      </a:r>
+                    </a:p>
+                    <a:p>
+                      <a:pPr marL="285750" indent="-285750" algn="l">
+                        <a:buFont typeface="Arial" panose="020B0604020202020204" pitchFamily="34" charset="0"/>
+                        <a:buChar char="•"/>
+                      </a:pPr>
+                      <a:r>
+                        <a:rPr lang="en-US" sz="1800" u="sng" dirty="0"/>
+                        <a:t>inputs</a:t>
+                      </a:r>
+                      <a:r>
+                        <a:rPr lang="en-US" sz="1800" dirty="0"/>
+                        <a:t>: pattern subgraphs, testing subgraph; </a:t>
+                      </a:r>
+                      <a:r>
+                        <a:rPr lang="en-US" sz="1800" u="sng" dirty="0"/>
+                        <a:t>outputs</a:t>
+                      </a:r>
+                      <a:r>
+                        <a:rPr lang="en-US" sz="1800" dirty="0"/>
+                        <a:t>: ranking of subgraphs</a:t>
+                      </a:r>
+                    </a:p>
+                  </a:txBody>
+                  <a:tcPr/>
+                </a:tc>
+                <a:tc>
+                  <a:txBody>
+                    <a:bodyPr/>
+                    <a:lstStyle/>
+                    <a:p>
+                      <a:pPr algn="ctr"/>
+                      <a:r>
+                        <a:rPr lang="en-US" sz="1800" dirty="0"/>
+                        <a:t>June 1st</a:t>
+                      </a:r>
+                    </a:p>
+                  </a:txBody>
+                  <a:tcPr/>
+                </a:tc>
+                <a:extLst>
+                  <a:ext uri="{0D108BD9-81ED-4DB2-BD59-A6C34878D82A}">
+                    <a16:rowId xmlns:a16="http://schemas.microsoft.com/office/drawing/2014/main" val="2722150535"/>
+                  </a:ext>
+                </a:extLst>
+              </a:tr>
+              <a:tr h="370840">
+                <a:tc>
+                  <a:txBody>
+                    <a:bodyPr/>
+                    <a:lstStyle/>
+                    <a:p>
+                      <a:pPr algn="ctr"/>
+                      <a:r>
+                        <a:rPr lang="en-US" sz="1800" dirty="0"/>
+                        <a:t>5</a:t>
+                      </a:r>
+                    </a:p>
+                  </a:txBody>
+                  <a:tcPr/>
+                </a:tc>
+                <a:tc>
+                  <a:txBody>
+                    <a:bodyPr/>
+                    <a:lstStyle/>
+                    <a:p>
+                      <a:pPr algn="l"/>
+                      <a:r>
+                        <a:rPr lang="en-US" sz="1800" dirty="0"/>
+                        <a:t>Design the perturbation on the original system graph</a:t>
+                      </a:r>
+                    </a:p>
+                    <a:p>
+                      <a:pPr marL="285750" indent="-285750" algn="l">
+                        <a:buFont typeface="Arial" panose="020B0604020202020204" pitchFamily="34" charset="0"/>
+                        <a:buChar char="•"/>
+                      </a:pPr>
+                      <a:r>
+                        <a:rPr lang="en-US" sz="1800" u="sng" dirty="0"/>
+                        <a:t>inputs</a:t>
+                      </a:r>
+                      <a:r>
+                        <a:rPr lang="en-US" sz="1800" dirty="0"/>
+                        <a:t>: type of perturbation; </a:t>
+                      </a:r>
+                      <a:r>
+                        <a:rPr lang="en-US" sz="1800" u="sng" dirty="0"/>
+                        <a:t>output</a:t>
+                      </a:r>
+                      <a:r>
+                        <a:rPr lang="en-US" sz="1800" dirty="0"/>
+                        <a:t>: new anomaly data, new subgraphs</a:t>
+                      </a:r>
+                    </a:p>
+                  </a:txBody>
+                  <a:tcPr/>
+                </a:tc>
+                <a:tc>
+                  <a:txBody>
+                    <a:bodyPr/>
+                    <a:lstStyle/>
+                    <a:p>
+                      <a:pPr algn="ctr"/>
+                      <a:r>
+                        <a:rPr lang="en-US" sz="1800" dirty="0"/>
+                        <a:t>June 15</a:t>
+                      </a:r>
+                    </a:p>
+                  </a:txBody>
+                  <a:tcPr/>
+                </a:tc>
+                <a:extLst>
+                  <a:ext uri="{0D108BD9-81ED-4DB2-BD59-A6C34878D82A}">
+                    <a16:rowId xmlns:a16="http://schemas.microsoft.com/office/drawing/2014/main" val="2906131169"/>
+                  </a:ext>
+                </a:extLst>
+              </a:tr>
+              <a:tr h="370840">
+                <a:tc>
+                  <a:txBody>
+                    <a:bodyPr/>
+                    <a:lstStyle/>
+                    <a:p>
+                      <a:pPr algn="ctr"/>
+                      <a:r>
+                        <a:rPr lang="en-US" sz="1800" dirty="0"/>
+                        <a:t>6</a:t>
+                      </a:r>
+                    </a:p>
+                  </a:txBody>
+                  <a:tcPr/>
+                </a:tc>
+                <a:tc>
+                  <a:txBody>
+                    <a:bodyPr/>
+                    <a:lstStyle/>
+                    <a:p>
+                      <a:pPr algn="l"/>
+                      <a:r>
+                        <a:rPr lang="en-US" sz="1800" dirty="0"/>
+                        <a:t>Design the evaluation of the Anomaly Association under system graph perturbation (new anomaly data)</a:t>
+                      </a:r>
+                    </a:p>
+                    <a:p>
+                      <a:pPr algn="l"/>
+                      <a:r>
+                        <a:rPr lang="en-US" sz="1800" u="sng" dirty="0"/>
+                        <a:t>inputs</a:t>
+                      </a:r>
+                      <a:r>
+                        <a:rPr lang="en-US" sz="1800" dirty="0"/>
+                        <a:t>: new anomaly data; </a:t>
+                      </a:r>
+                      <a:r>
+                        <a:rPr lang="en-US" sz="1800" u="sng" dirty="0"/>
+                        <a:t>output</a:t>
+                      </a:r>
+                      <a:r>
+                        <a:rPr lang="en-US" sz="1800" dirty="0"/>
+                        <a:t>: accuracy of anomaly detection</a:t>
+                      </a:r>
+                    </a:p>
+                  </a:txBody>
+                  <a:tcPr/>
+                </a:tc>
+                <a:tc>
+                  <a:txBody>
+                    <a:bodyPr/>
+                    <a:lstStyle/>
+                    <a:p>
+                      <a:pPr algn="ctr"/>
+                      <a:r>
+                        <a:rPr lang="en-US" sz="1800" dirty="0"/>
+                        <a:t>June 22</a:t>
+                      </a:r>
+                    </a:p>
+                  </a:txBody>
+                  <a:tcPr/>
+                </a:tc>
+                <a:extLst>
+                  <a:ext uri="{0D108BD9-81ED-4DB2-BD59-A6C34878D82A}">
+                    <a16:rowId xmlns:a16="http://schemas.microsoft.com/office/drawing/2014/main" val="869278018"/>
+                  </a:ext>
+                </a:extLst>
+              </a:tr>
+              <a:tr h="370840">
+                <a:tc>
+                  <a:txBody>
+                    <a:bodyPr/>
+                    <a:lstStyle/>
+                    <a:p>
+                      <a:pPr algn="ctr"/>
+                      <a:r>
+                        <a:rPr lang="en-US" sz="1800" dirty="0"/>
+                        <a:t>7</a:t>
+                      </a:r>
+                    </a:p>
+                  </a:txBody>
+                  <a:tcPr/>
+                </a:tc>
+                <a:tc>
+                  <a:txBody>
+                    <a:bodyPr/>
+                    <a:lstStyle/>
+                    <a:p>
+                      <a:pPr algn="l"/>
+                      <a:r>
+                        <a:rPr lang="en-US" sz="1800" dirty="0"/>
+                        <a:t>Design the evaluation of Graph Matching under system graph perturbation (new failure propagation data)</a:t>
+                      </a:r>
+                    </a:p>
+                    <a:p>
+                      <a:pPr marL="0" marR="0" lvl="0" indent="0" algn="l" defTabSz="1219170" rtl="0" eaLnBrk="1" fontAlgn="auto" latinLnBrk="0" hangingPunct="1">
+                        <a:lnSpc>
+                          <a:spcPct val="100000"/>
+                        </a:lnSpc>
+                        <a:spcBef>
+                          <a:spcPts val="0"/>
+                        </a:spcBef>
+                        <a:spcAft>
+                          <a:spcPts val="0"/>
+                        </a:spcAft>
+                        <a:buClrTx/>
+                        <a:buSzTx/>
+                        <a:buFontTx/>
+                        <a:buNone/>
+                        <a:tabLst/>
+                        <a:defRPr/>
+                      </a:pPr>
+                      <a:r>
+                        <a:rPr lang="en-US" sz="1800" u="sng" dirty="0"/>
+                        <a:t>inputs</a:t>
+                      </a:r>
+                      <a:r>
+                        <a:rPr lang="en-US" sz="1800" dirty="0"/>
+                        <a:t>: new propagation data; </a:t>
+                      </a:r>
+                      <a:r>
+                        <a:rPr lang="en-US" sz="1800" u="sng" dirty="0"/>
+                        <a:t>output</a:t>
+                      </a:r>
+                      <a:r>
+                        <a:rPr lang="en-US" sz="1800" dirty="0"/>
+                        <a:t>: accuracy of graph matching</a:t>
+                      </a:r>
+                    </a:p>
+                  </a:txBody>
+                  <a:tcPr/>
+                </a:tc>
+                <a:tc>
+                  <a:txBody>
+                    <a:bodyPr/>
+                    <a:lstStyle/>
+                    <a:p>
+                      <a:pPr algn="ctr"/>
+                      <a:r>
+                        <a:rPr lang="en-US" sz="1800" dirty="0"/>
+                        <a:t>July 6</a:t>
+                      </a:r>
+                    </a:p>
+                  </a:txBody>
+                  <a:tcPr/>
+                </a:tc>
+                <a:extLst>
+                  <a:ext uri="{0D108BD9-81ED-4DB2-BD59-A6C34878D82A}">
+                    <a16:rowId xmlns:a16="http://schemas.microsoft.com/office/drawing/2014/main" val="1779880597"/>
+                  </a:ext>
+                </a:extLst>
+              </a:tr>
+            </a:tbl>
+          </a:graphicData>
+        </a:graphic>
+      </p:graphicFrame>
     </p:spTree>
     <p:extLst>
       <p:ext uri="{BB962C8B-B14F-4D97-AF65-F5344CB8AC3E}">
-        <p14:creationId xmlns:p14="http://schemas.microsoft.com/office/powerpoint/2010/main" val="2449525730"/>
+        <p14:creationId xmlns:p14="http://schemas.microsoft.com/office/powerpoint/2010/main" val="3381099877"/>
       </p:ext>
     </p:extLst>
   </p:cSld>
   <p:clrMapOvr>
     <a:masterClrMapping/>
   </p:clrMapOvr>
-  <p:transition spd="slow">
-    <p:wipe dir="d"/>
-  </p:transition>
 </p:sld>
 </file>
 
@@ -12104,238 +12908,10 @@
       </p:grpSpPr>
       <p:sp>
         <p:nvSpPr>
-          <p:cNvPr id="27649" name="Rectangle 2"/>
-          <p:cNvSpPr>
-            <a:spLocks noGrp="1" noChangeArrowheads="1"/>
-          </p:cNvSpPr>
-          <p:nvPr>
-            <p:ph type="ctrTitle"/>
-          </p:nvPr>
-        </p:nvSpPr>
-        <p:spPr>
-          <a:xfrm>
-            <a:off x="1524000" y="1122363"/>
-            <a:ext cx="9144000" cy="4066164"/>
-          </a:xfrm>
-        </p:spPr>
-        <p:txBody>
-          <a:bodyPr>
-            <a:normAutofit/>
-          </a:bodyPr>
-          <a:lstStyle/>
-          <a:p>
-            <a:r>
-              <a:rPr lang="en-US" sz="4400" b="1" dirty="0"/>
-              <a:t>Extra-Slides </a:t>
-            </a:r>
-            <a:br>
-              <a:rPr lang="en-US" sz="4400" b="1" dirty="0"/>
-            </a:br>
-            <a:r>
-              <a:rPr lang="en-US" sz="4400" b="1" dirty="0"/>
-              <a:t>(Idea Generation)</a:t>
-            </a:r>
-            <a:br>
-              <a:rPr kumimoji="0" lang="en-US" sz="3200" b="0" i="0" u="none" strike="noStrike" kern="1200" cap="none" spc="0" normalizeH="0" baseline="0" noProof="0" dirty="0">
-                <a:ln>
-                  <a:noFill/>
-                </a:ln>
-                <a:solidFill>
-                  <a:srgbClr val="5A6166"/>
-                </a:solidFill>
-                <a:effectLst/>
-                <a:uLnTx/>
-                <a:uFillTx/>
-                <a:latin typeface="Verdana"/>
-                <a:ea typeface="+mj-ea"/>
-                <a:cs typeface="+mj-cs"/>
-              </a:rPr>
-            </a:br>
-            <a:r>
-              <a:rPr kumimoji="0" lang="en-US" sz="2400" b="0" i="0" u="none" strike="noStrike" kern="1200" cap="none" spc="0" normalizeH="0" baseline="0" noProof="0" dirty="0">
-                <a:ln>
-                  <a:noFill/>
-                </a:ln>
-                <a:solidFill>
-                  <a:srgbClr val="5A6166"/>
-                </a:solidFill>
-                <a:effectLst/>
-                <a:uLnTx/>
-                <a:uFillTx/>
-                <a:latin typeface="Verdana"/>
-                <a:ea typeface="ＭＳ Ｐゴシック" charset="-128"/>
-                <a:cs typeface="+mj-cs"/>
-              </a:rPr>
-              <a:t>Co</a:t>
-            </a:r>
-            <a:r>
-              <a:rPr kumimoji="0" lang="en-US" altLang="x-none" sz="2400" b="0" i="0" u="none" strike="noStrike" kern="1200" cap="none" spc="0" normalizeH="0" baseline="0" noProof="0" dirty="0">
-                <a:ln>
-                  <a:noFill/>
-                </a:ln>
-                <a:solidFill>
-                  <a:srgbClr val="5A6166"/>
-                </a:solidFill>
-                <a:effectLst/>
-                <a:uLnTx/>
-                <a:uFillTx/>
-                <a:latin typeface="Verdana"/>
-                <a:ea typeface="ＭＳ Ｐゴシック" charset="-128"/>
-                <a:cs typeface="+mj-cs"/>
-              </a:rPr>
-              <a:t>urse on Graph Neural Networks (Summer Term 22)</a:t>
-            </a:r>
-            <a:br>
-              <a:rPr lang="en-US" altLang="x-none" sz="4900" b="1" dirty="0">
-                <a:ea typeface="ＭＳ Ｐゴシック" charset="-128"/>
-              </a:rPr>
-            </a:br>
-            <a:endParaRPr lang="en-US" altLang="x-none" b="1" dirty="0">
-              <a:ea typeface="ＭＳ Ｐゴシック" charset="-128"/>
-            </a:endParaRPr>
-          </a:p>
-        </p:txBody>
-      </p:sp>
-      <p:sp>
-        <p:nvSpPr>
-          <p:cNvPr id="27650" name="Rectangle 3"/>
-          <p:cNvSpPr>
-            <a:spLocks noGrp="1" noChangeArrowheads="1"/>
-          </p:cNvSpPr>
-          <p:nvPr>
-            <p:ph type="subTitle" idx="1"/>
-          </p:nvPr>
-        </p:nvSpPr>
-        <p:spPr>
-          <a:xfrm>
-            <a:off x="2410725" y="4706741"/>
-            <a:ext cx="7515022" cy="1780064"/>
-          </a:xfrm>
-        </p:spPr>
-        <p:txBody>
-          <a:bodyPr>
-            <a:normAutofit fontScale="25000" lnSpcReduction="20000"/>
-          </a:bodyPr>
-          <a:lstStyle/>
-          <a:p>
-            <a:r>
-              <a:rPr lang="en-US" altLang="x-none" sz="6400" dirty="0">
-                <a:ea typeface="ＭＳ Ｐゴシック" charset="-128"/>
-              </a:rPr>
-              <a:t>Prof. Dr. Holger Giese (</a:t>
-            </a:r>
-            <a:r>
-              <a:rPr lang="en-US" altLang="x-none" sz="6400" dirty="0">
-                <a:ea typeface="ＭＳ Ｐゴシック" charset="-128"/>
-                <a:hlinkClick r:id="rId3"/>
-              </a:rPr>
-              <a:t>holger.giese@hpi.uni-potsdam.de)</a:t>
-            </a:r>
-            <a:r>
-              <a:rPr lang="en-US" altLang="x-none" sz="6400" dirty="0">
-                <a:ea typeface="ＭＳ Ｐゴシック" charset="-128"/>
-              </a:rPr>
-              <a:t> </a:t>
-            </a:r>
-          </a:p>
-          <a:p>
-            <a:r>
-              <a:rPr lang="en-US" altLang="x-none" sz="6400" dirty="0">
-                <a:ea typeface="ＭＳ Ｐゴシック" charset="-128"/>
-              </a:rPr>
-              <a:t>Christian Medeiros Adriano (</a:t>
-            </a:r>
-            <a:r>
-              <a:rPr lang="en-US" altLang="x-none" sz="6400" dirty="0">
-                <a:ea typeface="ＭＳ Ｐゴシック" charset="-128"/>
-                <a:hlinkClick r:id="rId4"/>
-              </a:rPr>
-              <a:t>christian.adriano@hpi.de</a:t>
-            </a:r>
-            <a:r>
-              <a:rPr lang="en-US" altLang="x-none" sz="6400" dirty="0">
-                <a:ea typeface="ＭＳ Ｐゴシック" charset="-128"/>
-              </a:rPr>
-              <a:t>) - </a:t>
-            </a:r>
-            <a:r>
-              <a:rPr lang="en-US" altLang="x-none" sz="6400" b="1" dirty="0">
-                <a:ea typeface="ＭＳ Ｐゴシック" charset="-128"/>
-              </a:rPr>
-              <a:t>“Chris”</a:t>
-            </a:r>
-            <a:endParaRPr lang="en-US" altLang="x-none" sz="6400" dirty="0">
-              <a:ea typeface="ＭＳ Ｐゴシック" charset="-128"/>
-            </a:endParaRPr>
-          </a:p>
-          <a:p>
-            <a:r>
-              <a:rPr lang="en-US" altLang="x-none" sz="6400" dirty="0">
-                <a:ea typeface="ＭＳ Ｐゴシック" charset="-128"/>
-              </a:rPr>
-              <a:t> Matthias </a:t>
-            </a:r>
-            <a:r>
-              <a:rPr lang="en-US" altLang="x-none" sz="6400" dirty="0" err="1">
-                <a:ea typeface="ＭＳ Ｐゴシック" charset="-128"/>
-              </a:rPr>
-              <a:t>Barkowsky</a:t>
-            </a:r>
-            <a:r>
-              <a:rPr lang="en-US" altLang="x-none" sz="6400" dirty="0">
-                <a:ea typeface="ＭＳ Ｐゴシック" charset="-128"/>
-              </a:rPr>
-              <a:t> (</a:t>
-            </a:r>
-            <a:r>
-              <a:rPr lang="en-US" altLang="x-none" sz="6400" dirty="0">
-                <a:ea typeface="ＭＳ Ｐゴシック" charset="-128"/>
-                <a:hlinkClick r:id="rId5"/>
-              </a:rPr>
-              <a:t>matthias.barkowsky@hpi.de</a:t>
-            </a:r>
-            <a:r>
-              <a:rPr lang="en-US" altLang="x-none" sz="6400" dirty="0">
-                <a:ea typeface="ＭＳ Ｐゴシック" charset="-128"/>
-              </a:rPr>
-              <a:t>  )</a:t>
-            </a:r>
-          </a:p>
-          <a:p>
-            <a:r>
-              <a:rPr lang="en-US" altLang="x-none" sz="6400" dirty="0" err="1">
-                <a:ea typeface="ＭＳ Ｐゴシック" charset="-128"/>
-              </a:rPr>
-              <a:t>Iqra</a:t>
-            </a:r>
-            <a:r>
-              <a:rPr lang="en-US" altLang="x-none" sz="6400" dirty="0">
-                <a:ea typeface="ＭＳ Ｐゴシック" charset="-128"/>
-              </a:rPr>
-              <a:t> Zafar (</a:t>
-            </a:r>
-            <a:r>
-              <a:rPr lang="en-US" altLang="x-none" sz="6400" dirty="0">
-                <a:ea typeface="ＭＳ Ｐゴシック" charset="-128"/>
-                <a:hlinkClick r:id="rId6"/>
-              </a:rPr>
-              <a:t>iqra.zafar@hpi.de</a:t>
-            </a:r>
-            <a:r>
-              <a:rPr lang="en-US" altLang="x-none" sz="6400" dirty="0">
-                <a:ea typeface="ＭＳ Ｐゴシック" charset="-128"/>
-              </a:rPr>
-              <a:t>)</a:t>
-            </a:r>
-          </a:p>
-        </p:txBody>
-      </p:sp>
-      <p:sp>
-        <p:nvSpPr>
-          <p:cNvPr id="2" name="Slide Number Placeholder 1">
+          <p:cNvPr id="4" name="Title 3">
             <a:extLst>
               <a:ext uri="{FF2B5EF4-FFF2-40B4-BE49-F238E27FC236}">
-                <a16:creationId xmlns:a16="http://schemas.microsoft.com/office/drawing/2014/main" id="{70FFAC62-CDF9-4FA9-B6E9-1748944878BE}"/>
+                <a16:creationId xmlns:a16="http://schemas.microsoft.com/office/drawing/2014/main" id="{A9CE4E3E-A704-859E-9420-CB147BA20052}"/>
               </a:ext>
             </a:extLst>
           </p:cNvPr>
@@ -12343,27 +12919,39 @@
             <a:spLocks noGrp="1"/>
           </p:cNvSpPr>
           <p:nvPr>
-            <p:ph type="sldNum" sz="quarter" idx="12"/>
+            <p:ph type="ctrTitle"/>
           </p:nvPr>
         </p:nvSpPr>
-        <p:spPr/>
+        <p:spPr>
+          <a:xfrm>
+            <a:off x="478368" y="3911097"/>
+            <a:ext cx="11228913" cy="2716040"/>
+          </a:xfrm>
+        </p:spPr>
         <p:txBody>
           <a:bodyPr/>
           <a:lstStyle/>
           <a:p>
-            <a:fld id="{81561042-0DC2-4A04-AA50-F6D44EB20EBA}" type="slidenum">
-              <a:rPr lang="en-US" smtClean="0"/>
-              <a:t>6</a:t>
-            </a:fld>
-            <a:endParaRPr lang="en-US"/>
+            <a:r>
+              <a:rPr lang="en-US" dirty="0"/>
+              <a:t>End</a:t>
+            </a:r>
           </a:p>
         </p:txBody>
       </p:sp>
     </p:spTree>
+    <p:extLst>
+      <p:ext uri="{BB962C8B-B14F-4D97-AF65-F5344CB8AC3E}">
+        <p14:creationId xmlns:p14="http://schemas.microsoft.com/office/powerpoint/2010/main" val="2449525730"/>
+      </p:ext>
+    </p:extLst>
   </p:cSld>
   <p:clrMapOvr>
     <a:masterClrMapping/>
   </p:clrMapOvr>
+  <p:transition spd="slow">
+    <p:wipe dir="d"/>
+  </p:transition>
 </p:sld>
 </file>
 
@@ -12386,10 +12974,238 @@
       </p:grpSpPr>
       <p:sp>
         <p:nvSpPr>
-          <p:cNvPr id="2" name="Title 1">
+          <p:cNvPr id="27649" name="Rectangle 2"/>
+          <p:cNvSpPr>
+            <a:spLocks noGrp="1" noChangeArrowheads="1"/>
+          </p:cNvSpPr>
+          <p:nvPr>
+            <p:ph type="ctrTitle"/>
+          </p:nvPr>
+        </p:nvSpPr>
+        <p:spPr>
+          <a:xfrm>
+            <a:off x="1524000" y="1122363"/>
+            <a:ext cx="9144000" cy="4066164"/>
+          </a:xfrm>
+        </p:spPr>
+        <p:txBody>
+          <a:bodyPr>
+            <a:normAutofit/>
+          </a:bodyPr>
+          <a:lstStyle/>
+          <a:p>
+            <a:r>
+              <a:rPr lang="en-US" sz="4400" b="1" dirty="0"/>
+              <a:t>Extra-Slides </a:t>
+            </a:r>
+            <a:br>
+              <a:rPr lang="en-US" sz="4400" b="1" dirty="0"/>
+            </a:br>
+            <a:r>
+              <a:rPr lang="en-US" sz="4400" b="1" dirty="0"/>
+              <a:t>(Idea Generation)</a:t>
+            </a:r>
+            <a:br>
+              <a:rPr kumimoji="0" lang="en-US" sz="3200" b="0" i="0" u="none" strike="noStrike" kern="1200" cap="none" spc="0" normalizeH="0" baseline="0" noProof="0" dirty="0">
+                <a:ln>
+                  <a:noFill/>
+                </a:ln>
+                <a:solidFill>
+                  <a:srgbClr val="5A6166"/>
+                </a:solidFill>
+                <a:effectLst/>
+                <a:uLnTx/>
+                <a:uFillTx/>
+                <a:latin typeface="Verdana"/>
+                <a:ea typeface="+mj-ea"/>
+                <a:cs typeface="+mj-cs"/>
+              </a:rPr>
+            </a:br>
+            <a:r>
+              <a:rPr kumimoji="0" lang="en-US" sz="2400" b="0" i="0" u="none" strike="noStrike" kern="1200" cap="none" spc="0" normalizeH="0" baseline="0" noProof="0" dirty="0">
+                <a:ln>
+                  <a:noFill/>
+                </a:ln>
+                <a:solidFill>
+                  <a:srgbClr val="5A6166"/>
+                </a:solidFill>
+                <a:effectLst/>
+                <a:uLnTx/>
+                <a:uFillTx/>
+                <a:latin typeface="Verdana"/>
+                <a:ea typeface="ＭＳ Ｐゴシック" charset="-128"/>
+                <a:cs typeface="+mj-cs"/>
+              </a:rPr>
+              <a:t>Co</a:t>
+            </a:r>
+            <a:r>
+              <a:rPr kumimoji="0" lang="en-US" altLang="x-none" sz="2400" b="0" i="0" u="none" strike="noStrike" kern="1200" cap="none" spc="0" normalizeH="0" baseline="0" noProof="0" dirty="0">
+                <a:ln>
+                  <a:noFill/>
+                </a:ln>
+                <a:solidFill>
+                  <a:srgbClr val="5A6166"/>
+                </a:solidFill>
+                <a:effectLst/>
+                <a:uLnTx/>
+                <a:uFillTx/>
+                <a:latin typeface="Verdana"/>
+                <a:ea typeface="ＭＳ Ｐゴシック" charset="-128"/>
+                <a:cs typeface="+mj-cs"/>
+              </a:rPr>
+              <a:t>urse on Graph Neural Networks (Summer Term 22)</a:t>
+            </a:r>
+            <a:br>
+              <a:rPr lang="en-US" altLang="x-none" sz="4900" b="1" dirty="0">
+                <a:ea typeface="ＭＳ Ｐゴシック" charset="-128"/>
+              </a:rPr>
+            </a:br>
+            <a:endParaRPr lang="en-US" altLang="x-none" b="1" dirty="0">
+              <a:ea typeface="ＭＳ Ｐゴシック" charset="-128"/>
+            </a:endParaRPr>
+          </a:p>
+        </p:txBody>
+      </p:sp>
+      <p:sp>
+        <p:nvSpPr>
+          <p:cNvPr id="27650" name="Rectangle 3"/>
+          <p:cNvSpPr>
+            <a:spLocks noGrp="1" noChangeArrowheads="1"/>
+          </p:cNvSpPr>
+          <p:nvPr>
+            <p:ph type="subTitle" idx="1"/>
+          </p:nvPr>
+        </p:nvSpPr>
+        <p:spPr>
+          <a:xfrm>
+            <a:off x="2410725" y="4706741"/>
+            <a:ext cx="7515022" cy="1780064"/>
+          </a:xfrm>
+        </p:spPr>
+        <p:txBody>
+          <a:bodyPr>
+            <a:normAutofit fontScale="25000" lnSpcReduction="20000"/>
+          </a:bodyPr>
+          <a:lstStyle/>
+          <a:p>
+            <a:r>
+              <a:rPr lang="en-US" altLang="x-none" sz="6400" dirty="0">
+                <a:ea typeface="ＭＳ Ｐゴシック" charset="-128"/>
+              </a:rPr>
+              <a:t>Prof. Dr. Holger Giese (</a:t>
+            </a:r>
+            <a:r>
+              <a:rPr lang="en-US" altLang="x-none" sz="6400" dirty="0">
+                <a:ea typeface="ＭＳ Ｐゴシック" charset="-128"/>
+                <a:hlinkClick r:id="rId3"/>
+              </a:rPr>
+              <a:t>holger.giese@hpi.uni-potsdam.de)</a:t>
+            </a:r>
+            <a:r>
+              <a:rPr lang="en-US" altLang="x-none" sz="6400" dirty="0">
+                <a:ea typeface="ＭＳ Ｐゴシック" charset="-128"/>
+              </a:rPr>
+              <a:t> </a:t>
+            </a:r>
+          </a:p>
+          <a:p>
+            <a:r>
+              <a:rPr lang="en-US" altLang="x-none" sz="6400" dirty="0">
+                <a:ea typeface="ＭＳ Ｐゴシック" charset="-128"/>
+              </a:rPr>
+              <a:t>Christian Medeiros Adriano (</a:t>
+            </a:r>
+            <a:r>
+              <a:rPr lang="en-US" altLang="x-none" sz="6400" dirty="0">
+                <a:ea typeface="ＭＳ Ｐゴシック" charset="-128"/>
+                <a:hlinkClick r:id="rId4"/>
+              </a:rPr>
+              <a:t>christian.adriano@hpi.de</a:t>
+            </a:r>
+            <a:r>
+              <a:rPr lang="en-US" altLang="x-none" sz="6400" dirty="0">
+                <a:ea typeface="ＭＳ Ｐゴシック" charset="-128"/>
+              </a:rPr>
+              <a:t>) - </a:t>
+            </a:r>
+            <a:r>
+              <a:rPr lang="en-US" altLang="x-none" sz="6400" b="1" dirty="0">
+                <a:ea typeface="ＭＳ Ｐゴシック" charset="-128"/>
+              </a:rPr>
+              <a:t>“Chris”</a:t>
+            </a:r>
+            <a:endParaRPr lang="en-US" altLang="x-none" sz="6400" dirty="0">
+              <a:ea typeface="ＭＳ Ｐゴシック" charset="-128"/>
+            </a:endParaRPr>
+          </a:p>
+          <a:p>
+            <a:r>
+              <a:rPr lang="en-US" altLang="x-none" sz="6400" dirty="0">
+                <a:ea typeface="ＭＳ Ｐゴシック" charset="-128"/>
+              </a:rPr>
+              <a:t> Matthias </a:t>
+            </a:r>
+            <a:r>
+              <a:rPr lang="en-US" altLang="x-none" sz="6400" dirty="0" err="1">
+                <a:ea typeface="ＭＳ Ｐゴシック" charset="-128"/>
+              </a:rPr>
+              <a:t>Barkowsky</a:t>
+            </a:r>
+            <a:r>
+              <a:rPr lang="en-US" altLang="x-none" sz="6400" dirty="0">
+                <a:ea typeface="ＭＳ Ｐゴシック" charset="-128"/>
+              </a:rPr>
+              <a:t> (</a:t>
+            </a:r>
+            <a:r>
+              <a:rPr lang="en-US" altLang="x-none" sz="6400" dirty="0">
+                <a:ea typeface="ＭＳ Ｐゴシック" charset="-128"/>
+                <a:hlinkClick r:id="rId5"/>
+              </a:rPr>
+              <a:t>matthias.barkowsky@hpi.de</a:t>
+            </a:r>
+            <a:r>
+              <a:rPr lang="en-US" altLang="x-none" sz="6400" dirty="0">
+                <a:ea typeface="ＭＳ Ｐゴシック" charset="-128"/>
+              </a:rPr>
+              <a:t>  )</a:t>
+            </a:r>
+          </a:p>
+          <a:p>
+            <a:r>
+              <a:rPr lang="en-US" altLang="x-none" sz="6400" dirty="0" err="1">
+                <a:ea typeface="ＭＳ Ｐゴシック" charset="-128"/>
+              </a:rPr>
+              <a:t>Iqra</a:t>
+            </a:r>
+            <a:r>
+              <a:rPr lang="en-US" altLang="x-none" sz="6400" dirty="0">
+                <a:ea typeface="ＭＳ Ｐゴシック" charset="-128"/>
+              </a:rPr>
+              <a:t> Zafar (</a:t>
+            </a:r>
+            <a:r>
+              <a:rPr lang="en-US" altLang="x-none" sz="6400" dirty="0">
+                <a:ea typeface="ＭＳ Ｐゴシック" charset="-128"/>
+                <a:hlinkClick r:id="rId6"/>
+              </a:rPr>
+              <a:t>iqra.zafar@hpi.de</a:t>
+            </a:r>
+            <a:r>
+              <a:rPr lang="en-US" altLang="x-none" sz="6400" dirty="0">
+                <a:ea typeface="ＭＳ Ｐゴシック" charset="-128"/>
+              </a:rPr>
+              <a:t>)</a:t>
+            </a:r>
+          </a:p>
+        </p:txBody>
+      </p:sp>
+      <p:sp>
+        <p:nvSpPr>
+          <p:cNvPr id="2" name="Slide Number Placeholder 1">
             <a:extLst>
               <a:ext uri="{FF2B5EF4-FFF2-40B4-BE49-F238E27FC236}">
-                <a16:creationId xmlns:a16="http://schemas.microsoft.com/office/drawing/2014/main" id="{C4E4E986-276A-3389-9592-4618603CC6B5}"/>
+                <a16:creationId xmlns:a16="http://schemas.microsoft.com/office/drawing/2014/main" id="{70FFAC62-CDF9-4FA9-B6E9-1748944878BE}"/>
               </a:ext>
             </a:extLst>
           </p:cNvPr>
@@ -12397,7 +13213,7 @@
             <a:spLocks noGrp="1"/>
           </p:cNvSpPr>
           <p:nvPr>
-            <p:ph type="title"/>
+            <p:ph type="sldNum" sz="quarter" idx="12"/>
           </p:nvPr>
         </p:nvSpPr>
         <p:spPr/>
@@ -12405,146 +13221,15 @@
           <a:bodyPr/>
           <a:lstStyle/>
           <a:p>
-            <a:r>
-              <a:rPr lang="en-US" dirty="0"/>
-              <a:t>WP-1 Anomaly Detection – Possible Tasks</a:t>
-            </a:r>
-          </a:p>
-        </p:txBody>
-      </p:sp>
-      <p:sp>
-        <p:nvSpPr>
-          <p:cNvPr id="3" name="Content Placeholder 2">
-            <a:extLst>
-              <a:ext uri="{FF2B5EF4-FFF2-40B4-BE49-F238E27FC236}">
-                <a16:creationId xmlns:a16="http://schemas.microsoft.com/office/drawing/2014/main" id="{FAE619BB-68D3-6B04-182B-06FAAA572FCA}"/>
-              </a:ext>
-            </a:extLst>
-          </p:cNvPr>
-          <p:cNvSpPr>
-            <a:spLocks noGrp="1"/>
-          </p:cNvSpPr>
-          <p:nvPr>
-            <p:ph idx="1"/>
-          </p:nvPr>
-        </p:nvSpPr>
-        <p:spPr>
-          <a:xfrm>
-            <a:off x="478369" y="1213308"/>
-            <a:ext cx="11473384" cy="4348883"/>
-          </a:xfrm>
-        </p:spPr>
-        <p:txBody>
-          <a:bodyPr/>
-          <a:lstStyle/>
-          <a:p>
-            <a:pPr marL="342900" indent="-342900">
-              <a:buFont typeface="Arial" panose="020B0604020202020204" pitchFamily="34" charset="0"/>
-              <a:buChar char="•"/>
-            </a:pPr>
-            <a:r>
-              <a:rPr lang="en-US" dirty="0"/>
-              <a:t>Obtain the Dataset</a:t>
-            </a:r>
-          </a:p>
-          <a:p>
-            <a:pPr marL="342900" indent="-342900">
-              <a:buFont typeface="Arial" panose="020B0604020202020204" pitchFamily="34" charset="0"/>
-              <a:buChar char="•"/>
-            </a:pPr>
-            <a:r>
-              <a:rPr lang="en-US" dirty="0"/>
-              <a:t>Populate a temporal Graph Database</a:t>
-            </a:r>
-          </a:p>
-          <a:p>
-            <a:pPr marL="342900" indent="-342900">
-              <a:buFont typeface="Arial" panose="020B0604020202020204" pitchFamily="34" charset="0"/>
-              <a:buChar char="•"/>
-            </a:pPr>
-            <a:r>
-              <a:rPr lang="en-US" dirty="0"/>
-              <a:t>Generate graph query templates based on the System Network Structure</a:t>
-            </a:r>
-          </a:p>
-          <a:p>
-            <a:pPr marL="342900" indent="-342900">
-              <a:buFont typeface="Arial" panose="020B0604020202020204" pitchFamily="34" charset="0"/>
-              <a:buChar char="•"/>
-            </a:pPr>
-            <a:r>
-              <a:rPr lang="en-US" dirty="0"/>
-              <a:t>For a given set of services search for anomalies within a time window</a:t>
-            </a:r>
-          </a:p>
-          <a:p>
-            <a:pPr marL="342900" indent="-342900">
-              <a:buFont typeface="Arial" panose="020B0604020202020204" pitchFamily="34" charset="0"/>
-              <a:buChar char="•"/>
-            </a:pPr>
-            <a:r>
-              <a:rPr lang="en-US" dirty="0"/>
-              <a:t>Generate candidate Graph Queries for each Anomaly</a:t>
-            </a:r>
-          </a:p>
-          <a:p>
-            <a:pPr marL="342900" indent="-342900">
-              <a:buFont typeface="Arial" panose="020B0604020202020204" pitchFamily="34" charset="0"/>
-              <a:buChar char="•"/>
-            </a:pPr>
-            <a:r>
-              <a:rPr lang="en-US" dirty="0"/>
-              <a:t>Fit a Granger Causality Model for the outcome of each Graph Query</a:t>
-            </a:r>
-          </a:p>
-          <a:p>
-            <a:pPr marL="342900" indent="-342900">
-              <a:buFont typeface="Arial" panose="020B0604020202020204" pitchFamily="34" charset="0"/>
-              <a:buChar char="•"/>
-            </a:pPr>
-            <a:r>
-              <a:rPr lang="en-US" dirty="0"/>
-              <a:t>Compute the Temporal Centrality Metric (TCM) for each Subgraph</a:t>
-            </a:r>
-          </a:p>
-          <a:p>
-            <a:pPr marL="342900" indent="-342900">
-              <a:buFont typeface="Arial" panose="020B0604020202020204" pitchFamily="34" charset="0"/>
-              <a:buChar char="•"/>
-            </a:pPr>
-            <a:r>
-              <a:rPr lang="en-US" dirty="0"/>
-              <a:t>Correlation between TCMs, corresponding node in the Graph Query result, and ground truth</a:t>
-            </a:r>
-          </a:p>
-          <a:p>
-            <a:pPr marL="342900" indent="-342900">
-              <a:buFont typeface="Arial" panose="020B0604020202020204" pitchFamily="34" charset="0"/>
-              <a:buChar char="•"/>
-            </a:pPr>
-            <a:r>
-              <a:rPr lang="en-US" dirty="0"/>
-              <a:t>Use the Original data to Generate a Synthetic Data </a:t>
-            </a:r>
-          </a:p>
-          <a:p>
-            <a:pPr marL="342900" indent="-342900">
-              <a:buFont typeface="Arial" panose="020B0604020202020204" pitchFamily="34" charset="0"/>
-              <a:buChar char="•"/>
-            </a:pPr>
-            <a:r>
-              <a:rPr lang="en-US" dirty="0"/>
-              <a:t>Evaluate the same methods on the new data (generalization)</a:t>
-            </a:r>
+            <a:fld id="{81561042-0DC2-4A04-AA50-F6D44EB20EBA}" type="slidenum">
+              <a:rPr lang="en-US" smtClean="0"/>
+              <a:t>7</a:t>
+            </a:fld>
+            <a:endParaRPr lang="en-US"/>
           </a:p>
         </p:txBody>
       </p:sp>
     </p:spTree>
-    <p:extLst>
-      <p:ext uri="{BB962C8B-B14F-4D97-AF65-F5344CB8AC3E}">
-        <p14:creationId xmlns:p14="http://schemas.microsoft.com/office/powerpoint/2010/main" val="3206188190"/>
-      </p:ext>
-    </p:extLst>
   </p:cSld>
   <p:clrMapOvr>
     <a:masterClrMapping/>
@@ -12574,7 +13259,7 @@
           <p:cNvPr id="2" name="Title 1">
             <a:extLst>
               <a:ext uri="{FF2B5EF4-FFF2-40B4-BE49-F238E27FC236}">
-                <a16:creationId xmlns:a16="http://schemas.microsoft.com/office/drawing/2014/main" id="{DD71339F-C091-6D76-7391-38DBF645F051}"/>
+                <a16:creationId xmlns:a16="http://schemas.microsoft.com/office/drawing/2014/main" id="{C4E4E986-276A-3389-9592-4618603CC6B5}"/>
               </a:ext>
             </a:extLst>
           </p:cNvPr>
@@ -12592,7 +13277,7 @@
           <a:p>
             <a:r>
               <a:rPr lang="en-US" dirty="0"/>
-              <a:t>WP-1 – Anomaly Detection</a:t>
+              <a:t>WP-1 Anomaly Detection – Possible Tasks</a:t>
             </a:r>
           </a:p>
         </p:txBody>
@@ -12602,7 +13287,7 @@
           <p:cNvPr id="3" name="Content Placeholder 2">
             <a:extLst>
               <a:ext uri="{FF2B5EF4-FFF2-40B4-BE49-F238E27FC236}">
-                <a16:creationId xmlns:a16="http://schemas.microsoft.com/office/drawing/2014/main" id="{1F65CA9D-35A1-7F00-AAB4-0673981879DE}"/>
+                <a16:creationId xmlns:a16="http://schemas.microsoft.com/office/drawing/2014/main" id="{FAE619BB-68D3-6B04-182B-06FAAA572FCA}"/>
               </a:ext>
             </a:extLst>
           </p:cNvPr>
@@ -12615,205 +13300,119 @@
         </p:nvSpPr>
         <p:spPr>
           <a:xfrm>
-            <a:off x="838200" y="1028671"/>
-            <a:ext cx="10515600" cy="5685328"/>
+            <a:off x="478369" y="1213308"/>
+            <a:ext cx="11473384" cy="4348883"/>
           </a:xfrm>
         </p:spPr>
         <p:txBody>
-          <a:bodyPr>
-            <a:noAutofit/>
-          </a:bodyPr>
+          <a:bodyPr/>
           <a:lstStyle/>
           <a:p>
             <a:pPr marL="342900" indent="-342900">
-              <a:lnSpc>
-                <a:spcPct val="150000"/>
-              </a:lnSpc>
-              <a:spcBef>
-                <a:spcPts val="0"/>
-              </a:spcBef>
-              <a:spcAft>
-                <a:spcPts val="0"/>
-              </a:spcAft>
-              <a:buFont typeface="+mj-lt"/>
-              <a:buAutoNum type="arabicPeriod"/>
+              <a:buFont typeface="Arial" panose="020B0604020202020204" pitchFamily="34" charset="0"/>
+              <a:buChar char="•"/>
             </a:pPr>
             <a:r>
-              <a:rPr lang="en-US" sz="1800" dirty="0">
-                <a:effectLst/>
-                <a:latin typeface="+mj-lt"/>
-                <a:ea typeface="Verdana" panose="020B0604030504040204" pitchFamily="34" charset="0"/>
-              </a:rPr>
-              <a:t>Data for experiments would be based on </a:t>
-            </a:r>
-            <a:r>
-              <a:rPr lang="en-US" sz="1800" dirty="0" err="1">
-                <a:effectLst/>
-                <a:latin typeface="+mj-lt"/>
-                <a:ea typeface="Verdana" panose="020B0604030504040204" pitchFamily="34" charset="0"/>
-              </a:rPr>
-              <a:t>Iqras</a:t>
-            </a:r>
-            <a:r>
-              <a:rPr lang="en-US" sz="1800" dirty="0">
-                <a:effectLst/>
-                <a:latin typeface="+mj-lt"/>
-                <a:ea typeface="Verdana" panose="020B0604030504040204" pitchFamily="34" charset="0"/>
-              </a:rPr>
-              <a:t> scenario and current approach - "outlier detection on non-stationary time series* by means of calibrating thresholds from priors"</a:t>
+              <a:rPr lang="en-US" dirty="0"/>
+              <a:t>Obtain the Dataset</a:t>
             </a:r>
           </a:p>
           <a:p>
             <a:pPr marL="342900" indent="-342900">
-              <a:lnSpc>
-                <a:spcPct val="150000"/>
-              </a:lnSpc>
-              <a:spcBef>
-                <a:spcPts val="0"/>
-              </a:spcBef>
-              <a:spcAft>
-                <a:spcPts val="0"/>
-              </a:spcAft>
-              <a:buFont typeface="+mj-lt"/>
-              <a:buAutoNum type="arabicPeriod"/>
+              <a:buFont typeface="Arial" panose="020B0604020202020204" pitchFamily="34" charset="0"/>
+              <a:buChar char="•"/>
             </a:pPr>
-            <a:endParaRPr lang="en-US" sz="1800" dirty="0">
-              <a:effectLst/>
-              <a:latin typeface="+mj-lt"/>
-              <a:ea typeface="Verdana" panose="020B0604030504040204" pitchFamily="34" charset="0"/>
-            </a:endParaRPr>
+            <a:r>
+              <a:rPr lang="en-US" dirty="0"/>
+              <a:t>Populate a temporal Graph Database</a:t>
+            </a:r>
           </a:p>
           <a:p>
             <a:pPr marL="342900" indent="-342900">
-              <a:lnSpc>
-                <a:spcPct val="150000"/>
-              </a:lnSpc>
-              <a:spcBef>
-                <a:spcPts val="0"/>
-              </a:spcBef>
-              <a:spcAft>
-                <a:spcPts val="0"/>
-              </a:spcAft>
-              <a:buFont typeface="+mj-lt"/>
-              <a:buAutoNum type="arabicPeriod"/>
+              <a:buFont typeface="Arial" panose="020B0604020202020204" pitchFamily="34" charset="0"/>
+              <a:buChar char="•"/>
             </a:pPr>
             <a:r>
-              <a:rPr lang="en-US" sz="1800" dirty="0">
-                <a:effectLst/>
-                <a:latin typeface="+mj-lt"/>
-                <a:ea typeface="Verdana" panose="020B0604030504040204" pitchFamily="34" charset="0"/>
-              </a:rPr>
-              <a:t>We could already use it "as it is" and an apply a comparative techniques like Message </a:t>
-            </a:r>
-            <a:r>
-              <a:rPr lang="en-US" sz="1800" dirty="0">
-                <a:latin typeface="+mj-lt"/>
-                <a:ea typeface="Verdana" panose="020B0604030504040204" pitchFamily="34" charset="0"/>
-              </a:rPr>
-              <a:t>Passing (today’s lecture) or </a:t>
-            </a:r>
-            <a:r>
-              <a:rPr lang="en-US" sz="1800" dirty="0">
-                <a:effectLst/>
-                <a:latin typeface="+mj-lt"/>
-                <a:ea typeface="Verdana" panose="020B0604030504040204" pitchFamily="34" charset="0"/>
-              </a:rPr>
-              <a:t>Granger Causality [1] to discover which services are dependent on each other and, hence, possibly the direction of propagation of an anomaly.</a:t>
+              <a:rPr lang="en-US" dirty="0"/>
+              <a:t>Generate graph query templates based on the System Network Structure</a:t>
             </a:r>
           </a:p>
           <a:p>
             <a:pPr marL="342900" indent="-342900">
-              <a:lnSpc>
-                <a:spcPct val="150000"/>
-              </a:lnSpc>
-              <a:spcBef>
-                <a:spcPts val="0"/>
-              </a:spcBef>
-              <a:spcAft>
-                <a:spcPts val="0"/>
-              </a:spcAft>
-              <a:buFont typeface="+mj-lt"/>
-              <a:buAutoNum type="arabicPeriod"/>
+              <a:buFont typeface="Arial" panose="020B0604020202020204" pitchFamily="34" charset="0"/>
+              <a:buChar char="•"/>
             </a:pPr>
-            <a:endParaRPr lang="en-US" sz="1800" dirty="0">
-              <a:latin typeface="+mj-lt"/>
-              <a:ea typeface="Verdana" panose="020B0604030504040204" pitchFamily="34" charset="0"/>
-            </a:endParaRPr>
+            <a:r>
+              <a:rPr lang="en-US" dirty="0"/>
+              <a:t>For a given set of services search for anomalies within a time window</a:t>
+            </a:r>
           </a:p>
           <a:p>
             <a:pPr marL="342900" indent="-342900">
-              <a:lnSpc>
-                <a:spcPct val="150000"/>
-              </a:lnSpc>
-              <a:spcBef>
-                <a:spcPts val="0"/>
-              </a:spcBef>
-              <a:spcAft>
-                <a:spcPts val="0"/>
-              </a:spcAft>
-              <a:buFont typeface="+mj-lt"/>
-              <a:buAutoNum type="arabicPeriod"/>
+              <a:buFont typeface="Arial" panose="020B0604020202020204" pitchFamily="34" charset="0"/>
+              <a:buChar char="•"/>
             </a:pPr>
             <a:r>
-              <a:rPr lang="en-US" sz="1800" dirty="0">
-                <a:effectLst/>
-                <a:latin typeface="+mj-lt"/>
-                <a:ea typeface="Verdana" panose="020B0604030504040204" pitchFamily="34" charset="0"/>
-              </a:rPr>
-              <a:t>We need simulate partial observability, </a:t>
-            </a:r>
-            <a:r>
-              <a:rPr lang="en-US" sz="1800" dirty="0">
-                <a:latin typeface="+mj-lt"/>
-                <a:ea typeface="Verdana" panose="020B0604030504040204" pitchFamily="34" charset="0"/>
-              </a:rPr>
-              <a:t>e.g., a failure in one component is not logged (silently failing). This could be simulated by adding a gap in a failure trace. Failure trace is a sequence of components that failed.</a:t>
-            </a:r>
-            <a:endParaRPr lang="en-US" sz="1800" dirty="0">
-              <a:effectLst/>
-              <a:latin typeface="+mj-lt"/>
-              <a:ea typeface="Verdana" panose="020B0604030504040204" pitchFamily="34" charset="0"/>
-            </a:endParaRPr>
-          </a:p>
-          <a:p>
-            <a:pPr marL="0" indent="0">
-              <a:lnSpc>
-                <a:spcPct val="150000"/>
-              </a:lnSpc>
-              <a:buNone/>
+              <a:rPr lang="en-US" dirty="0"/>
+              <a:t>Generate candidate Graph Queries for each Anomaly</a:t>
+            </a:r>
+          </a:p>
+          <a:p>
+            <a:pPr marL="342900" indent="-342900">
+              <a:buFont typeface="Arial" panose="020B0604020202020204" pitchFamily="34" charset="0"/>
+              <a:buChar char="•"/>
             </a:pPr>
             <a:r>
-              <a:rPr lang="en-US" sz="1400" i="1" dirty="0">
-                <a:effectLst/>
-                <a:latin typeface="Calibri,Helvetica,sans-serif,EmojiFont,Apple Color Emoji,Segoe UI Emoji,NotoColorEmoji,Segoe UI Symbol,Android Emoji,EmojiSymbols"/>
-              </a:rPr>
-              <a:t>*We have previously work with students on generating non-stationary time series. We adopted the </a:t>
-            </a:r>
-            <a:r>
-              <a:rPr lang="en-US" sz="1400" i="1" dirty="0" err="1">
-                <a:effectLst/>
-                <a:latin typeface="Calibri,Helvetica,sans-serif,EmojiFont,Apple Color Emoji,Segoe UI Emoji,NotoColorEmoji,Segoe UI Symbol,Android Emoji,EmojiSymbols"/>
-              </a:rPr>
-              <a:t>Ohrstein-Uhlenbeck</a:t>
-            </a:r>
-            <a:r>
-              <a:rPr lang="en-US" sz="1400" i="1" dirty="0">
-                <a:effectLst/>
-                <a:latin typeface="Calibri,Helvetica,sans-serif,EmojiFont,Apple Color Emoji,Segoe UI Emoji,NotoColorEmoji,Segoe UI Symbol,Android Emoji,EmojiSymbols"/>
-              </a:rPr>
-              <a:t> process [6], which is basically an AR(1) model, Auto-Regressive Model that shifts only the mean, but keeps variance constant</a:t>
-            </a:r>
-            <a:endParaRPr lang="en-US" sz="1400" i="1" dirty="0">
-              <a:latin typeface="+mj-lt"/>
-              <a:ea typeface="Verdana" panose="020B0604030504040204" pitchFamily="34" charset="0"/>
-            </a:endParaRPr>
+              <a:rPr lang="en-US" dirty="0"/>
+              <a:t>Fit a Granger Causality Model for the outcome of each Graph Query</a:t>
+            </a:r>
+          </a:p>
+          <a:p>
+            <a:pPr marL="342900" indent="-342900">
+              <a:buFont typeface="Arial" panose="020B0604020202020204" pitchFamily="34" charset="0"/>
+              <a:buChar char="•"/>
+            </a:pPr>
+            <a:r>
+              <a:rPr lang="en-US" dirty="0"/>
+              <a:t>Compute the Temporal Centrality Metric (TCM) for each Subgraph</a:t>
+            </a:r>
+          </a:p>
+          <a:p>
+            <a:pPr marL="342900" indent="-342900">
+              <a:buFont typeface="Arial" panose="020B0604020202020204" pitchFamily="34" charset="0"/>
+              <a:buChar char="•"/>
+            </a:pPr>
+            <a:r>
+              <a:rPr lang="en-US" dirty="0"/>
+              <a:t>Correlation between TCMs, corresponding node in the Graph Query result, and ground truth</a:t>
+            </a:r>
+          </a:p>
+          <a:p>
+            <a:pPr marL="342900" indent="-342900">
+              <a:buFont typeface="Arial" panose="020B0604020202020204" pitchFamily="34" charset="0"/>
+              <a:buChar char="•"/>
+            </a:pPr>
+            <a:r>
+              <a:rPr lang="en-US" dirty="0"/>
+              <a:t>Use the Original data to Generate a Synthetic Data </a:t>
+            </a:r>
+          </a:p>
+          <a:p>
+            <a:pPr marL="342900" indent="-342900">
+              <a:buFont typeface="Arial" panose="020B0604020202020204" pitchFamily="34" charset="0"/>
+              <a:buChar char="•"/>
+            </a:pPr>
+            <a:r>
+              <a:rPr lang="en-US" dirty="0"/>
+              <a:t>Evaluate the same methods on the new data (generalization)</a:t>
+            </a:r>
           </a:p>
         </p:txBody>
       </p:sp>
     </p:spTree>
     <p:extLst>
       <p:ext uri="{BB962C8B-B14F-4D97-AF65-F5344CB8AC3E}">
-        <p14:creationId xmlns:p14="http://schemas.microsoft.com/office/powerpoint/2010/main" val="2182127434"/>
+        <p14:creationId xmlns:p14="http://schemas.microsoft.com/office/powerpoint/2010/main" val="3206188190"/>
       </p:ext>
     </p:extLst>
   </p:cSld>
@@ -12845,7 +13444,7 @@
           <p:cNvPr id="2" name="Title 1">
             <a:extLst>
               <a:ext uri="{FF2B5EF4-FFF2-40B4-BE49-F238E27FC236}">
-                <a16:creationId xmlns:a16="http://schemas.microsoft.com/office/drawing/2014/main" id="{8DA10270-1B60-AA04-26FE-4FCC2FCC2E3E}"/>
+                <a16:creationId xmlns:a16="http://schemas.microsoft.com/office/drawing/2014/main" id="{DD71339F-C091-6D76-7391-38DBF645F051}"/>
               </a:ext>
             </a:extLst>
           </p:cNvPr>
@@ -12863,7 +13462,7 @@
           <a:p>
             <a:r>
               <a:rPr lang="en-US" dirty="0"/>
-              <a:t>WP-1 Clarifications</a:t>
+              <a:t>WP-1 – Anomaly Detection</a:t>
             </a:r>
           </a:p>
         </p:txBody>
@@ -12873,7 +13472,7 @@
           <p:cNvPr id="3" name="Content Placeholder 2">
             <a:extLst>
               <a:ext uri="{FF2B5EF4-FFF2-40B4-BE49-F238E27FC236}">
-                <a16:creationId xmlns:a16="http://schemas.microsoft.com/office/drawing/2014/main" id="{0837EC9D-6595-A48F-26C1-60F406A8E441}"/>
+                <a16:creationId xmlns:a16="http://schemas.microsoft.com/office/drawing/2014/main" id="{1F65CA9D-35A1-7F00-AAB4-0673981879DE}"/>
               </a:ext>
             </a:extLst>
           </p:cNvPr>
@@ -12886,157 +13485,205 @@
         </p:nvSpPr>
         <p:spPr>
           <a:xfrm>
-            <a:off x="478369" y="1213307"/>
-            <a:ext cx="11473384" cy="4231147"/>
+            <a:off x="838200" y="1028671"/>
+            <a:ext cx="10515600" cy="5685328"/>
           </a:xfrm>
         </p:spPr>
         <p:txBody>
           <a:bodyPr>
-            <a:normAutofit/>
+            <a:noAutofit/>
           </a:bodyPr>
           <a:lstStyle/>
           <a:p>
             <a:pPr marL="342900" indent="-342900">
               <a:lnSpc>
-                <a:spcPct val="170000"/>
+                <a:spcPct val="150000"/>
               </a:lnSpc>
               <a:spcBef>
                 <a:spcPts val="0"/>
               </a:spcBef>
+              <a:spcAft>
+                <a:spcPts val="0"/>
+              </a:spcAft>
               <a:buFont typeface="+mj-lt"/>
               <a:buAutoNum type="arabicPeriod"/>
             </a:pPr>
             <a:r>
-              <a:rPr lang="en-US" sz="1400" dirty="0">
+              <a:rPr lang="en-US" sz="1800" dirty="0">
                 <a:effectLst/>
                 <a:latin typeface="+mj-lt"/>
                 <a:ea typeface="Verdana" panose="020B0604030504040204" pitchFamily="34" charset="0"/>
               </a:rPr>
-              <a:t>Trade-offs of calibrating based on priors versus directly learning a threshold</a:t>
+              <a:t>Data for experiments would be based on </a:t>
+            </a:r>
+            <a:r>
+              <a:rPr lang="en-US" sz="1800" dirty="0" err="1">
+                <a:effectLst/>
+                <a:latin typeface="+mj-lt"/>
+                <a:ea typeface="Verdana" panose="020B0604030504040204" pitchFamily="34" charset="0"/>
+              </a:rPr>
+              <a:t>Iqras</a:t>
+            </a:r>
+            <a:r>
+              <a:rPr lang="en-US" sz="1800" dirty="0">
+                <a:effectLst/>
+                <a:latin typeface="+mj-lt"/>
+                <a:ea typeface="Verdana" panose="020B0604030504040204" pitchFamily="34" charset="0"/>
+              </a:rPr>
+              <a:t> scenario and current approach - "outlier detection on non-stationary time series* by means of calibrating thresholds from priors"</a:t>
             </a:r>
           </a:p>
           <a:p>
             <a:pPr marL="342900" indent="-342900">
               <a:lnSpc>
-                <a:spcPct val="170000"/>
+                <a:spcPct val="150000"/>
               </a:lnSpc>
               <a:spcBef>
                 <a:spcPts val="0"/>
               </a:spcBef>
+              <a:spcAft>
+                <a:spcPts val="0"/>
+              </a:spcAft>
               <a:buFont typeface="+mj-lt"/>
               <a:buAutoNum type="arabicPeriod"/>
             </a:pPr>
-            <a:r>
-              <a:rPr lang="en-US" sz="1400" dirty="0">
+            <a:endParaRPr lang="en-US" sz="1800" dirty="0">
+              <a:effectLst/>
+              <a:latin typeface="+mj-lt"/>
+              <a:ea typeface="Verdana" panose="020B0604030504040204" pitchFamily="34" charset="0"/>
+            </a:endParaRPr>
+          </a:p>
+          <a:p>
+            <a:pPr marL="342900" indent="-342900">
+              <a:lnSpc>
+                <a:spcPct val="150000"/>
+              </a:lnSpc>
+              <a:spcBef>
+                <a:spcPts val="0"/>
+              </a:spcBef>
+              <a:spcAft>
+                <a:spcPts val="0"/>
+              </a:spcAft>
+              <a:buFont typeface="+mj-lt"/>
+              <a:buAutoNum type="arabicPeriod"/>
+            </a:pPr>
+            <a:r>
+              <a:rPr lang="en-US" sz="1800" dirty="0">
                 <a:effectLst/>
                 <a:latin typeface="+mj-lt"/>
                 <a:ea typeface="Verdana" panose="020B0604030504040204" pitchFamily="34" charset="0"/>
               </a:rPr>
-              <a:t> Role of false negatives (what if an outlier is not detected?). Maybe we can use some false discover rate (FDR) technique [2] (which is adaptive and scalable!).</a:t>
+              <a:t>We could already use it "as it is" and an apply a comparative techniques like Message </a:t>
+            </a:r>
+            <a:r>
+              <a:rPr lang="en-US" sz="1800" dirty="0">
+                <a:latin typeface="+mj-lt"/>
+                <a:ea typeface="Verdana" panose="020B0604030504040204" pitchFamily="34" charset="0"/>
+              </a:rPr>
+              <a:t>Passing (today’s lecture) or </a:t>
+            </a:r>
+            <a:r>
+              <a:rPr lang="en-US" sz="1800" dirty="0">
+                <a:effectLst/>
+                <a:latin typeface="+mj-lt"/>
+                <a:ea typeface="Verdana" panose="020B0604030504040204" pitchFamily="34" charset="0"/>
+              </a:rPr>
+              <a:t>Granger Causality [1] to discover which services are dependent on each other and, hence, possibly the direction of propagation of an anomaly.</a:t>
             </a:r>
           </a:p>
           <a:p>
             <a:pPr marL="342900" indent="-342900">
               <a:lnSpc>
-                <a:spcPct val="170000"/>
+                <a:spcPct val="150000"/>
               </a:lnSpc>
               <a:spcBef>
                 <a:spcPts val="0"/>
               </a:spcBef>
+              <a:spcAft>
+                <a:spcPts val="0"/>
+              </a:spcAft>
               <a:buFont typeface="+mj-lt"/>
               <a:buAutoNum type="arabicPeriod"/>
             </a:pPr>
-            <a:r>
-              <a:rPr lang="en-US" sz="1400" dirty="0">
+            <a:endParaRPr lang="en-US" sz="1800" dirty="0">
+              <a:latin typeface="+mj-lt"/>
+              <a:ea typeface="Verdana" panose="020B0604030504040204" pitchFamily="34" charset="0"/>
+            </a:endParaRPr>
+          </a:p>
+          <a:p>
+            <a:pPr marL="342900" indent="-342900">
+              <a:lnSpc>
+                <a:spcPct val="150000"/>
+              </a:lnSpc>
+              <a:spcBef>
+                <a:spcPts val="0"/>
+              </a:spcBef>
+              <a:spcAft>
+                <a:spcPts val="0"/>
+              </a:spcAft>
+              <a:buFont typeface="+mj-lt"/>
+              <a:buAutoNum type="arabicPeriod"/>
+            </a:pPr>
+            <a:r>
+              <a:rPr lang="en-US" sz="1800" dirty="0">
                 <a:effectLst/>
                 <a:latin typeface="+mj-lt"/>
                 <a:ea typeface="Verdana" panose="020B0604030504040204" pitchFamily="34" charset="0"/>
               </a:rPr>
-              <a:t>What happens as the more knowledge about the non-stationary process is collected, could we recalibrate based on an increase in belief?</a:t>
-            </a:r>
-          </a:p>
-          <a:p>
-            <a:pPr marL="342900" indent="-342900">
-              <a:lnSpc>
-                <a:spcPct val="170000"/>
-              </a:lnSpc>
-              <a:spcBef>
-                <a:spcPts val="0"/>
-              </a:spcBef>
-              <a:buFont typeface="+mj-lt"/>
-              <a:buAutoNum type="arabicPeriod"/>
-            </a:pPr>
-            <a:r>
-              <a:rPr lang="en-US" sz="1400" dirty="0">
-                <a:effectLst/>
+              <a:t>We need simulate partial observability, </a:t>
+            </a:r>
+            <a:r>
+              <a:rPr lang="en-US" sz="1800" dirty="0">
                 <a:latin typeface="+mj-lt"/>
                 <a:ea typeface="Verdana" panose="020B0604030504040204" pitchFamily="34" charset="0"/>
               </a:rPr>
-              <a:t>Maybe we could transfer calibrations across similar services, where similarity could be a combination of </a:t>
-            </a:r>
-            <a:r>
-              <a:rPr lang="en-US" sz="1400" b="1" dirty="0">
+              <a:t>e.g., a failure in one component is not logged (silently failing). This could be simulated by adding a gap in a failure trace. Failure trace is a sequence of components that failed.</a:t>
+            </a:r>
+            <a:endParaRPr lang="en-US" sz="1800" dirty="0">
+              <a:effectLst/>
+              <a:latin typeface="+mj-lt"/>
+              <a:ea typeface="Verdana" panose="020B0604030504040204" pitchFamily="34" charset="0"/>
+            </a:endParaRPr>
+          </a:p>
+          <a:p>
+            <a:pPr marL="0" indent="0">
+              <a:lnSpc>
+                <a:spcPct val="150000"/>
+              </a:lnSpc>
+              <a:buNone/>
+            </a:pPr>
+            <a:r>
+              <a:rPr lang="en-US" sz="1400" i="1" dirty="0">
                 <a:effectLst/>
-                <a:latin typeface="+mj-lt"/>
-                <a:ea typeface="Verdana" panose="020B0604030504040204" pitchFamily="34" charset="0"/>
+                <a:latin typeface="Calibri,Helvetica,sans-serif,EmojiFont,Apple Color Emoji,Segoe UI Emoji,NotoColorEmoji,Segoe UI Symbol,Android Emoji,EmojiSymbols"/>
               </a:rPr>
-              <a:t>graph </a:t>
-            </a:r>
-            <a:r>
-              <a:rPr lang="en-US" sz="1400" b="1" dirty="0" err="1">
+              <a:t>*We have previously work with students on generating non-stationary time series. We adopted the </a:t>
+            </a:r>
+            <a:r>
+              <a:rPr lang="en-US" sz="1400" i="1" dirty="0" err="1">
                 <a:effectLst/>
-                <a:latin typeface="+mj-lt"/>
-                <a:ea typeface="Verdana" panose="020B0604030504040204" pitchFamily="34" charset="0"/>
+                <a:latin typeface="Calibri,Helvetica,sans-serif,EmojiFont,Apple Color Emoji,Segoe UI Emoji,NotoColorEmoji,Segoe UI Symbol,Android Emoji,EmojiSymbols"/>
               </a:rPr>
-              <a:t>isormophism</a:t>
-            </a:r>
-            <a:r>
-              <a:rPr lang="en-US" sz="1400" dirty="0">
+              <a:t>Ohrstein-Uhlenbeck</a:t>
+            </a:r>
+            <a:r>
+              <a:rPr lang="en-US" sz="1400" i="1" dirty="0">
                 <a:effectLst/>
-                <a:latin typeface="+mj-lt"/>
-                <a:ea typeface="Verdana" panose="020B0604030504040204" pitchFamily="34" charset="0"/>
+                <a:latin typeface="Calibri,Helvetica,sans-serif,EmojiFont,Apple Color Emoji,Segoe UI Emoji,NotoColorEmoji,Segoe UI Symbol,Android Emoji,EmojiSymbols"/>
               </a:rPr>
-              <a:t> and </a:t>
-            </a:r>
-            <a:r>
-              <a:rPr lang="en-US" sz="1400" b="1" dirty="0">
-                <a:effectLst/>
-                <a:latin typeface="+mj-lt"/>
-                <a:ea typeface="Verdana" panose="020B0604030504040204" pitchFamily="34" charset="0"/>
-              </a:rPr>
-              <a:t>distance/similarity metric</a:t>
-            </a:r>
-            <a:r>
-              <a:rPr lang="en-US" sz="1400" dirty="0">
-                <a:effectLst/>
-                <a:latin typeface="+mj-lt"/>
-                <a:ea typeface="Verdana" panose="020B0604030504040204" pitchFamily="34" charset="0"/>
-              </a:rPr>
-              <a:t>[3] based on </a:t>
-            </a:r>
-            <a:r>
-              <a:rPr lang="en-US" sz="1400" b="1" dirty="0">
-                <a:effectLst/>
-                <a:latin typeface="+mj-lt"/>
-                <a:ea typeface="Verdana" panose="020B0604030504040204" pitchFamily="34" charset="0"/>
-              </a:rPr>
-              <a:t>stylized facts</a:t>
-            </a:r>
-            <a:r>
-              <a:rPr lang="en-US" sz="1400" dirty="0">
-                <a:effectLst/>
-                <a:latin typeface="+mj-lt"/>
-                <a:ea typeface="Verdana" panose="020B0604030504040204" pitchFamily="34" charset="0"/>
-              </a:rPr>
-              <a:t> [4][5]</a:t>
-            </a:r>
+              <a:t> process [6], which is basically an AR(1) model, Auto-Regressive Model that shifts only the mean, but keeps variance constant</a:t>
+            </a:r>
+            <a:endParaRPr lang="en-US" sz="1400" i="1" dirty="0">
+              <a:latin typeface="+mj-lt"/>
+              <a:ea typeface="Verdana" panose="020B0604030504040204" pitchFamily="34" charset="0"/>
+            </a:endParaRPr>
           </a:p>
         </p:txBody>
       </p:sp>
     </p:spTree>
     <p:extLst>
       <p:ext uri="{BB962C8B-B14F-4D97-AF65-F5344CB8AC3E}">
-        <p14:creationId xmlns:p14="http://schemas.microsoft.com/office/powerpoint/2010/main" val="2413545060"/>
+        <p14:creationId xmlns:p14="http://schemas.microsoft.com/office/powerpoint/2010/main" val="2182127434"/>
       </p:ext>
     </p:extLst>
   </p:cSld>

--- a/project scope/0. Project Scope.pptx
+++ b/project scope/0. Project Scope.pptx
@@ -5,24 +5,27 @@
     <p:sldMasterId id="2147483660" r:id="rId1"/>
   </p:sldMasterIdLst>
   <p:notesMasterIdLst>
-    <p:notesMasterId r:id="rId17"/>
+    <p:notesMasterId r:id="rId20"/>
   </p:notesMasterIdLst>
   <p:sldIdLst>
     <p:sldId id="383" r:id="rId2"/>
     <p:sldId id="387" r:id="rId3"/>
     <p:sldId id="384" r:id="rId4"/>
-    <p:sldId id="261" r:id="rId5"/>
-    <p:sldId id="391" r:id="rId6"/>
-    <p:sldId id="386" r:id="rId7"/>
-    <p:sldId id="388" r:id="rId8"/>
-    <p:sldId id="385" r:id="rId9"/>
-    <p:sldId id="257" r:id="rId10"/>
-    <p:sldId id="258" r:id="rId11"/>
-    <p:sldId id="259" r:id="rId12"/>
-    <p:sldId id="260" r:id="rId13"/>
-    <p:sldId id="263" r:id="rId14"/>
-    <p:sldId id="262" r:id="rId15"/>
-    <p:sldId id="389" r:id="rId16"/>
+    <p:sldId id="385" r:id="rId5"/>
+    <p:sldId id="394" r:id="rId6"/>
+    <p:sldId id="395" r:id="rId7"/>
+    <p:sldId id="261" r:id="rId8"/>
+    <p:sldId id="392" r:id="rId9"/>
+    <p:sldId id="391" r:id="rId10"/>
+    <p:sldId id="386" r:id="rId11"/>
+    <p:sldId id="388" r:id="rId12"/>
+    <p:sldId id="257" r:id="rId13"/>
+    <p:sldId id="258" r:id="rId14"/>
+    <p:sldId id="259" r:id="rId15"/>
+    <p:sldId id="260" r:id="rId16"/>
+    <p:sldId id="263" r:id="rId17"/>
+    <p:sldId id="262" r:id="rId18"/>
+    <p:sldId id="389" r:id="rId19"/>
   </p:sldIdLst>
   <p:sldSz cx="12192000" cy="6858000"/>
   <p:notesSz cx="6858000" cy="9144000"/>
@@ -129,11 +132,14 @@
             <p14:sldId id="383"/>
             <p14:sldId id="387"/>
             <p14:sldId id="384"/>
+            <p14:sldId id="385"/>
+            <p14:sldId id="394"/>
+            <p14:sldId id="395"/>
             <p14:sldId id="261"/>
+            <p14:sldId id="392"/>
             <p14:sldId id="391"/>
             <p14:sldId id="386"/>
             <p14:sldId id="388"/>
-            <p14:sldId id="385"/>
             <p14:sldId id="257"/>
             <p14:sldId id="258"/>
             <p14:sldId id="259"/>
@@ -234,7 +240,7 @@
           <a:p>
             <a:fld id="{0DF783A0-3355-4AD7-940B-2E78D07ECA96}" type="datetimeFigureOut">
               <a:rPr lang="en-US" smtClean="0"/>
-              <a:t>5/16/2022</a:t>
+              <a:t>5/26/2022</a:t>
             </a:fld>
             <a:endParaRPr lang="en-US"/>
           </a:p>
@@ -1081,7 +1087,7 @@
                   <a:spcPct val="0"/>
                 </a:spcBef>
               </a:pPr>
-              <a:t>7</a:t>
+              <a:t>11</a:t>
             </a:fld>
             <a:endParaRPr lang="de-DE" altLang="x-none"/>
           </a:p>
@@ -2877,7 +2883,7 @@
           <a:p>
             <a:fld id="{EF1A4CB2-B0C7-4AF6-92A0-AEF25DAE34DB}" type="datetimeFigureOut">
               <a:rPr lang="en-US" smtClean="0"/>
-              <a:t>5/16/2022</a:t>
+              <a:t>5/26/2022</a:t>
             </a:fld>
             <a:endParaRPr lang="en-US"/>
           </a:p>
@@ -3166,7 +3172,7 @@
           <a:p>
             <a:fld id="{EF1A4CB2-B0C7-4AF6-92A0-AEF25DAE34DB}" type="datetimeFigureOut">
               <a:rPr lang="en-US" smtClean="0"/>
-              <a:t>5/16/2022</a:t>
+              <a:t>5/26/2022</a:t>
             </a:fld>
             <a:endParaRPr lang="en-US"/>
           </a:p>
@@ -3455,7 +3461,7 @@
           <a:p>
             <a:fld id="{EF1A4CB2-B0C7-4AF6-92A0-AEF25DAE34DB}" type="datetimeFigureOut">
               <a:rPr lang="en-US" smtClean="0"/>
-              <a:t>5/16/2022</a:t>
+              <a:t>5/26/2022</a:t>
             </a:fld>
             <a:endParaRPr lang="en-US"/>
           </a:p>
@@ -3744,7 +3750,7 @@
           <a:p>
             <a:fld id="{EF1A4CB2-B0C7-4AF6-92A0-AEF25DAE34DB}" type="datetimeFigureOut">
               <a:rPr lang="en-US" smtClean="0"/>
-              <a:t>5/16/2022</a:t>
+              <a:t>5/26/2022</a:t>
             </a:fld>
             <a:endParaRPr lang="en-US"/>
           </a:p>
@@ -3981,7 +3987,7 @@
           <a:p>
             <a:fld id="{EF1A4CB2-B0C7-4AF6-92A0-AEF25DAE34DB}" type="datetimeFigureOut">
               <a:rPr lang="en-US" smtClean="0"/>
-              <a:t>5/16/2022</a:t>
+              <a:t>5/26/2022</a:t>
             </a:fld>
             <a:endParaRPr lang="en-US"/>
           </a:p>
@@ -4438,7 +4444,7 @@
           <a:p>
             <a:fld id="{EF1A4CB2-B0C7-4AF6-92A0-AEF25DAE34DB}" type="datetimeFigureOut">
               <a:rPr lang="en-US" smtClean="0"/>
-              <a:t>5/16/2022</a:t>
+              <a:t>5/26/2022</a:t>
             </a:fld>
             <a:endParaRPr lang="en-US"/>
           </a:p>
@@ -4629,7 +4635,7 @@
           <a:p>
             <a:fld id="{EF1A4CB2-B0C7-4AF6-92A0-AEF25DAE34DB}" type="datetimeFigureOut">
               <a:rPr lang="en-US" smtClean="0"/>
-              <a:t>5/16/2022</a:t>
+              <a:t>5/26/2022</a:t>
             </a:fld>
             <a:endParaRPr lang="en-US"/>
           </a:p>
@@ -7002,7 +7008,7 @@
           <a:p>
             <a:fld id="{EF1A4CB2-B0C7-4AF6-92A0-AEF25DAE34DB}" type="datetimeFigureOut">
               <a:rPr lang="en-US" smtClean="0"/>
-              <a:t>5/16/2022</a:t>
+              <a:t>5/26/2022</a:t>
             </a:fld>
             <a:endParaRPr lang="en-US"/>
           </a:p>
@@ -7252,7 +7258,7 @@
           <a:p>
             <a:fld id="{EF1A4CB2-B0C7-4AF6-92A0-AEF25DAE34DB}" type="datetimeFigureOut">
               <a:rPr lang="en-US" smtClean="0"/>
-              <a:t>5/16/2022</a:t>
+              <a:t>5/26/2022</a:t>
             </a:fld>
             <a:endParaRPr lang="en-US"/>
           </a:p>
@@ -7638,7 +7644,7 @@
           <a:p>
             <a:fld id="{EF1A4CB2-B0C7-4AF6-92A0-AEF25DAE34DB}" type="datetimeFigureOut">
               <a:rPr lang="en-US" smtClean="0"/>
-              <a:t>5/16/2022</a:t>
+              <a:t>5/26/2022</a:t>
             </a:fld>
             <a:endParaRPr lang="en-US"/>
           </a:p>
@@ -7898,7 +7904,7 @@
           <a:p>
             <a:fld id="{EF1A4CB2-B0C7-4AF6-92A0-AEF25DAE34DB}" type="datetimeFigureOut">
               <a:rPr lang="en-US" smtClean="0"/>
-              <a:t>5/16/2022</a:t>
+              <a:t>5/26/2022</a:t>
             </a:fld>
             <a:endParaRPr lang="en-US"/>
           </a:p>
@@ -10145,10 +10151,10 @@
       </p:grpSpPr>
       <p:sp>
         <p:nvSpPr>
-          <p:cNvPr id="2" name="Title 1">
+          <p:cNvPr id="4" name="Title 3">
             <a:extLst>
               <a:ext uri="{FF2B5EF4-FFF2-40B4-BE49-F238E27FC236}">
-                <a16:creationId xmlns:a16="http://schemas.microsoft.com/office/drawing/2014/main" id="{8DA10270-1B60-AA04-26FE-4FCC2FCC2E3E}"/>
+                <a16:creationId xmlns:a16="http://schemas.microsoft.com/office/drawing/2014/main" id="{A9CE4E3E-A704-859E-9420-CB147BA20052}"/>
               </a:ext>
             </a:extLst>
           </p:cNvPr>
@@ -10156,182 +10162,22 @@
             <a:spLocks noGrp="1"/>
           </p:cNvSpPr>
           <p:nvPr>
-            <p:ph type="title"/>
+            <p:ph type="ctrTitle"/>
           </p:nvPr>
         </p:nvSpPr>
-        <p:spPr/>
+        <p:spPr>
+          <a:xfrm>
+            <a:off x="478368" y="3911097"/>
+            <a:ext cx="11228913" cy="2716040"/>
+          </a:xfrm>
+        </p:spPr>
         <p:txBody>
           <a:bodyPr/>
           <a:lstStyle/>
           <a:p>
             <a:r>
               <a:rPr lang="en-US" dirty="0"/>
-              <a:t>WP-1 Clarifications</a:t>
-            </a:r>
-          </a:p>
-        </p:txBody>
-      </p:sp>
-      <p:sp>
-        <p:nvSpPr>
-          <p:cNvPr id="3" name="Content Placeholder 2">
-            <a:extLst>
-              <a:ext uri="{FF2B5EF4-FFF2-40B4-BE49-F238E27FC236}">
-                <a16:creationId xmlns:a16="http://schemas.microsoft.com/office/drawing/2014/main" id="{0837EC9D-6595-A48F-26C1-60F406A8E441}"/>
-              </a:ext>
-            </a:extLst>
-          </p:cNvPr>
-          <p:cNvSpPr>
-            <a:spLocks noGrp="1"/>
-          </p:cNvSpPr>
-          <p:nvPr>
-            <p:ph idx="1"/>
-          </p:nvPr>
-        </p:nvSpPr>
-        <p:spPr>
-          <a:xfrm>
-            <a:off x="478369" y="1213307"/>
-            <a:ext cx="11473384" cy="4231147"/>
-          </a:xfrm>
-        </p:spPr>
-        <p:txBody>
-          <a:bodyPr>
-            <a:normAutofit/>
-          </a:bodyPr>
-          <a:lstStyle/>
-          <a:p>
-            <a:pPr marL="342900" indent="-342900">
-              <a:lnSpc>
-                <a:spcPct val="170000"/>
-              </a:lnSpc>
-              <a:spcBef>
-                <a:spcPts val="0"/>
-              </a:spcBef>
-              <a:buFont typeface="+mj-lt"/>
-              <a:buAutoNum type="arabicPeriod"/>
-            </a:pPr>
-            <a:r>
-              <a:rPr lang="en-US" sz="1400" dirty="0">
-                <a:effectLst/>
-                <a:latin typeface="+mj-lt"/>
-                <a:ea typeface="Verdana" panose="020B0604030504040204" pitchFamily="34" charset="0"/>
-              </a:rPr>
-              <a:t>Trade-offs of calibrating based on priors versus directly learning a threshold</a:t>
-            </a:r>
-          </a:p>
-          <a:p>
-            <a:pPr marL="342900" indent="-342900">
-              <a:lnSpc>
-                <a:spcPct val="170000"/>
-              </a:lnSpc>
-              <a:spcBef>
-                <a:spcPts val="0"/>
-              </a:spcBef>
-              <a:buFont typeface="+mj-lt"/>
-              <a:buAutoNum type="arabicPeriod"/>
-            </a:pPr>
-            <a:r>
-              <a:rPr lang="en-US" sz="1400" dirty="0">
-                <a:effectLst/>
-                <a:latin typeface="+mj-lt"/>
-                <a:ea typeface="Verdana" panose="020B0604030504040204" pitchFamily="34" charset="0"/>
-              </a:rPr>
-              <a:t> Role of false negatives (what if an outlier is not detected?). Maybe we can use some false discover rate (FDR) technique [2] (which is adaptive and scalable!).</a:t>
-            </a:r>
-          </a:p>
-          <a:p>
-            <a:pPr marL="342900" indent="-342900">
-              <a:lnSpc>
-                <a:spcPct val="170000"/>
-              </a:lnSpc>
-              <a:spcBef>
-                <a:spcPts val="0"/>
-              </a:spcBef>
-              <a:buFont typeface="+mj-lt"/>
-              <a:buAutoNum type="arabicPeriod"/>
-            </a:pPr>
-            <a:r>
-              <a:rPr lang="en-US" sz="1400" dirty="0">
-                <a:effectLst/>
-                <a:latin typeface="+mj-lt"/>
-                <a:ea typeface="Verdana" panose="020B0604030504040204" pitchFamily="34" charset="0"/>
-              </a:rPr>
-              <a:t>What happens as the more knowledge about the non-stationary process is collected, could we recalibrate based on an increase in belief?</a:t>
-            </a:r>
-          </a:p>
-          <a:p>
-            <a:pPr marL="342900" indent="-342900">
-              <a:lnSpc>
-                <a:spcPct val="170000"/>
-              </a:lnSpc>
-              <a:spcBef>
-                <a:spcPts val="0"/>
-              </a:spcBef>
-              <a:buFont typeface="+mj-lt"/>
-              <a:buAutoNum type="arabicPeriod"/>
-            </a:pPr>
-            <a:r>
-              <a:rPr lang="en-US" sz="1400" dirty="0">
-                <a:effectLst/>
-                <a:latin typeface="+mj-lt"/>
-                <a:ea typeface="Verdana" panose="020B0604030504040204" pitchFamily="34" charset="0"/>
-              </a:rPr>
-              <a:t>Maybe we could transfer calibrations across similar services, where similarity could be a combination of </a:t>
-            </a:r>
-            <a:r>
-              <a:rPr lang="en-US" sz="1400" b="1" dirty="0">
-                <a:effectLst/>
-                <a:latin typeface="+mj-lt"/>
-                <a:ea typeface="Verdana" panose="020B0604030504040204" pitchFamily="34" charset="0"/>
-              </a:rPr>
-              <a:t>graph </a:t>
-            </a:r>
-            <a:r>
-              <a:rPr lang="en-US" sz="1400" b="1" dirty="0" err="1">
-                <a:effectLst/>
-                <a:latin typeface="+mj-lt"/>
-                <a:ea typeface="Verdana" panose="020B0604030504040204" pitchFamily="34" charset="0"/>
-              </a:rPr>
-              <a:t>isormophism</a:t>
-            </a:r>
-            <a:r>
-              <a:rPr lang="en-US" sz="1400" dirty="0">
-                <a:effectLst/>
-                <a:latin typeface="+mj-lt"/>
-                <a:ea typeface="Verdana" panose="020B0604030504040204" pitchFamily="34" charset="0"/>
-              </a:rPr>
-              <a:t> and </a:t>
-            </a:r>
-            <a:r>
-              <a:rPr lang="en-US" sz="1400" b="1" dirty="0">
-                <a:effectLst/>
-                <a:latin typeface="+mj-lt"/>
-                <a:ea typeface="Verdana" panose="020B0604030504040204" pitchFamily="34" charset="0"/>
-              </a:rPr>
-              <a:t>distance/similarity metric</a:t>
-            </a:r>
-            <a:r>
-              <a:rPr lang="en-US" sz="1400" dirty="0">
-                <a:effectLst/>
-                <a:latin typeface="+mj-lt"/>
-                <a:ea typeface="Verdana" panose="020B0604030504040204" pitchFamily="34" charset="0"/>
-              </a:rPr>
-              <a:t>[3] based on </a:t>
-            </a:r>
-            <a:r>
-              <a:rPr lang="en-US" sz="1400" b="1" dirty="0">
-                <a:effectLst/>
-                <a:latin typeface="+mj-lt"/>
-                <a:ea typeface="Verdana" panose="020B0604030504040204" pitchFamily="34" charset="0"/>
-              </a:rPr>
-              <a:t>stylized facts</a:t>
-            </a:r>
-            <a:r>
-              <a:rPr lang="en-US" sz="1400" dirty="0">
-                <a:effectLst/>
-                <a:latin typeface="+mj-lt"/>
-                <a:ea typeface="Verdana" panose="020B0604030504040204" pitchFamily="34" charset="0"/>
-              </a:rPr>
-              <a:t> [4][5]</a:t>
+              <a:t>End</a:t>
             </a:r>
           </a:p>
         </p:txBody>
@@ -10339,13 +10185,16 @@
     </p:spTree>
     <p:extLst>
       <p:ext uri="{BB962C8B-B14F-4D97-AF65-F5344CB8AC3E}">
-        <p14:creationId xmlns:p14="http://schemas.microsoft.com/office/powerpoint/2010/main" val="2413545060"/>
+        <p14:creationId xmlns:p14="http://schemas.microsoft.com/office/powerpoint/2010/main" val="2449525730"/>
       </p:ext>
     </p:extLst>
   </p:cSld>
   <p:clrMapOvr>
     <a:masterClrMapping/>
   </p:clrMapOvr>
+  <p:transition spd="slow">
+    <p:wipe dir="d"/>
+  </p:transition>
 </p:sld>
 </file>
 
@@ -10368,10 +10217,238 @@
       </p:grpSpPr>
       <p:sp>
         <p:nvSpPr>
-          <p:cNvPr id="2" name="Title 1">
+          <p:cNvPr id="27649" name="Rectangle 2"/>
+          <p:cNvSpPr>
+            <a:spLocks noGrp="1" noChangeArrowheads="1"/>
+          </p:cNvSpPr>
+          <p:nvPr>
+            <p:ph type="ctrTitle"/>
+          </p:nvPr>
+        </p:nvSpPr>
+        <p:spPr>
+          <a:xfrm>
+            <a:off x="1524000" y="1122363"/>
+            <a:ext cx="9144000" cy="4066164"/>
+          </a:xfrm>
+        </p:spPr>
+        <p:txBody>
+          <a:bodyPr>
+            <a:normAutofit/>
+          </a:bodyPr>
+          <a:lstStyle/>
+          <a:p>
+            <a:r>
+              <a:rPr lang="en-US" sz="4400" b="1" dirty="0"/>
+              <a:t>Extra-Slides </a:t>
+            </a:r>
+            <a:br>
+              <a:rPr lang="en-US" sz="4400" b="1" dirty="0"/>
+            </a:br>
+            <a:r>
+              <a:rPr lang="en-US" sz="4400" b="1" dirty="0"/>
+              <a:t>(Idea Generation)</a:t>
+            </a:r>
+            <a:br>
+              <a:rPr kumimoji="0" lang="en-US" sz="3200" b="0" i="0" u="none" strike="noStrike" kern="1200" cap="none" spc="0" normalizeH="0" baseline="0" noProof="0" dirty="0">
+                <a:ln>
+                  <a:noFill/>
+                </a:ln>
+                <a:solidFill>
+                  <a:srgbClr val="5A6166"/>
+                </a:solidFill>
+                <a:effectLst/>
+                <a:uLnTx/>
+                <a:uFillTx/>
+                <a:latin typeface="Verdana"/>
+                <a:ea typeface="+mj-ea"/>
+                <a:cs typeface="+mj-cs"/>
+              </a:rPr>
+            </a:br>
+            <a:r>
+              <a:rPr kumimoji="0" lang="en-US" sz="2400" b="0" i="0" u="none" strike="noStrike" kern="1200" cap="none" spc="0" normalizeH="0" baseline="0" noProof="0" dirty="0">
+                <a:ln>
+                  <a:noFill/>
+                </a:ln>
+                <a:solidFill>
+                  <a:srgbClr val="5A6166"/>
+                </a:solidFill>
+                <a:effectLst/>
+                <a:uLnTx/>
+                <a:uFillTx/>
+                <a:latin typeface="Verdana"/>
+                <a:ea typeface="ＭＳ Ｐゴシック" charset="-128"/>
+                <a:cs typeface="+mj-cs"/>
+              </a:rPr>
+              <a:t>Co</a:t>
+            </a:r>
+            <a:r>
+              <a:rPr kumimoji="0" lang="en-US" altLang="x-none" sz="2400" b="0" i="0" u="none" strike="noStrike" kern="1200" cap="none" spc="0" normalizeH="0" baseline="0" noProof="0" dirty="0">
+                <a:ln>
+                  <a:noFill/>
+                </a:ln>
+                <a:solidFill>
+                  <a:srgbClr val="5A6166"/>
+                </a:solidFill>
+                <a:effectLst/>
+                <a:uLnTx/>
+                <a:uFillTx/>
+                <a:latin typeface="Verdana"/>
+                <a:ea typeface="ＭＳ Ｐゴシック" charset="-128"/>
+                <a:cs typeface="+mj-cs"/>
+              </a:rPr>
+              <a:t>urse on Graph Neural Networks (Summer Term 22)</a:t>
+            </a:r>
+            <a:br>
+              <a:rPr lang="en-US" altLang="x-none" sz="4900" b="1" dirty="0">
+                <a:ea typeface="ＭＳ Ｐゴシック" charset="-128"/>
+              </a:rPr>
+            </a:br>
+            <a:endParaRPr lang="en-US" altLang="x-none" b="1" dirty="0">
+              <a:ea typeface="ＭＳ Ｐゴシック" charset="-128"/>
+            </a:endParaRPr>
+          </a:p>
+        </p:txBody>
+      </p:sp>
+      <p:sp>
+        <p:nvSpPr>
+          <p:cNvPr id="27650" name="Rectangle 3"/>
+          <p:cNvSpPr>
+            <a:spLocks noGrp="1" noChangeArrowheads="1"/>
+          </p:cNvSpPr>
+          <p:nvPr>
+            <p:ph type="subTitle" idx="1"/>
+          </p:nvPr>
+        </p:nvSpPr>
+        <p:spPr>
+          <a:xfrm>
+            <a:off x="2410725" y="4706741"/>
+            <a:ext cx="7515022" cy="1780064"/>
+          </a:xfrm>
+        </p:spPr>
+        <p:txBody>
+          <a:bodyPr>
+            <a:normAutofit fontScale="25000" lnSpcReduction="20000"/>
+          </a:bodyPr>
+          <a:lstStyle/>
+          <a:p>
+            <a:r>
+              <a:rPr lang="en-US" altLang="x-none" sz="6400" dirty="0">
+                <a:ea typeface="ＭＳ Ｐゴシック" charset="-128"/>
+              </a:rPr>
+              <a:t>Prof. Dr. Holger Giese (</a:t>
+            </a:r>
+            <a:r>
+              <a:rPr lang="en-US" altLang="x-none" sz="6400" dirty="0">
+                <a:ea typeface="ＭＳ Ｐゴシック" charset="-128"/>
+                <a:hlinkClick r:id="rId3"/>
+              </a:rPr>
+              <a:t>holger.giese@hpi.uni-potsdam.de)</a:t>
+            </a:r>
+            <a:r>
+              <a:rPr lang="en-US" altLang="x-none" sz="6400" dirty="0">
+                <a:ea typeface="ＭＳ Ｐゴシック" charset="-128"/>
+              </a:rPr>
+              <a:t> </a:t>
+            </a:r>
+          </a:p>
+          <a:p>
+            <a:r>
+              <a:rPr lang="en-US" altLang="x-none" sz="6400" dirty="0">
+                <a:ea typeface="ＭＳ Ｐゴシック" charset="-128"/>
+              </a:rPr>
+              <a:t>Christian Medeiros Adriano (</a:t>
+            </a:r>
+            <a:r>
+              <a:rPr lang="en-US" altLang="x-none" sz="6400" dirty="0">
+                <a:ea typeface="ＭＳ Ｐゴシック" charset="-128"/>
+                <a:hlinkClick r:id="rId4"/>
+              </a:rPr>
+              <a:t>christian.adriano@hpi.de</a:t>
+            </a:r>
+            <a:r>
+              <a:rPr lang="en-US" altLang="x-none" sz="6400" dirty="0">
+                <a:ea typeface="ＭＳ Ｐゴシック" charset="-128"/>
+              </a:rPr>
+              <a:t>) - </a:t>
+            </a:r>
+            <a:r>
+              <a:rPr lang="en-US" altLang="x-none" sz="6400" b="1" dirty="0">
+                <a:ea typeface="ＭＳ Ｐゴシック" charset="-128"/>
+              </a:rPr>
+              <a:t>“Chris”</a:t>
+            </a:r>
+            <a:endParaRPr lang="en-US" altLang="x-none" sz="6400" dirty="0">
+              <a:ea typeface="ＭＳ Ｐゴシック" charset="-128"/>
+            </a:endParaRPr>
+          </a:p>
+          <a:p>
+            <a:r>
+              <a:rPr lang="en-US" altLang="x-none" sz="6400" dirty="0">
+                <a:ea typeface="ＭＳ Ｐゴシック" charset="-128"/>
+              </a:rPr>
+              <a:t> Matthias </a:t>
+            </a:r>
+            <a:r>
+              <a:rPr lang="en-US" altLang="x-none" sz="6400" dirty="0" err="1">
+                <a:ea typeface="ＭＳ Ｐゴシック" charset="-128"/>
+              </a:rPr>
+              <a:t>Barkowsky</a:t>
+            </a:r>
+            <a:r>
+              <a:rPr lang="en-US" altLang="x-none" sz="6400" dirty="0">
+                <a:ea typeface="ＭＳ Ｐゴシック" charset="-128"/>
+              </a:rPr>
+              <a:t> (</a:t>
+            </a:r>
+            <a:r>
+              <a:rPr lang="en-US" altLang="x-none" sz="6400" dirty="0">
+                <a:ea typeface="ＭＳ Ｐゴシック" charset="-128"/>
+                <a:hlinkClick r:id="rId5"/>
+              </a:rPr>
+              <a:t>matthias.barkowsky@hpi.de</a:t>
+            </a:r>
+            <a:r>
+              <a:rPr lang="en-US" altLang="x-none" sz="6400" dirty="0">
+                <a:ea typeface="ＭＳ Ｐゴシック" charset="-128"/>
+              </a:rPr>
+              <a:t>  )</a:t>
+            </a:r>
+          </a:p>
+          <a:p>
+            <a:r>
+              <a:rPr lang="en-US" altLang="x-none" sz="6400" dirty="0" err="1">
+                <a:ea typeface="ＭＳ Ｐゴシック" charset="-128"/>
+              </a:rPr>
+              <a:t>Iqra</a:t>
+            </a:r>
+            <a:r>
+              <a:rPr lang="en-US" altLang="x-none" sz="6400" dirty="0">
+                <a:ea typeface="ＭＳ Ｐゴシック" charset="-128"/>
+              </a:rPr>
+              <a:t> Zafar (</a:t>
+            </a:r>
+            <a:r>
+              <a:rPr lang="en-US" altLang="x-none" sz="6400" dirty="0">
+                <a:ea typeface="ＭＳ Ｐゴシック" charset="-128"/>
+                <a:hlinkClick r:id="rId6"/>
+              </a:rPr>
+              <a:t>iqra.zafar@hpi.de</a:t>
+            </a:r>
+            <a:r>
+              <a:rPr lang="en-US" altLang="x-none" sz="6400" dirty="0">
+                <a:ea typeface="ＭＳ Ｐゴシック" charset="-128"/>
+              </a:rPr>
+              <a:t>)</a:t>
+            </a:r>
+          </a:p>
+        </p:txBody>
+      </p:sp>
+      <p:sp>
+        <p:nvSpPr>
+          <p:cNvPr id="2" name="Slide Number Placeholder 1">
             <a:extLst>
               <a:ext uri="{FF2B5EF4-FFF2-40B4-BE49-F238E27FC236}">
-                <a16:creationId xmlns:a16="http://schemas.microsoft.com/office/drawing/2014/main" id="{8C184E01-75D4-5FC7-E075-630465F4101A}"/>
+                <a16:creationId xmlns:a16="http://schemas.microsoft.com/office/drawing/2014/main" id="{70FFAC62-CDF9-4FA9-B6E9-1748944878BE}"/>
               </a:ext>
             </a:extLst>
           </p:cNvPr>
@@ -10379,7 +10456,7 @@
             <a:spLocks noGrp="1"/>
           </p:cNvSpPr>
           <p:nvPr>
-            <p:ph type="title"/>
+            <p:ph type="sldNum" sz="quarter" idx="12"/>
           </p:nvPr>
         </p:nvSpPr>
         <p:spPr/>
@@ -10387,191 +10464,15 @@
           <a:bodyPr/>
           <a:lstStyle/>
           <a:p>
-            <a:r>
-              <a:rPr lang="en-US" dirty="0"/>
-              <a:t>WP-2 – Root-Cause Identification</a:t>
-            </a:r>
-          </a:p>
-        </p:txBody>
-      </p:sp>
-      <p:sp>
-        <p:nvSpPr>
-          <p:cNvPr id="3" name="Content Placeholder 2">
-            <a:extLst>
-              <a:ext uri="{FF2B5EF4-FFF2-40B4-BE49-F238E27FC236}">
-                <a16:creationId xmlns:a16="http://schemas.microsoft.com/office/drawing/2014/main" id="{12F5A1FE-1DB7-E619-FE52-FB6C3CCCF65D}"/>
-              </a:ext>
-            </a:extLst>
-          </p:cNvPr>
-          <p:cNvSpPr>
-            <a:spLocks noGrp="1"/>
-          </p:cNvSpPr>
-          <p:nvPr>
-            <p:ph idx="1"/>
-          </p:nvPr>
-        </p:nvSpPr>
-        <p:spPr>
-          <a:xfrm>
-            <a:off x="838200" y="956958"/>
-            <a:ext cx="10515600" cy="5901042"/>
-          </a:xfrm>
-        </p:spPr>
-        <p:txBody>
-          <a:bodyPr>
-            <a:noAutofit/>
-          </a:bodyPr>
-          <a:lstStyle/>
-          <a:p>
-            <a:pPr marL="457200" indent="-457200">
-              <a:lnSpc>
-                <a:spcPct val="170000"/>
-              </a:lnSpc>
-              <a:spcBef>
-                <a:spcPts val="0"/>
-              </a:spcBef>
-              <a:spcAft>
-                <a:spcPts val="0"/>
-              </a:spcAft>
-              <a:buFont typeface="+mj-lt"/>
-              <a:buAutoNum type="arabicPeriod"/>
-            </a:pPr>
-            <a:r>
-              <a:rPr lang="en-US" sz="1600" dirty="0">
-                <a:latin typeface="+mj-lt"/>
-                <a:ea typeface="Verdana" panose="020B0604030504040204" pitchFamily="34" charset="0"/>
-              </a:rPr>
-              <a:t>We would work towards the goal of identifying the bottleneck (root-causes) of an anomaly. This might require ranking the services/nodes </a:t>
-            </a:r>
-            <a:r>
-              <a:rPr lang="en-US" sz="1600" dirty="0" err="1">
-                <a:latin typeface="+mj-lt"/>
-                <a:ea typeface="Verdana" panose="020B0604030504040204" pitchFamily="34" charset="0"/>
-              </a:rPr>
-              <a:t>w.r.t.</a:t>
-            </a:r>
-            <a:r>
-              <a:rPr lang="en-US" sz="1600" dirty="0">
-                <a:latin typeface="+mj-lt"/>
-                <a:ea typeface="Verdana" panose="020B0604030504040204" pitchFamily="34" charset="0"/>
-              </a:rPr>
-              <a:t> to probability of being the bottleneck (</a:t>
-            </a:r>
-            <a:r>
-              <a:rPr lang="en-US" sz="1600" dirty="0" err="1">
-                <a:latin typeface="+mj-lt"/>
-                <a:ea typeface="Verdana" panose="020B0604030504040204" pitchFamily="34" charset="0"/>
-              </a:rPr>
-              <a:t>Iqra</a:t>
-            </a:r>
-            <a:r>
-              <a:rPr lang="en-US" sz="1600" dirty="0">
-                <a:latin typeface="+mj-lt"/>
-                <a:ea typeface="Verdana" panose="020B0604030504040204" pitchFamily="34" charset="0"/>
-              </a:rPr>
-              <a:t> mentioned having read work in this direction).</a:t>
-            </a:r>
-          </a:p>
-          <a:p>
-            <a:pPr marL="457200" indent="-457200">
-              <a:lnSpc>
-                <a:spcPct val="170000"/>
-              </a:lnSpc>
-              <a:spcBef>
-                <a:spcPts val="0"/>
-              </a:spcBef>
-              <a:spcAft>
-                <a:spcPts val="0"/>
-              </a:spcAft>
-              <a:buFont typeface="+mj-lt"/>
-              <a:buAutoNum type="arabicPeriod"/>
-            </a:pPr>
-            <a:endParaRPr lang="en-US" sz="1600" dirty="0">
-              <a:latin typeface="+mj-lt"/>
-              <a:ea typeface="Verdana" panose="020B0604030504040204" pitchFamily="34" charset="0"/>
-            </a:endParaRPr>
-          </a:p>
-          <a:p>
-            <a:pPr marL="457200" indent="-457200">
-              <a:lnSpc>
-                <a:spcPct val="170000"/>
-              </a:lnSpc>
-              <a:spcBef>
-                <a:spcPts val="0"/>
-              </a:spcBef>
-              <a:spcAft>
-                <a:spcPts val="0"/>
-              </a:spcAft>
-              <a:buFont typeface="+mj-lt"/>
-              <a:buAutoNum type="arabicPeriod"/>
-            </a:pPr>
-            <a:r>
-              <a:rPr lang="en-US" sz="1600" dirty="0">
-                <a:latin typeface="+mj-lt"/>
-                <a:ea typeface="Verdana" panose="020B0604030504040204" pitchFamily="34" charset="0"/>
-              </a:rPr>
-              <a:t>Ranking could be done via graph matching. We would need to generate a few patterns of failures (3 or 4). Each pattern is graph pattern. These patterns would be used to train a classification model that given a new failure trace, it would provide the probability of that failure trace being from any of the known patterns.</a:t>
-            </a:r>
-          </a:p>
-          <a:p>
-            <a:pPr marL="457200" indent="-457200">
-              <a:lnSpc>
-                <a:spcPct val="170000"/>
-              </a:lnSpc>
-              <a:spcBef>
-                <a:spcPts val="0"/>
-              </a:spcBef>
-              <a:spcAft>
-                <a:spcPts val="0"/>
-              </a:spcAft>
-              <a:buFont typeface="+mj-lt"/>
-              <a:buAutoNum type="arabicPeriod"/>
-            </a:pPr>
-            <a:endParaRPr lang="en-US" sz="1600" dirty="0">
-              <a:latin typeface="+mj-lt"/>
-              <a:ea typeface="Verdana" panose="020B0604030504040204" pitchFamily="34" charset="0"/>
-            </a:endParaRPr>
-          </a:p>
-          <a:p>
-            <a:pPr marL="457200" indent="-457200">
-              <a:lnSpc>
-                <a:spcPct val="170000"/>
-              </a:lnSpc>
-              <a:spcBef>
-                <a:spcPts val="0"/>
-              </a:spcBef>
-              <a:buFont typeface="+mj-lt"/>
-              <a:buAutoNum type="arabicPeriod"/>
-            </a:pPr>
-            <a:r>
-              <a:rPr lang="en-US" sz="1600" dirty="0">
-                <a:latin typeface="+mj-lt"/>
-                <a:ea typeface="Verdana" panose="020B0604030504040204" pitchFamily="34" charset="0"/>
-              </a:rPr>
-              <a:t>One scenario that could be used is do detect the phenomenon of confounding. We discussed the possible confounding of the caches in containers 1 and 2 on the dependencies between time series delay time in service-1 and response time service-2. We would need to manipulate the size of caches in container 1 and 2 and the strength (number of calls) of dependency between service 1 and 2. For that, either the students or </a:t>
-            </a:r>
-            <a:r>
-              <a:rPr lang="en-US" sz="1600" dirty="0" err="1">
-                <a:latin typeface="+mj-lt"/>
-                <a:ea typeface="Verdana" panose="020B0604030504040204" pitchFamily="34" charset="0"/>
-              </a:rPr>
-              <a:t>Iqra</a:t>
-            </a:r>
-            <a:r>
-              <a:rPr lang="en-US" sz="1600" dirty="0">
-                <a:latin typeface="+mj-lt"/>
-                <a:ea typeface="Verdana" panose="020B0604030504040204" pitchFamily="34" charset="0"/>
-              </a:rPr>
-              <a:t> would need to help produce data.</a:t>
-            </a:r>
+            <a:fld id="{81561042-0DC2-4A04-AA50-F6D44EB20EBA}" type="slidenum">
+              <a:rPr lang="en-US" smtClean="0"/>
+              <a:t>11</a:t>
+            </a:fld>
+            <a:endParaRPr lang="en-US"/>
           </a:p>
         </p:txBody>
       </p:sp>
     </p:spTree>
-    <p:extLst>
-      <p:ext uri="{BB962C8B-B14F-4D97-AF65-F5344CB8AC3E}">
-        <p14:creationId xmlns:p14="http://schemas.microsoft.com/office/powerpoint/2010/main" val="3033199245"/>
-      </p:ext>
-    </p:extLst>
   </p:cSld>
   <p:clrMapOvr>
     <a:masterClrMapping/>
@@ -10601,7 +10502,7 @@
           <p:cNvPr id="2" name="Title 1">
             <a:extLst>
               <a:ext uri="{FF2B5EF4-FFF2-40B4-BE49-F238E27FC236}">
-                <a16:creationId xmlns:a16="http://schemas.microsoft.com/office/drawing/2014/main" id="{2831B9B4-2F40-31E7-15E9-4AE33144147F}"/>
+                <a16:creationId xmlns:a16="http://schemas.microsoft.com/office/drawing/2014/main" id="{DD71339F-C091-6D76-7391-38DBF645F051}"/>
               </a:ext>
             </a:extLst>
           </p:cNvPr>
@@ -10619,7 +10520,7 @@
           <a:p>
             <a:r>
               <a:rPr lang="en-US" dirty="0"/>
-              <a:t>WP-3 – Evolving Graphs</a:t>
+              <a:t>WP-1 – Anomaly Detection</a:t>
             </a:r>
           </a:p>
         </p:txBody>
@@ -10629,7 +10530,7 @@
           <p:cNvPr id="3" name="Content Placeholder 2">
             <a:extLst>
               <a:ext uri="{FF2B5EF4-FFF2-40B4-BE49-F238E27FC236}">
-                <a16:creationId xmlns:a16="http://schemas.microsoft.com/office/drawing/2014/main" id="{5CADD266-6446-F73F-8F6C-FDA6A24AB6E5}"/>
+                <a16:creationId xmlns:a16="http://schemas.microsoft.com/office/drawing/2014/main" id="{1F65CA9D-35A1-7F00-AAB4-0673981879DE}"/>
               </a:ext>
             </a:extLst>
           </p:cNvPr>
@@ -10642,176 +10543,205 @@
         </p:nvSpPr>
         <p:spPr>
           <a:xfrm>
-            <a:off x="478369" y="1213308"/>
-            <a:ext cx="11473384" cy="3284489"/>
+            <a:off x="838200" y="1028671"/>
+            <a:ext cx="10515600" cy="5685328"/>
           </a:xfrm>
         </p:spPr>
         <p:txBody>
-          <a:bodyPr/>
+          <a:bodyPr>
+            <a:noAutofit/>
+          </a:bodyPr>
           <a:lstStyle/>
           <a:p>
-            <a:pPr marL="0" indent="0">
+            <a:pPr marL="342900" indent="-342900">
+              <a:lnSpc>
+                <a:spcPct val="150000"/>
+              </a:lnSpc>
               <a:spcBef>
                 <a:spcPts val="0"/>
               </a:spcBef>
               <a:spcAft>
                 <a:spcPts val="0"/>
               </a:spcAft>
-              <a:buNone/>
+              <a:buFont typeface="+mj-lt"/>
+              <a:buAutoNum type="arabicPeriod"/>
             </a:pPr>
             <a:r>
-              <a:rPr lang="en-US" sz="1800" u="sng" dirty="0">
+              <a:rPr lang="en-US" sz="1800" dirty="0">
+                <a:effectLst/>
                 <a:latin typeface="+mj-lt"/>
                 <a:ea typeface="Verdana" panose="020B0604030504040204" pitchFamily="34" charset="0"/>
               </a:rPr>
-              <a:t>Changes:</a:t>
-            </a:r>
-            <a:r>
-              <a:rPr lang="en-US" sz="1800" dirty="0">
+              <a:t>Data for experiments would be based on </a:t>
+            </a:r>
+            <a:r>
+              <a:rPr lang="en-US" sz="1800" dirty="0" err="1">
+                <a:effectLst/>
                 <a:latin typeface="+mj-lt"/>
                 <a:ea typeface="Verdana" panose="020B0604030504040204" pitchFamily="34" charset="0"/>
               </a:rPr>
-              <a:t> </a:t>
-            </a:r>
-          </a:p>
-          <a:p>
-            <a:pPr marL="285750" indent="-285750">
-              <a:spcBef>
-                <a:spcPts val="0"/>
-              </a:spcBef>
-              <a:buFont typeface="Arial" panose="020B0604020202020204" pitchFamily="34" charset="0"/>
-              <a:buChar char="•"/>
-            </a:pPr>
+              <a:t>Iqras</a:t>
+            </a:r>
             <a:r>
               <a:rPr lang="en-US" sz="1800" dirty="0">
+                <a:effectLst/>
                 <a:latin typeface="+mj-lt"/>
                 <a:ea typeface="Verdana" panose="020B0604030504040204" pitchFamily="34" charset="0"/>
               </a:rPr>
-              <a:t>Adding an instance  added</a:t>
-            </a:r>
-          </a:p>
-          <a:p>
-            <a:pPr marL="285750" indent="-285750">
-              <a:spcBef>
-                <a:spcPts val="0"/>
-              </a:spcBef>
-              <a:buFont typeface="Arial" panose="020B0604020202020204" pitchFamily="34" charset="0"/>
-              <a:buChar char="•"/>
-            </a:pPr>
-            <a:r>
-              <a:rPr lang="en-US" sz="1800" dirty="0">
-                <a:latin typeface="+mj-lt"/>
-                <a:ea typeface="Verdana" panose="020B0604030504040204" pitchFamily="34" charset="0"/>
-              </a:rPr>
-              <a:t>Removing an instance</a:t>
-            </a:r>
-          </a:p>
-          <a:p>
-            <a:pPr marL="285750" indent="-285750">
-              <a:spcBef>
-                <a:spcPts val="0"/>
-              </a:spcBef>
-              <a:buFont typeface="Arial" panose="020B0604020202020204" pitchFamily="34" charset="0"/>
-              <a:buChar char="•"/>
-            </a:pPr>
-            <a:r>
-              <a:rPr lang="en-US" sz="1800" dirty="0">
-                <a:latin typeface="+mj-lt"/>
-                <a:ea typeface="Verdana" panose="020B0604030504040204" pitchFamily="34" charset="0"/>
-              </a:rPr>
-              <a:t>Partial or weaken connections</a:t>
-            </a:r>
-          </a:p>
-          <a:p>
-            <a:pPr>
+              <a:t> scenario and current approach - "outlier detection on non-stationary time series* by means of calibrating thresholds from priors"</a:t>
+            </a:r>
+          </a:p>
+          <a:p>
+            <a:pPr marL="342900" indent="-342900">
+              <a:lnSpc>
+                <a:spcPct val="150000"/>
+              </a:lnSpc>
               <a:spcBef>
                 <a:spcPts val="0"/>
               </a:spcBef>
               <a:spcAft>
                 <a:spcPts val="0"/>
               </a:spcAft>
-              <a:buFontTx/>
-              <a:buChar char="-"/>
+              <a:buFont typeface="+mj-lt"/>
+              <a:buAutoNum type="arabicPeriod"/>
             </a:pPr>
             <a:endParaRPr lang="en-US" sz="1800" dirty="0">
+              <a:effectLst/>
               <a:latin typeface="+mj-lt"/>
               <a:ea typeface="Verdana" panose="020B0604030504040204" pitchFamily="34" charset="0"/>
             </a:endParaRPr>
           </a:p>
           <a:p>
-            <a:pPr marL="0" indent="0">
+            <a:pPr marL="342900" indent="-342900">
+              <a:lnSpc>
+                <a:spcPct val="150000"/>
+              </a:lnSpc>
               <a:spcBef>
                 <a:spcPts val="0"/>
               </a:spcBef>
               <a:spcAft>
                 <a:spcPts val="0"/>
               </a:spcAft>
-              <a:buNone/>
+              <a:buFont typeface="+mj-lt"/>
+              <a:buAutoNum type="arabicPeriod"/>
             </a:pPr>
             <a:r>
-              <a:rPr lang="en-US" sz="1800" u="sng" dirty="0">
+              <a:rPr lang="en-US" sz="1800" dirty="0">
+                <a:effectLst/>
                 <a:latin typeface="+mj-lt"/>
                 <a:ea typeface="Verdana" panose="020B0604030504040204" pitchFamily="34" charset="0"/>
               </a:rPr>
-              <a:t>Impact:</a:t>
+              <a:t>We could already use it "as it is" and an apply a comparative techniques like Message </a:t>
             </a:r>
             <a:r>
               <a:rPr lang="en-US" sz="1800" dirty="0">
                 <a:latin typeface="+mj-lt"/>
                 <a:ea typeface="Verdana" panose="020B0604030504040204" pitchFamily="34" charset="0"/>
               </a:rPr>
-              <a:t> These structural changes would affect the reliability of the previous models to generalize</a:t>
-            </a:r>
-          </a:p>
-          <a:p>
-            <a:pPr marL="0" indent="0">
+              <a:t>Passing (today’s lecture) or </a:t>
+            </a:r>
+            <a:r>
+              <a:rPr lang="en-US" sz="1800" dirty="0">
+                <a:effectLst/>
+                <a:latin typeface="+mj-lt"/>
+                <a:ea typeface="Verdana" panose="020B0604030504040204" pitchFamily="34" charset="0"/>
+              </a:rPr>
+              <a:t>Granger Causality [1] to discover which services are dependent on each other and, hence, possibly the direction of propagation of an anomaly.</a:t>
+            </a:r>
+          </a:p>
+          <a:p>
+            <a:pPr marL="342900" indent="-342900">
+              <a:lnSpc>
+                <a:spcPct val="150000"/>
+              </a:lnSpc>
               <a:spcBef>
                 <a:spcPts val="0"/>
               </a:spcBef>
               <a:spcAft>
                 <a:spcPts val="0"/>
               </a:spcAft>
-              <a:buNone/>
+              <a:buFont typeface="+mj-lt"/>
+              <a:buAutoNum type="arabicPeriod"/>
             </a:pPr>
-            <a:r>
-              <a:rPr lang="en-US" sz="1800" u="sng" dirty="0">
-                <a:latin typeface="+mj-lt"/>
-                <a:ea typeface="Verdana" panose="020B0604030504040204" pitchFamily="34" charset="0"/>
-              </a:rPr>
-              <a:t>Evaluation</a:t>
-            </a:r>
-            <a:r>
-              <a:rPr lang="en-US" sz="1800" dirty="0">
-                <a:latin typeface="+mj-lt"/>
-                <a:ea typeface="Verdana" panose="020B0604030504040204" pitchFamily="34" charset="0"/>
-              </a:rPr>
-              <a:t>: Measure how robust are the models to these changes</a:t>
-            </a:r>
-          </a:p>
-          <a:p>
-            <a:pPr marL="0" indent="0">
+            <a:endParaRPr lang="en-US" sz="1800" dirty="0">
+              <a:latin typeface="+mj-lt"/>
+              <a:ea typeface="Verdana" panose="020B0604030504040204" pitchFamily="34" charset="0"/>
+            </a:endParaRPr>
+          </a:p>
+          <a:p>
+            <a:pPr marL="342900" indent="-342900">
+              <a:lnSpc>
+                <a:spcPct val="150000"/>
+              </a:lnSpc>
               <a:spcBef>
                 <a:spcPts val="0"/>
               </a:spcBef>
               <a:spcAft>
                 <a:spcPts val="0"/>
               </a:spcAft>
-              <a:buNone/>
+              <a:buFont typeface="+mj-lt"/>
+              <a:buAutoNum type="arabicPeriod"/>
             </a:pPr>
+            <a:r>
+              <a:rPr lang="en-US" sz="1800" dirty="0">
+                <a:effectLst/>
+                <a:latin typeface="+mj-lt"/>
+                <a:ea typeface="Verdana" panose="020B0604030504040204" pitchFamily="34" charset="0"/>
+              </a:rPr>
+              <a:t>We need simulate partial observability, </a:t>
+            </a:r>
+            <a:r>
+              <a:rPr lang="en-US" sz="1800" dirty="0">
+                <a:latin typeface="+mj-lt"/>
+                <a:ea typeface="Verdana" panose="020B0604030504040204" pitchFamily="34" charset="0"/>
+              </a:rPr>
+              <a:t>e.g., a failure in one component is not logged (silently failing). This could be simulated by adding a gap in a failure trace. Failure trace is a sequence of components that failed.</a:t>
+            </a:r>
             <a:endParaRPr lang="en-US" sz="1800" dirty="0">
+              <a:effectLst/>
               <a:latin typeface="+mj-lt"/>
               <a:ea typeface="Verdana" panose="020B0604030504040204" pitchFamily="34" charset="0"/>
             </a:endParaRPr>
           </a:p>
           <a:p>
-            <a:endParaRPr lang="en-US" dirty="0"/>
+            <a:pPr marL="0" indent="0">
+              <a:lnSpc>
+                <a:spcPct val="150000"/>
+              </a:lnSpc>
+              <a:buNone/>
+            </a:pPr>
+            <a:r>
+              <a:rPr lang="en-US" sz="1400" i="1" dirty="0">
+                <a:effectLst/>
+                <a:latin typeface="Calibri,Helvetica,sans-serif,EmojiFont,Apple Color Emoji,Segoe UI Emoji,NotoColorEmoji,Segoe UI Symbol,Android Emoji,EmojiSymbols"/>
+              </a:rPr>
+              <a:t>*We have previously work with students on generating non-stationary time series. We adopted the </a:t>
+            </a:r>
+            <a:r>
+              <a:rPr lang="en-US" sz="1400" i="1" dirty="0" err="1">
+                <a:effectLst/>
+                <a:latin typeface="Calibri,Helvetica,sans-serif,EmojiFont,Apple Color Emoji,Segoe UI Emoji,NotoColorEmoji,Segoe UI Symbol,Android Emoji,EmojiSymbols"/>
+              </a:rPr>
+              <a:t>Ohrstein-Uhlenbeck</a:t>
+            </a:r>
+            <a:r>
+              <a:rPr lang="en-US" sz="1400" i="1" dirty="0">
+                <a:effectLst/>
+                <a:latin typeface="Calibri,Helvetica,sans-serif,EmojiFont,Apple Color Emoji,Segoe UI Emoji,NotoColorEmoji,Segoe UI Symbol,Android Emoji,EmojiSymbols"/>
+              </a:rPr>
+              <a:t> process [6], which is basically an AR(1) model, Auto-Regressive Model that shifts only the mean, but keeps variance constant</a:t>
+            </a:r>
+            <a:endParaRPr lang="en-US" sz="1400" i="1" dirty="0">
+              <a:latin typeface="+mj-lt"/>
+              <a:ea typeface="Verdana" panose="020B0604030504040204" pitchFamily="34" charset="0"/>
+            </a:endParaRPr>
           </a:p>
         </p:txBody>
       </p:sp>
     </p:spTree>
     <p:extLst>
       <p:ext uri="{BB962C8B-B14F-4D97-AF65-F5344CB8AC3E}">
-        <p14:creationId xmlns:p14="http://schemas.microsoft.com/office/powerpoint/2010/main" val="1762729318"/>
+        <p14:creationId xmlns:p14="http://schemas.microsoft.com/office/powerpoint/2010/main" val="2182127434"/>
       </p:ext>
     </p:extLst>
   </p:cSld>
@@ -10843,7 +10773,7 @@
           <p:cNvPr id="2" name="Title 1">
             <a:extLst>
               <a:ext uri="{FF2B5EF4-FFF2-40B4-BE49-F238E27FC236}">
-                <a16:creationId xmlns:a16="http://schemas.microsoft.com/office/drawing/2014/main" id="{AE794B99-EBFF-BC5A-8DD9-3C4CFC6E2521}"/>
+                <a16:creationId xmlns:a16="http://schemas.microsoft.com/office/drawing/2014/main" id="{8DA10270-1B60-AA04-26FE-4FCC2FCC2E3E}"/>
               </a:ext>
             </a:extLst>
           </p:cNvPr>
@@ -10861,7 +10791,7 @@
           <a:p>
             <a:r>
               <a:rPr lang="en-US" dirty="0"/>
-              <a:t>WP-3 Heuristics for STG Matching</a:t>
+              <a:t>Clarifications</a:t>
             </a:r>
           </a:p>
         </p:txBody>
@@ -10871,7 +10801,7 @@
           <p:cNvPr id="3" name="Content Placeholder 2">
             <a:extLst>
               <a:ext uri="{FF2B5EF4-FFF2-40B4-BE49-F238E27FC236}">
-                <a16:creationId xmlns:a16="http://schemas.microsoft.com/office/drawing/2014/main" id="{2AB5B57F-C05D-D055-F5C6-422D5A73ADBE}"/>
+                <a16:creationId xmlns:a16="http://schemas.microsoft.com/office/drawing/2014/main" id="{0837EC9D-6595-A48F-26C1-60F406A8E441}"/>
               </a:ext>
             </a:extLst>
           </p:cNvPr>
@@ -10885,97 +10815,156 @@
         <p:spPr>
           <a:xfrm>
             <a:off x="478369" y="1213307"/>
-            <a:ext cx="11473384" cy="3534861"/>
+            <a:ext cx="11473384" cy="4231147"/>
           </a:xfrm>
         </p:spPr>
         <p:txBody>
-          <a:bodyPr/>
+          <a:bodyPr>
+            <a:normAutofit/>
+          </a:bodyPr>
           <a:lstStyle/>
           <a:p>
-            <a:pPr marL="285750" indent="-285750">
-              <a:buFont typeface="Arial" panose="020B0604020202020204" pitchFamily="34" charset="0"/>
-              <a:buChar char="•"/>
+            <a:pPr marL="342900" indent="-342900">
+              <a:lnSpc>
+                <a:spcPct val="170000"/>
+              </a:lnSpc>
+              <a:spcBef>
+                <a:spcPts val="0"/>
+              </a:spcBef>
+              <a:buFont typeface="+mj-lt"/>
+              <a:buAutoNum type="arabicPeriod"/>
             </a:pPr>
             <a:r>
-              <a:rPr lang="en-US" sz="2000" dirty="0">
+              <a:rPr lang="en-US" sz="1400" dirty="0">
                 <a:effectLst/>
-                <a:latin typeface="Calibri,sans-serif"/>
+                <a:latin typeface="+mj-lt"/>
+                <a:ea typeface="Verdana" panose="020B0604030504040204" pitchFamily="34" charset="0"/>
               </a:rPr>
-              <a:t>Store the history of graph in a single graph.</a:t>
-            </a:r>
-          </a:p>
-          <a:p>
-            <a:pPr marL="285750" indent="-285750">
-              <a:buFont typeface="Arial" panose="020B0604020202020204" pitchFamily="34" charset="0"/>
-              <a:buChar char="•"/>
+              <a:t>Trade-offs of calibrating based on priors versus directly learning a threshold</a:t>
+            </a:r>
+          </a:p>
+          <a:p>
+            <a:pPr marL="342900" indent="-342900">
+              <a:lnSpc>
+                <a:spcPct val="170000"/>
+              </a:lnSpc>
+              <a:spcBef>
+                <a:spcPts val="0"/>
+              </a:spcBef>
+              <a:buFont typeface="+mj-lt"/>
+              <a:buAutoNum type="arabicPeriod"/>
             </a:pPr>
             <a:r>
-              <a:rPr lang="en-US" sz="2000" dirty="0">
+              <a:rPr lang="en-US" sz="1400" dirty="0">
                 <a:effectLst/>
-                <a:latin typeface="Calibri,sans-serif"/>
+                <a:latin typeface="+mj-lt"/>
+                <a:ea typeface="Verdana" panose="020B0604030504040204" pitchFamily="34" charset="0"/>
               </a:rPr>
-              <a:t>This history comprises actions of addition and deletion of nodes.</a:t>
-            </a:r>
-          </a:p>
-          <a:p>
-            <a:pPr marL="285750" indent="-285750">
-              <a:buFont typeface="Arial" panose="020B0604020202020204" pitchFamily="34" charset="0"/>
-              <a:buChar char="•"/>
+              <a:t> Role of false negatives (what if an outlier is not detected?). Maybe we can use some false discover rate (FDR) technique [2] (which is adaptive and scalable!).</a:t>
+            </a:r>
+          </a:p>
+          <a:p>
+            <a:pPr marL="342900" indent="-342900">
+              <a:lnSpc>
+                <a:spcPct val="170000"/>
+              </a:lnSpc>
+              <a:spcBef>
+                <a:spcPts val="0"/>
+              </a:spcBef>
+              <a:buFont typeface="+mj-lt"/>
+              <a:buAutoNum type="arabicPeriod"/>
             </a:pPr>
             <a:r>
-              <a:rPr lang="en-US" sz="2000" dirty="0">
+              <a:rPr lang="en-US" sz="1400" dirty="0">
                 <a:effectLst/>
-                <a:latin typeface="Calibri,sans-serif"/>
+                <a:latin typeface="+mj-lt"/>
+                <a:ea typeface="Verdana" panose="020B0604030504040204" pitchFamily="34" charset="0"/>
               </a:rPr>
-              <a:t>Matching would be affected by the order of these actions.</a:t>
-            </a:r>
-          </a:p>
-          <a:p>
-            <a:pPr marL="285750" indent="-285750">
-              <a:buFont typeface="Arial" panose="020B0604020202020204" pitchFamily="34" charset="0"/>
-              <a:buChar char="•"/>
+              <a:t>What happens as the more knowledge about the non-stationary process is collected, could we recalibrate based on an increase in belief?</a:t>
+            </a:r>
+          </a:p>
+          <a:p>
+            <a:pPr marL="342900" indent="-342900">
+              <a:lnSpc>
+                <a:spcPct val="170000"/>
+              </a:lnSpc>
+              <a:spcBef>
+                <a:spcPts val="0"/>
+              </a:spcBef>
+              <a:buFont typeface="+mj-lt"/>
+              <a:buAutoNum type="arabicPeriod"/>
             </a:pPr>
             <a:r>
-              <a:rPr lang="en-US" sz="2000" dirty="0">
+              <a:rPr lang="en-US" sz="1400" dirty="0">
                 <a:effectLst/>
-                <a:latin typeface="Calibri,sans-serif"/>
+                <a:latin typeface="+mj-lt"/>
+                <a:ea typeface="Verdana" panose="020B0604030504040204" pitchFamily="34" charset="0"/>
               </a:rPr>
-              <a:t>This would allow to approximate the real temporal query with the structural one.</a:t>
-            </a:r>
-          </a:p>
-          <a:p>
-            <a:pPr marL="285750" indent="-285750">
-              <a:buFont typeface="Arial" panose="020B0604020202020204" pitchFamily="34" charset="0"/>
-              <a:buChar char="•"/>
-            </a:pPr>
-            <a:r>
-              <a:rPr lang="en-US" sz="2000" dirty="0">
+              <a:t>Maybe we could transfer calibrations across similar services, where similarity could be a combination of </a:t>
+            </a:r>
+            <a:r>
+              <a:rPr lang="en-US" sz="1400" b="1" dirty="0">
                 <a:effectLst/>
-                <a:latin typeface="Calibri,sans-serif"/>
+                <a:latin typeface="+mj-lt"/>
+                <a:ea typeface="Verdana" panose="020B0604030504040204" pitchFamily="34" charset="0"/>
               </a:rPr>
-              <a:t>The difference between maximum and minimum deletions would provide a lifespan measure.</a:t>
-            </a:r>
-          </a:p>
-          <a:p>
-            <a:pPr marL="285750" indent="-285750">
-              <a:buFont typeface="Arial" panose="020B0604020202020204" pitchFamily="34" charset="0"/>
-              <a:buChar char="•"/>
-            </a:pPr>
-            <a:r>
-              <a:rPr lang="en-US" sz="2000" dirty="0">
+              <a:t>graph </a:t>
+            </a:r>
+            <a:r>
+              <a:rPr lang="en-US" sz="1400" b="1" dirty="0" err="1">
                 <a:effectLst/>
-                <a:latin typeface="Calibri,sans-serif"/>
+                <a:latin typeface="+mj-lt"/>
+                <a:ea typeface="Verdana" panose="020B0604030504040204" pitchFamily="34" charset="0"/>
               </a:rPr>
-              <a:t>This would allow to detect anomaly beyond the attribute level, but also at the graph level.</a:t>
-            </a:r>
-            <a:endParaRPr lang="en-US" sz="2000" dirty="0"/>
+              <a:t>isormophism</a:t>
+            </a:r>
+            <a:r>
+              <a:rPr lang="en-US" sz="1400" dirty="0">
+                <a:effectLst/>
+                <a:latin typeface="+mj-lt"/>
+                <a:ea typeface="Verdana" panose="020B0604030504040204" pitchFamily="34" charset="0"/>
+              </a:rPr>
+              <a:t> and </a:t>
+            </a:r>
+            <a:r>
+              <a:rPr lang="en-US" sz="1400" b="1" dirty="0">
+                <a:effectLst/>
+                <a:latin typeface="+mj-lt"/>
+                <a:ea typeface="Verdana" panose="020B0604030504040204" pitchFamily="34" charset="0"/>
+              </a:rPr>
+              <a:t>distance/similarity metric</a:t>
+            </a:r>
+            <a:r>
+              <a:rPr lang="en-US" sz="1400" dirty="0">
+                <a:effectLst/>
+                <a:latin typeface="+mj-lt"/>
+                <a:ea typeface="Verdana" panose="020B0604030504040204" pitchFamily="34" charset="0"/>
+              </a:rPr>
+              <a:t>[3] based on </a:t>
+            </a:r>
+            <a:r>
+              <a:rPr lang="en-US" sz="1400" b="1" dirty="0">
+                <a:effectLst/>
+                <a:latin typeface="+mj-lt"/>
+                <a:ea typeface="Verdana" panose="020B0604030504040204" pitchFamily="34" charset="0"/>
+              </a:rPr>
+              <a:t>stylized facts</a:t>
+            </a:r>
+            <a:r>
+              <a:rPr lang="en-US" sz="1400" dirty="0">
+                <a:effectLst/>
+                <a:latin typeface="+mj-lt"/>
+                <a:ea typeface="Verdana" panose="020B0604030504040204" pitchFamily="34" charset="0"/>
+              </a:rPr>
+              <a:t> [4][5]</a:t>
+            </a:r>
           </a:p>
         </p:txBody>
       </p:sp>
     </p:spTree>
     <p:extLst>
       <p:ext uri="{BB962C8B-B14F-4D97-AF65-F5344CB8AC3E}">
-        <p14:creationId xmlns:p14="http://schemas.microsoft.com/office/powerpoint/2010/main" val="3510858119"/>
+        <p14:creationId xmlns:p14="http://schemas.microsoft.com/office/powerpoint/2010/main" val="2413545060"/>
       </p:ext>
     </p:extLst>
   </p:cSld>
@@ -11007,6 +10996,664 @@
           <p:cNvPr id="2" name="Title 1">
             <a:extLst>
               <a:ext uri="{FF2B5EF4-FFF2-40B4-BE49-F238E27FC236}">
+                <a16:creationId xmlns:a16="http://schemas.microsoft.com/office/drawing/2014/main" id="{8C184E01-75D4-5FC7-E075-630465F4101A}"/>
+              </a:ext>
+            </a:extLst>
+          </p:cNvPr>
+          <p:cNvSpPr>
+            <a:spLocks noGrp="1"/>
+          </p:cNvSpPr>
+          <p:nvPr>
+            <p:ph type="title"/>
+          </p:nvPr>
+        </p:nvSpPr>
+        <p:spPr>
+          <a:xfrm>
+            <a:off x="478369" y="144001"/>
+            <a:ext cx="9169401" cy="966272"/>
+          </a:xfrm>
+        </p:spPr>
+        <p:txBody>
+          <a:bodyPr/>
+          <a:lstStyle/>
+          <a:p>
+            <a:r>
+              <a:rPr lang="en-US" dirty="0"/>
+              <a:t>Root-Cause Identification</a:t>
+            </a:r>
+            <a:br>
+              <a:rPr lang="en-US" dirty="0"/>
+            </a:br>
+            <a:endParaRPr lang="en-US" dirty="0"/>
+          </a:p>
+        </p:txBody>
+      </p:sp>
+      <p:sp>
+        <p:nvSpPr>
+          <p:cNvPr id="3" name="Content Placeholder 2">
+            <a:extLst>
+              <a:ext uri="{FF2B5EF4-FFF2-40B4-BE49-F238E27FC236}">
+                <a16:creationId xmlns:a16="http://schemas.microsoft.com/office/drawing/2014/main" id="{12F5A1FE-1DB7-E619-FE52-FB6C3CCCF65D}"/>
+              </a:ext>
+            </a:extLst>
+          </p:cNvPr>
+          <p:cNvSpPr>
+            <a:spLocks noGrp="1"/>
+          </p:cNvSpPr>
+          <p:nvPr>
+            <p:ph idx="1"/>
+          </p:nvPr>
+        </p:nvSpPr>
+        <p:spPr>
+          <a:xfrm>
+            <a:off x="838200" y="956958"/>
+            <a:ext cx="10515600" cy="5901042"/>
+          </a:xfrm>
+        </p:spPr>
+        <p:txBody>
+          <a:bodyPr>
+            <a:noAutofit/>
+          </a:bodyPr>
+          <a:lstStyle/>
+          <a:p>
+            <a:pPr marL="457200" indent="-457200">
+              <a:lnSpc>
+                <a:spcPct val="170000"/>
+              </a:lnSpc>
+              <a:spcBef>
+                <a:spcPts val="0"/>
+              </a:spcBef>
+              <a:spcAft>
+                <a:spcPts val="0"/>
+              </a:spcAft>
+              <a:buFont typeface="+mj-lt"/>
+              <a:buAutoNum type="arabicPeriod"/>
+            </a:pPr>
+            <a:r>
+              <a:rPr lang="en-US" sz="1600" dirty="0">
+                <a:latin typeface="+mj-lt"/>
+                <a:ea typeface="Verdana" panose="020B0604030504040204" pitchFamily="34" charset="0"/>
+              </a:rPr>
+              <a:t>We would work towards the goal of identifying the bottleneck (root-causes) of an anomaly. This might require ranking the services/nodes </a:t>
+            </a:r>
+            <a:r>
+              <a:rPr lang="en-US" sz="1600" dirty="0" err="1">
+                <a:latin typeface="+mj-lt"/>
+                <a:ea typeface="Verdana" panose="020B0604030504040204" pitchFamily="34" charset="0"/>
+              </a:rPr>
+              <a:t>w.r.t.</a:t>
+            </a:r>
+            <a:r>
+              <a:rPr lang="en-US" sz="1600" dirty="0">
+                <a:latin typeface="+mj-lt"/>
+                <a:ea typeface="Verdana" panose="020B0604030504040204" pitchFamily="34" charset="0"/>
+              </a:rPr>
+              <a:t> to probability of being the bottleneck (</a:t>
+            </a:r>
+            <a:r>
+              <a:rPr lang="en-US" sz="1600" dirty="0" err="1">
+                <a:latin typeface="+mj-lt"/>
+                <a:ea typeface="Verdana" panose="020B0604030504040204" pitchFamily="34" charset="0"/>
+              </a:rPr>
+              <a:t>Iqra</a:t>
+            </a:r>
+            <a:r>
+              <a:rPr lang="en-US" sz="1600" dirty="0">
+                <a:latin typeface="+mj-lt"/>
+                <a:ea typeface="Verdana" panose="020B0604030504040204" pitchFamily="34" charset="0"/>
+              </a:rPr>
+              <a:t> mentioned having read work in this direction).</a:t>
+            </a:r>
+          </a:p>
+          <a:p>
+            <a:pPr marL="457200" indent="-457200">
+              <a:lnSpc>
+                <a:spcPct val="170000"/>
+              </a:lnSpc>
+              <a:spcBef>
+                <a:spcPts val="0"/>
+              </a:spcBef>
+              <a:spcAft>
+                <a:spcPts val="0"/>
+              </a:spcAft>
+              <a:buFont typeface="+mj-lt"/>
+              <a:buAutoNum type="arabicPeriod"/>
+            </a:pPr>
+            <a:endParaRPr lang="en-US" sz="1600" dirty="0">
+              <a:latin typeface="+mj-lt"/>
+              <a:ea typeface="Verdana" panose="020B0604030504040204" pitchFamily="34" charset="0"/>
+            </a:endParaRPr>
+          </a:p>
+          <a:p>
+            <a:pPr marL="457200" indent="-457200">
+              <a:lnSpc>
+                <a:spcPct val="170000"/>
+              </a:lnSpc>
+              <a:spcBef>
+                <a:spcPts val="0"/>
+              </a:spcBef>
+              <a:spcAft>
+                <a:spcPts val="0"/>
+              </a:spcAft>
+              <a:buFont typeface="+mj-lt"/>
+              <a:buAutoNum type="arabicPeriod"/>
+            </a:pPr>
+            <a:r>
+              <a:rPr lang="en-US" sz="1600" dirty="0">
+                <a:latin typeface="+mj-lt"/>
+                <a:ea typeface="Verdana" panose="020B0604030504040204" pitchFamily="34" charset="0"/>
+              </a:rPr>
+              <a:t>Ranking could be done via graph matching. We would need to generate a few patterns of failures (3 or 4). Each pattern is graph pattern. These patterns would be used to train a classification model that given a new failure trace, it would provide the probability of that failure trace being from any of the known patterns.</a:t>
+            </a:r>
+          </a:p>
+          <a:p>
+            <a:pPr marL="457200" indent="-457200">
+              <a:lnSpc>
+                <a:spcPct val="170000"/>
+              </a:lnSpc>
+              <a:spcBef>
+                <a:spcPts val="0"/>
+              </a:spcBef>
+              <a:spcAft>
+                <a:spcPts val="0"/>
+              </a:spcAft>
+              <a:buFont typeface="+mj-lt"/>
+              <a:buAutoNum type="arabicPeriod"/>
+            </a:pPr>
+            <a:endParaRPr lang="en-US" sz="1600" dirty="0">
+              <a:latin typeface="+mj-lt"/>
+              <a:ea typeface="Verdana" panose="020B0604030504040204" pitchFamily="34" charset="0"/>
+            </a:endParaRPr>
+          </a:p>
+          <a:p>
+            <a:pPr marL="457200" indent="-457200">
+              <a:lnSpc>
+                <a:spcPct val="170000"/>
+              </a:lnSpc>
+              <a:spcBef>
+                <a:spcPts val="0"/>
+              </a:spcBef>
+              <a:buFont typeface="+mj-lt"/>
+              <a:buAutoNum type="arabicPeriod"/>
+            </a:pPr>
+            <a:r>
+              <a:rPr lang="en-US" sz="1600" dirty="0">
+                <a:latin typeface="+mj-lt"/>
+                <a:ea typeface="Verdana" panose="020B0604030504040204" pitchFamily="34" charset="0"/>
+              </a:rPr>
+              <a:t>One scenario that could be used is do detect the phenomenon of confounding. We discussed the possible confounding of the caches in containers 1 and 2 on the dependencies between time series delay time in service-1 and response time service-2. We would need to manipulate the size of caches in container 1 and 2 and the strength (number of calls) of dependency between service 1 and 2. For that, either the students or </a:t>
+            </a:r>
+            <a:r>
+              <a:rPr lang="en-US" sz="1600" dirty="0" err="1">
+                <a:latin typeface="+mj-lt"/>
+                <a:ea typeface="Verdana" panose="020B0604030504040204" pitchFamily="34" charset="0"/>
+              </a:rPr>
+              <a:t>Iqra</a:t>
+            </a:r>
+            <a:r>
+              <a:rPr lang="en-US" sz="1600" dirty="0">
+                <a:latin typeface="+mj-lt"/>
+                <a:ea typeface="Verdana" panose="020B0604030504040204" pitchFamily="34" charset="0"/>
+              </a:rPr>
+              <a:t> would need to help produce data.</a:t>
+            </a:r>
+          </a:p>
+        </p:txBody>
+      </p:sp>
+    </p:spTree>
+    <p:extLst>
+      <p:ext uri="{BB962C8B-B14F-4D97-AF65-F5344CB8AC3E}">
+        <p14:creationId xmlns:p14="http://schemas.microsoft.com/office/powerpoint/2010/main" val="3033199245"/>
+      </p:ext>
+    </p:extLst>
+  </p:cSld>
+  <p:clrMapOvr>
+    <a:masterClrMapping/>
+  </p:clrMapOvr>
+</p:sld>
+</file>
+
+<file path=ppt/slides/slide15.xml><?xml version="1.0" encoding="utf-8"?>
+<p:sld xmlns:a="http://schemas.openxmlformats.org/drawingml/2006/main" xmlns:r="http://schemas.openxmlformats.org/officeDocument/2006/relationships" xmlns:p="http://schemas.openxmlformats.org/presentationml/2006/main">
+  <p:cSld>
+    <p:spTree>
+      <p:nvGrpSpPr>
+        <p:cNvPr id="1" name=""/>
+        <p:cNvGrpSpPr/>
+        <p:nvPr/>
+      </p:nvGrpSpPr>
+      <p:grpSpPr>
+        <a:xfrm>
+          <a:off x="0" y="0"/>
+          <a:ext cx="0" cy="0"/>
+          <a:chOff x="0" y="0"/>
+          <a:chExt cx="0" cy="0"/>
+        </a:xfrm>
+      </p:grpSpPr>
+      <p:sp>
+        <p:nvSpPr>
+          <p:cNvPr id="2" name="Title 1">
+            <a:extLst>
+              <a:ext uri="{FF2B5EF4-FFF2-40B4-BE49-F238E27FC236}">
+                <a16:creationId xmlns:a16="http://schemas.microsoft.com/office/drawing/2014/main" id="{2831B9B4-2F40-31E7-15E9-4AE33144147F}"/>
+              </a:ext>
+            </a:extLst>
+          </p:cNvPr>
+          <p:cNvSpPr>
+            <a:spLocks noGrp="1"/>
+          </p:cNvSpPr>
+          <p:nvPr>
+            <p:ph type="title"/>
+          </p:nvPr>
+        </p:nvSpPr>
+        <p:spPr>
+          <a:xfrm>
+            <a:off x="478369" y="144001"/>
+            <a:ext cx="9169401" cy="966272"/>
+          </a:xfrm>
+        </p:spPr>
+        <p:txBody>
+          <a:bodyPr/>
+          <a:lstStyle/>
+          <a:p>
+            <a:br>
+              <a:rPr lang="en-US" dirty="0"/>
+            </a:br>
+            <a:r>
+              <a:rPr lang="en-US" dirty="0"/>
+              <a:t>Evolving Graphs</a:t>
+            </a:r>
+          </a:p>
+        </p:txBody>
+      </p:sp>
+      <p:sp>
+        <p:nvSpPr>
+          <p:cNvPr id="3" name="Content Placeholder 2">
+            <a:extLst>
+              <a:ext uri="{FF2B5EF4-FFF2-40B4-BE49-F238E27FC236}">
+                <a16:creationId xmlns:a16="http://schemas.microsoft.com/office/drawing/2014/main" id="{5CADD266-6446-F73F-8F6C-FDA6A24AB6E5}"/>
+              </a:ext>
+            </a:extLst>
+          </p:cNvPr>
+          <p:cNvSpPr>
+            <a:spLocks noGrp="1"/>
+          </p:cNvSpPr>
+          <p:nvPr>
+            <p:ph idx="1"/>
+          </p:nvPr>
+        </p:nvSpPr>
+        <p:spPr>
+          <a:xfrm>
+            <a:off x="478369" y="1213308"/>
+            <a:ext cx="11473384" cy="3284489"/>
+          </a:xfrm>
+        </p:spPr>
+        <p:txBody>
+          <a:bodyPr/>
+          <a:lstStyle/>
+          <a:p>
+            <a:pPr marL="0" indent="0">
+              <a:spcBef>
+                <a:spcPts val="0"/>
+              </a:spcBef>
+              <a:spcAft>
+                <a:spcPts val="0"/>
+              </a:spcAft>
+              <a:buNone/>
+            </a:pPr>
+            <a:r>
+              <a:rPr lang="en-US" sz="1800" u="sng" dirty="0">
+                <a:latin typeface="+mj-lt"/>
+                <a:ea typeface="Verdana" panose="020B0604030504040204" pitchFamily="34" charset="0"/>
+              </a:rPr>
+              <a:t>Changes:</a:t>
+            </a:r>
+            <a:r>
+              <a:rPr lang="en-US" sz="1800" dirty="0">
+                <a:latin typeface="+mj-lt"/>
+                <a:ea typeface="Verdana" panose="020B0604030504040204" pitchFamily="34" charset="0"/>
+              </a:rPr>
+              <a:t> </a:t>
+            </a:r>
+          </a:p>
+          <a:p>
+            <a:pPr marL="285750" indent="-285750">
+              <a:spcBef>
+                <a:spcPts val="0"/>
+              </a:spcBef>
+              <a:buFont typeface="Arial" panose="020B0604020202020204" pitchFamily="34" charset="0"/>
+              <a:buChar char="•"/>
+            </a:pPr>
+            <a:r>
+              <a:rPr lang="en-US" sz="1800" dirty="0">
+                <a:latin typeface="+mj-lt"/>
+                <a:ea typeface="Verdana" panose="020B0604030504040204" pitchFamily="34" charset="0"/>
+              </a:rPr>
+              <a:t>Adding an instance  added</a:t>
+            </a:r>
+          </a:p>
+          <a:p>
+            <a:pPr marL="285750" indent="-285750">
+              <a:spcBef>
+                <a:spcPts val="0"/>
+              </a:spcBef>
+              <a:buFont typeface="Arial" panose="020B0604020202020204" pitchFamily="34" charset="0"/>
+              <a:buChar char="•"/>
+            </a:pPr>
+            <a:r>
+              <a:rPr lang="en-US" sz="1800" dirty="0">
+                <a:latin typeface="+mj-lt"/>
+                <a:ea typeface="Verdana" panose="020B0604030504040204" pitchFamily="34" charset="0"/>
+              </a:rPr>
+              <a:t>Removing an instance</a:t>
+            </a:r>
+          </a:p>
+          <a:p>
+            <a:pPr marL="285750" indent="-285750">
+              <a:spcBef>
+                <a:spcPts val="0"/>
+              </a:spcBef>
+              <a:buFont typeface="Arial" panose="020B0604020202020204" pitchFamily="34" charset="0"/>
+              <a:buChar char="•"/>
+            </a:pPr>
+            <a:r>
+              <a:rPr lang="en-US" sz="1800" dirty="0">
+                <a:latin typeface="+mj-lt"/>
+                <a:ea typeface="Verdana" panose="020B0604030504040204" pitchFamily="34" charset="0"/>
+              </a:rPr>
+              <a:t>Partial or weaken connections</a:t>
+            </a:r>
+          </a:p>
+          <a:p>
+            <a:pPr>
+              <a:spcBef>
+                <a:spcPts val="0"/>
+              </a:spcBef>
+              <a:spcAft>
+                <a:spcPts val="0"/>
+              </a:spcAft>
+              <a:buFontTx/>
+              <a:buChar char="-"/>
+            </a:pPr>
+            <a:endParaRPr lang="en-US" sz="1800" dirty="0">
+              <a:latin typeface="+mj-lt"/>
+              <a:ea typeface="Verdana" panose="020B0604030504040204" pitchFamily="34" charset="0"/>
+            </a:endParaRPr>
+          </a:p>
+          <a:p>
+            <a:pPr marL="0" indent="0">
+              <a:spcBef>
+                <a:spcPts val="0"/>
+              </a:spcBef>
+              <a:spcAft>
+                <a:spcPts val="0"/>
+              </a:spcAft>
+              <a:buNone/>
+            </a:pPr>
+            <a:r>
+              <a:rPr lang="en-US" sz="1800" u="sng" dirty="0">
+                <a:latin typeface="+mj-lt"/>
+                <a:ea typeface="Verdana" panose="020B0604030504040204" pitchFamily="34" charset="0"/>
+              </a:rPr>
+              <a:t>Impact:</a:t>
+            </a:r>
+            <a:r>
+              <a:rPr lang="en-US" sz="1800" dirty="0">
+                <a:latin typeface="+mj-lt"/>
+                <a:ea typeface="Verdana" panose="020B0604030504040204" pitchFamily="34" charset="0"/>
+              </a:rPr>
+              <a:t> These structural changes would affect the reliability of the previous models to generalize</a:t>
+            </a:r>
+          </a:p>
+          <a:p>
+            <a:pPr marL="0" indent="0">
+              <a:spcBef>
+                <a:spcPts val="0"/>
+              </a:spcBef>
+              <a:spcAft>
+                <a:spcPts val="0"/>
+              </a:spcAft>
+              <a:buNone/>
+            </a:pPr>
+            <a:r>
+              <a:rPr lang="en-US" sz="1800" u="sng" dirty="0">
+                <a:latin typeface="+mj-lt"/>
+                <a:ea typeface="Verdana" panose="020B0604030504040204" pitchFamily="34" charset="0"/>
+              </a:rPr>
+              <a:t>Evaluation</a:t>
+            </a:r>
+            <a:r>
+              <a:rPr lang="en-US" sz="1800" dirty="0">
+                <a:latin typeface="+mj-lt"/>
+                <a:ea typeface="Verdana" panose="020B0604030504040204" pitchFamily="34" charset="0"/>
+              </a:rPr>
+              <a:t>: Measure how robust are the models to these changes</a:t>
+            </a:r>
+          </a:p>
+          <a:p>
+            <a:pPr marL="0" indent="0">
+              <a:spcBef>
+                <a:spcPts val="0"/>
+              </a:spcBef>
+              <a:spcAft>
+                <a:spcPts val="0"/>
+              </a:spcAft>
+              <a:buNone/>
+            </a:pPr>
+            <a:endParaRPr lang="en-US" sz="1800" dirty="0">
+              <a:latin typeface="+mj-lt"/>
+              <a:ea typeface="Verdana" panose="020B0604030504040204" pitchFamily="34" charset="0"/>
+            </a:endParaRPr>
+          </a:p>
+          <a:p>
+            <a:endParaRPr lang="en-US" dirty="0"/>
+          </a:p>
+        </p:txBody>
+      </p:sp>
+    </p:spTree>
+    <p:extLst>
+      <p:ext uri="{BB962C8B-B14F-4D97-AF65-F5344CB8AC3E}">
+        <p14:creationId xmlns:p14="http://schemas.microsoft.com/office/powerpoint/2010/main" val="1762729318"/>
+      </p:ext>
+    </p:extLst>
+  </p:cSld>
+  <p:clrMapOvr>
+    <a:masterClrMapping/>
+  </p:clrMapOvr>
+</p:sld>
+</file>
+
+<file path=ppt/slides/slide16.xml><?xml version="1.0" encoding="utf-8"?>
+<p:sld xmlns:a="http://schemas.openxmlformats.org/drawingml/2006/main" xmlns:r="http://schemas.openxmlformats.org/officeDocument/2006/relationships" xmlns:p="http://schemas.openxmlformats.org/presentationml/2006/main">
+  <p:cSld>
+    <p:spTree>
+      <p:nvGrpSpPr>
+        <p:cNvPr id="1" name=""/>
+        <p:cNvGrpSpPr/>
+        <p:nvPr/>
+      </p:nvGrpSpPr>
+      <p:grpSpPr>
+        <a:xfrm>
+          <a:off x="0" y="0"/>
+          <a:ext cx="0" cy="0"/>
+          <a:chOff x="0" y="0"/>
+          <a:chExt cx="0" cy="0"/>
+        </a:xfrm>
+      </p:grpSpPr>
+      <p:sp>
+        <p:nvSpPr>
+          <p:cNvPr id="2" name="Title 1">
+            <a:extLst>
+              <a:ext uri="{FF2B5EF4-FFF2-40B4-BE49-F238E27FC236}">
+                <a16:creationId xmlns:a16="http://schemas.microsoft.com/office/drawing/2014/main" id="{AE794B99-EBFF-BC5A-8DD9-3C4CFC6E2521}"/>
+              </a:ext>
+            </a:extLst>
+          </p:cNvPr>
+          <p:cNvSpPr>
+            <a:spLocks noGrp="1"/>
+          </p:cNvSpPr>
+          <p:nvPr>
+            <p:ph type="title"/>
+          </p:nvPr>
+        </p:nvSpPr>
+        <p:spPr>
+          <a:xfrm>
+            <a:off x="478369" y="144001"/>
+            <a:ext cx="9169401" cy="555840"/>
+          </a:xfrm>
+        </p:spPr>
+        <p:txBody>
+          <a:bodyPr/>
+          <a:lstStyle/>
+          <a:p>
+            <a:r>
+              <a:rPr lang="en-US" dirty="0"/>
+              <a:t>Heuristics for STG Matching</a:t>
+            </a:r>
+          </a:p>
+        </p:txBody>
+      </p:sp>
+      <p:sp>
+        <p:nvSpPr>
+          <p:cNvPr id="3" name="Content Placeholder 2">
+            <a:extLst>
+              <a:ext uri="{FF2B5EF4-FFF2-40B4-BE49-F238E27FC236}">
+                <a16:creationId xmlns:a16="http://schemas.microsoft.com/office/drawing/2014/main" id="{2AB5B57F-C05D-D055-F5C6-422D5A73ADBE}"/>
+              </a:ext>
+            </a:extLst>
+          </p:cNvPr>
+          <p:cNvSpPr>
+            <a:spLocks noGrp="1"/>
+          </p:cNvSpPr>
+          <p:nvPr>
+            <p:ph idx="1"/>
+          </p:nvPr>
+        </p:nvSpPr>
+        <p:spPr>
+          <a:xfrm>
+            <a:off x="478369" y="1213307"/>
+            <a:ext cx="11473384" cy="3534861"/>
+          </a:xfrm>
+        </p:spPr>
+        <p:txBody>
+          <a:bodyPr/>
+          <a:lstStyle/>
+          <a:p>
+            <a:pPr marL="285750" indent="-285750">
+              <a:buFont typeface="Arial" panose="020B0604020202020204" pitchFamily="34" charset="0"/>
+              <a:buChar char="•"/>
+            </a:pPr>
+            <a:r>
+              <a:rPr lang="en-US" sz="2000" dirty="0">
+                <a:effectLst/>
+                <a:latin typeface="Calibri,sans-serif"/>
+              </a:rPr>
+              <a:t>Store the history of graph in a single graph.</a:t>
+            </a:r>
+          </a:p>
+          <a:p>
+            <a:pPr marL="285750" indent="-285750">
+              <a:buFont typeface="Arial" panose="020B0604020202020204" pitchFamily="34" charset="0"/>
+              <a:buChar char="•"/>
+            </a:pPr>
+            <a:r>
+              <a:rPr lang="en-US" sz="2000" dirty="0">
+                <a:effectLst/>
+                <a:latin typeface="Calibri,sans-serif"/>
+              </a:rPr>
+              <a:t>This history comprises actions of addition and deletion of nodes.</a:t>
+            </a:r>
+          </a:p>
+          <a:p>
+            <a:pPr marL="285750" indent="-285750">
+              <a:buFont typeface="Arial" panose="020B0604020202020204" pitchFamily="34" charset="0"/>
+              <a:buChar char="•"/>
+            </a:pPr>
+            <a:r>
+              <a:rPr lang="en-US" sz="2000" dirty="0">
+                <a:effectLst/>
+                <a:latin typeface="Calibri,sans-serif"/>
+              </a:rPr>
+              <a:t>Matching would be affected by the order of these actions.</a:t>
+            </a:r>
+          </a:p>
+          <a:p>
+            <a:pPr marL="285750" indent="-285750">
+              <a:buFont typeface="Arial" panose="020B0604020202020204" pitchFamily="34" charset="0"/>
+              <a:buChar char="•"/>
+            </a:pPr>
+            <a:r>
+              <a:rPr lang="en-US" sz="2000" dirty="0">
+                <a:effectLst/>
+                <a:latin typeface="Calibri,sans-serif"/>
+              </a:rPr>
+              <a:t>This would allow to approximate the real temporal query with the structural one.</a:t>
+            </a:r>
+          </a:p>
+          <a:p>
+            <a:pPr marL="285750" indent="-285750">
+              <a:buFont typeface="Arial" panose="020B0604020202020204" pitchFamily="34" charset="0"/>
+              <a:buChar char="•"/>
+            </a:pPr>
+            <a:r>
+              <a:rPr lang="en-US" sz="2000" dirty="0">
+                <a:effectLst/>
+                <a:latin typeface="Calibri,sans-serif"/>
+              </a:rPr>
+              <a:t>The difference between maximum and minimum deletions would provide a lifespan measure.</a:t>
+            </a:r>
+          </a:p>
+          <a:p>
+            <a:pPr marL="285750" indent="-285750">
+              <a:buFont typeface="Arial" panose="020B0604020202020204" pitchFamily="34" charset="0"/>
+              <a:buChar char="•"/>
+            </a:pPr>
+            <a:r>
+              <a:rPr lang="en-US" sz="2000" dirty="0">
+                <a:effectLst/>
+                <a:latin typeface="Calibri,sans-serif"/>
+              </a:rPr>
+              <a:t>This would allow to detect anomaly beyond the attribute level, but also at the graph level.</a:t>
+            </a:r>
+            <a:endParaRPr lang="en-US" sz="2000" dirty="0"/>
+          </a:p>
+        </p:txBody>
+      </p:sp>
+    </p:spTree>
+    <p:extLst>
+      <p:ext uri="{BB962C8B-B14F-4D97-AF65-F5344CB8AC3E}">
+        <p14:creationId xmlns:p14="http://schemas.microsoft.com/office/powerpoint/2010/main" val="3510858119"/>
+      </p:ext>
+    </p:extLst>
+  </p:cSld>
+  <p:clrMapOvr>
+    <a:masterClrMapping/>
+  </p:clrMapOvr>
+</p:sld>
+</file>
+
+<file path=ppt/slides/slide17.xml><?xml version="1.0" encoding="utf-8"?>
+<p:sld xmlns:a="http://schemas.openxmlformats.org/drawingml/2006/main" xmlns:r="http://schemas.openxmlformats.org/officeDocument/2006/relationships" xmlns:p="http://schemas.openxmlformats.org/presentationml/2006/main">
+  <p:cSld>
+    <p:spTree>
+      <p:nvGrpSpPr>
+        <p:cNvPr id="1" name=""/>
+        <p:cNvGrpSpPr/>
+        <p:nvPr/>
+      </p:nvGrpSpPr>
+      <p:grpSpPr>
+        <a:xfrm>
+          <a:off x="0" y="0"/>
+          <a:ext cx="0" cy="0"/>
+          <a:chOff x="0" y="0"/>
+          <a:chExt cx="0" cy="0"/>
+        </a:xfrm>
+      </p:grpSpPr>
+      <p:sp>
+        <p:nvSpPr>
+          <p:cNvPr id="2" name="Title 1">
+            <a:extLst>
+              <a:ext uri="{FF2B5EF4-FFF2-40B4-BE49-F238E27FC236}">
                 <a16:creationId xmlns:a16="http://schemas.microsoft.com/office/drawing/2014/main" id="{0302680A-DDC3-7858-5AB6-1E42BBB4DE10}"/>
               </a:ext>
             </a:extLst>
@@ -11260,7 +11907,7 @@
 </p:sld>
 </file>
 
-<file path=ppt/slides/slide15.xml><?xml version="1.0" encoding="utf-8"?>
+<file path=ppt/slides/slide18.xml><?xml version="1.0" encoding="utf-8"?>
 <p:sld xmlns:a="http://schemas.openxmlformats.org/drawingml/2006/main" xmlns:r="http://schemas.openxmlformats.org/officeDocument/2006/relationships" xmlns:p="http://schemas.openxmlformats.org/presentationml/2006/main">
   <p:cSld>
     <p:spTree>
@@ -12006,6 +12653,525 @@
           <p:cNvPr id="2" name="Title 1">
             <a:extLst>
               <a:ext uri="{FF2B5EF4-FFF2-40B4-BE49-F238E27FC236}">
+                <a16:creationId xmlns:a16="http://schemas.microsoft.com/office/drawing/2014/main" id="{C4E4E986-276A-3389-9592-4618603CC6B5}"/>
+              </a:ext>
+            </a:extLst>
+          </p:cNvPr>
+          <p:cNvSpPr>
+            <a:spLocks noGrp="1"/>
+          </p:cNvSpPr>
+          <p:nvPr>
+            <p:ph type="title"/>
+          </p:nvPr>
+        </p:nvSpPr>
+        <p:spPr>
+          <a:xfrm>
+            <a:off x="478369" y="144001"/>
+            <a:ext cx="9169401" cy="555840"/>
+          </a:xfrm>
+        </p:spPr>
+        <p:txBody>
+          <a:bodyPr/>
+          <a:lstStyle/>
+          <a:p>
+            <a:r>
+              <a:rPr lang="en-US" dirty="0"/>
+              <a:t>WP-1 Anomaly Detection and Causal Graphs</a:t>
+            </a:r>
+          </a:p>
+        </p:txBody>
+      </p:sp>
+      <p:sp>
+        <p:nvSpPr>
+          <p:cNvPr id="3" name="Content Placeholder 2">
+            <a:extLst>
+              <a:ext uri="{FF2B5EF4-FFF2-40B4-BE49-F238E27FC236}">
+                <a16:creationId xmlns:a16="http://schemas.microsoft.com/office/drawing/2014/main" id="{FAE619BB-68D3-6B04-182B-06FAAA572FCA}"/>
+              </a:ext>
+            </a:extLst>
+          </p:cNvPr>
+          <p:cNvSpPr>
+            <a:spLocks noGrp="1"/>
+          </p:cNvSpPr>
+          <p:nvPr>
+            <p:ph idx="1"/>
+          </p:nvPr>
+        </p:nvSpPr>
+        <p:spPr>
+          <a:xfrm>
+            <a:off x="478369" y="1213308"/>
+            <a:ext cx="11473384" cy="2797176"/>
+          </a:xfrm>
+        </p:spPr>
+        <p:txBody>
+          <a:bodyPr/>
+          <a:lstStyle/>
+          <a:p>
+            <a:pPr marL="457200" indent="-457200">
+              <a:buFont typeface="+mj-lt"/>
+              <a:buAutoNum type="arabicPeriod"/>
+            </a:pPr>
+            <a:r>
+              <a:rPr lang="en-US" dirty="0"/>
+              <a:t>Populate a temporal Graph Database with the time series data (</a:t>
+            </a:r>
+            <a:r>
+              <a:rPr lang="en-US" dirty="0" err="1"/>
+              <a:t>github</a:t>
+            </a:r>
+            <a:r>
+              <a:rPr lang="en-US" dirty="0"/>
+              <a:t>, folder data)</a:t>
+            </a:r>
+          </a:p>
+          <a:p>
+            <a:pPr marL="457200" indent="-457200">
+              <a:buFont typeface="+mj-lt"/>
+              <a:buAutoNum type="arabicPeriod"/>
+            </a:pPr>
+            <a:r>
+              <a:rPr lang="en-US" dirty="0"/>
+              <a:t>Ideally, use the systems network structure (XML file provided by </a:t>
+            </a:r>
+            <a:r>
+              <a:rPr lang="en-US" dirty="0" err="1"/>
+              <a:t>Iqra</a:t>
+            </a:r>
+            <a:r>
+              <a:rPr lang="en-US" dirty="0"/>
+              <a:t>) to store the time series following the webservices dependencies</a:t>
+            </a:r>
+          </a:p>
+          <a:p>
+            <a:pPr marL="457200" indent="-457200">
+              <a:buFont typeface="+mj-lt"/>
+              <a:buAutoNum type="arabicPeriod"/>
+            </a:pPr>
+            <a:r>
+              <a:rPr lang="en-US" dirty="0"/>
+              <a:t>For each webservice for which there is a time series, </a:t>
+            </a:r>
+          </a:p>
+          <a:p>
+            <a:pPr marL="698494" lvl="1" indent="-457200">
+              <a:buFont typeface="+mj-lt"/>
+              <a:buAutoNum type="arabicPeriod"/>
+            </a:pPr>
+            <a:r>
+              <a:rPr lang="en-US" dirty="0"/>
+              <a:t>execute the anomaly detection script</a:t>
+            </a:r>
+          </a:p>
+          <a:p>
+            <a:pPr marL="698494" lvl="1" indent="-457200">
+              <a:buFont typeface="+mj-lt"/>
+              <a:buAutoNum type="arabicPeriod"/>
+            </a:pPr>
+            <a:r>
+              <a:rPr lang="en-US" dirty="0"/>
+              <a:t>In case of anomaly detected, store it back on the database (include temporal information, when the anomaly happened – time window?) </a:t>
+            </a:r>
+          </a:p>
+        </p:txBody>
+      </p:sp>
+    </p:spTree>
+    <p:extLst>
+      <p:ext uri="{BB962C8B-B14F-4D97-AF65-F5344CB8AC3E}">
+        <p14:creationId xmlns:p14="http://schemas.microsoft.com/office/powerpoint/2010/main" val="3206188190"/>
+      </p:ext>
+    </p:extLst>
+  </p:cSld>
+  <p:clrMapOvr>
+    <a:masterClrMapping/>
+  </p:clrMapOvr>
+</p:sld>
+</file>
+
+<file path=ppt/slides/slide5.xml><?xml version="1.0" encoding="utf-8"?>
+<p:sld xmlns:a="http://schemas.openxmlformats.org/drawingml/2006/main" xmlns:r="http://schemas.openxmlformats.org/officeDocument/2006/relationships" xmlns:p="http://schemas.openxmlformats.org/presentationml/2006/main">
+  <p:cSld>
+    <p:spTree>
+      <p:nvGrpSpPr>
+        <p:cNvPr id="1" name=""/>
+        <p:cNvGrpSpPr/>
+        <p:nvPr/>
+      </p:nvGrpSpPr>
+      <p:grpSpPr>
+        <a:xfrm>
+          <a:off x="0" y="0"/>
+          <a:ext cx="0" cy="0"/>
+          <a:chOff x="0" y="0"/>
+          <a:chExt cx="0" cy="0"/>
+        </a:xfrm>
+      </p:grpSpPr>
+      <p:sp>
+        <p:nvSpPr>
+          <p:cNvPr id="2" name="Title 1">
+            <a:extLst>
+              <a:ext uri="{FF2B5EF4-FFF2-40B4-BE49-F238E27FC236}">
+                <a16:creationId xmlns:a16="http://schemas.microsoft.com/office/drawing/2014/main" id="{C4E4E986-276A-3389-9592-4618603CC6B5}"/>
+              </a:ext>
+            </a:extLst>
+          </p:cNvPr>
+          <p:cNvSpPr>
+            <a:spLocks noGrp="1"/>
+          </p:cNvSpPr>
+          <p:nvPr>
+            <p:ph type="title"/>
+          </p:nvPr>
+        </p:nvSpPr>
+        <p:spPr>
+          <a:xfrm>
+            <a:off x="478369" y="154471"/>
+            <a:ext cx="9169401" cy="555840"/>
+          </a:xfrm>
+        </p:spPr>
+        <p:txBody>
+          <a:bodyPr/>
+          <a:lstStyle/>
+          <a:p>
+            <a:r>
+              <a:rPr lang="en-US" dirty="0"/>
+              <a:t>WP-1 Granger Causal Graphs</a:t>
+            </a:r>
+          </a:p>
+        </p:txBody>
+      </p:sp>
+      <p:sp>
+        <p:nvSpPr>
+          <p:cNvPr id="3" name="Content Placeholder 2">
+            <a:extLst>
+              <a:ext uri="{FF2B5EF4-FFF2-40B4-BE49-F238E27FC236}">
+                <a16:creationId xmlns:a16="http://schemas.microsoft.com/office/drawing/2014/main" id="{FAE619BB-68D3-6B04-182B-06FAAA572FCA}"/>
+              </a:ext>
+            </a:extLst>
+          </p:cNvPr>
+          <p:cNvSpPr>
+            <a:spLocks noGrp="1"/>
+          </p:cNvSpPr>
+          <p:nvPr>
+            <p:ph idx="1"/>
+          </p:nvPr>
+        </p:nvSpPr>
+        <p:spPr>
+          <a:xfrm>
+            <a:off x="478369" y="1213308"/>
+            <a:ext cx="11473384" cy="5939062"/>
+          </a:xfrm>
+        </p:spPr>
+        <p:txBody>
+          <a:bodyPr/>
+          <a:lstStyle/>
+          <a:p>
+            <a:pPr marL="457200" indent="-457200">
+              <a:buFont typeface="+mj-lt"/>
+              <a:buAutoNum type="arabicPeriod"/>
+            </a:pPr>
+            <a:r>
+              <a:rPr lang="en-US" dirty="0"/>
+              <a:t>For each pair of </a:t>
+            </a:r>
+            <a:r>
+              <a:rPr lang="en-US" dirty="0" err="1"/>
+              <a:t>webserices</a:t>
+            </a:r>
+            <a:r>
+              <a:rPr lang="en-US" dirty="0"/>
+              <a:t> connected in the system network structure</a:t>
+            </a:r>
+          </a:p>
+          <a:p>
+            <a:pPr marL="698494" lvl="1" indent="-457200">
+              <a:buFont typeface="+mj-lt"/>
+              <a:buAutoNum type="arabicPeriod"/>
+            </a:pPr>
+            <a:r>
+              <a:rPr lang="en-US" dirty="0"/>
+              <a:t>Execute Granger Causality Tests for all pairs of connected pairs of nodes (use the systems network structure for that)</a:t>
+            </a:r>
+          </a:p>
+          <a:p>
+            <a:pPr marL="698494" lvl="1" indent="-457200">
+              <a:buFont typeface="+mj-lt"/>
+              <a:buAutoNum type="arabicPeriod"/>
+            </a:pPr>
+            <a:r>
+              <a:rPr lang="en-US" dirty="0"/>
+              <a:t>Save the results of the test back in the database</a:t>
+            </a:r>
+          </a:p>
+          <a:p>
+            <a:pPr marL="698494" lvl="1" indent="-457200">
+              <a:buFont typeface="+mj-lt"/>
+              <a:buAutoNum type="arabicPeriod"/>
+            </a:pPr>
+            <a:r>
+              <a:rPr lang="en-US" dirty="0"/>
+              <a:t>Create a graph query that extract these test outcomes and produce an adjacency matrix (which represents the causal graph of failure propagation from one anomaly)</a:t>
+            </a:r>
+          </a:p>
+          <a:p>
+            <a:pPr marL="457200" indent="-457200">
+              <a:buFont typeface="+mj-lt"/>
+              <a:buAutoNum type="arabicPeriod"/>
+            </a:pPr>
+            <a:r>
+              <a:rPr lang="en-US" dirty="0"/>
+              <a:t>Compare the </a:t>
+            </a:r>
+          </a:p>
+          <a:p>
+            <a:pPr marL="457200" indent="-457200">
+              <a:buFont typeface="+mj-lt"/>
+              <a:buAutoNum type="arabicPeriod"/>
+            </a:pPr>
+            <a:r>
+              <a:rPr lang="en-US" dirty="0"/>
+              <a:t>Compute the Temporal Centrality Metric (TCM) for each Subgraph</a:t>
+            </a:r>
+          </a:p>
+          <a:p>
+            <a:pPr marL="457200" indent="-457200">
+              <a:buFont typeface="+mj-lt"/>
+              <a:buAutoNum type="arabicPeriod"/>
+            </a:pPr>
+            <a:r>
+              <a:rPr lang="en-US" dirty="0"/>
+              <a:t>Correlation between TCMs, corresponding node in the Graph Query result, and ground truth</a:t>
+            </a:r>
+          </a:p>
+          <a:p>
+            <a:pPr marL="457200" indent="-457200">
+              <a:buFont typeface="+mj-lt"/>
+              <a:buAutoNum type="arabicPeriod"/>
+            </a:pPr>
+            <a:r>
+              <a:rPr lang="en-US" dirty="0"/>
+              <a:t>Use the Original data to Generate a Synthetic Data </a:t>
+            </a:r>
+          </a:p>
+          <a:p>
+            <a:pPr marL="457200" indent="-457200">
+              <a:buFont typeface="+mj-lt"/>
+              <a:buAutoNum type="arabicPeriod"/>
+            </a:pPr>
+            <a:r>
+              <a:rPr lang="en-US" dirty="0"/>
+              <a:t>Evaluate the same methods on the new data (generalization)</a:t>
+            </a:r>
+          </a:p>
+          <a:p>
+            <a:pPr marL="698494" lvl="1" indent="-457200">
+              <a:buFont typeface="+mj-lt"/>
+              <a:buAutoNum type="arabicPeriod"/>
+            </a:pPr>
+            <a:endParaRPr lang="en-US" dirty="0"/>
+          </a:p>
+          <a:p>
+            <a:pPr marL="698494" lvl="1" indent="-457200">
+              <a:buFont typeface="+mj-lt"/>
+              <a:buAutoNum type="arabicPeriod"/>
+            </a:pPr>
+            <a:endParaRPr lang="en-US" dirty="0"/>
+          </a:p>
+          <a:p>
+            <a:pPr marL="698494" lvl="1" indent="-457200">
+              <a:buFont typeface="+mj-lt"/>
+              <a:buAutoNum type="arabicPeriod"/>
+            </a:pPr>
+            <a:endParaRPr lang="en-US" dirty="0"/>
+          </a:p>
+        </p:txBody>
+      </p:sp>
+    </p:spTree>
+    <p:extLst>
+      <p:ext uri="{BB962C8B-B14F-4D97-AF65-F5344CB8AC3E}">
+        <p14:creationId xmlns:p14="http://schemas.microsoft.com/office/powerpoint/2010/main" val="196353337"/>
+      </p:ext>
+    </p:extLst>
+  </p:cSld>
+  <p:clrMapOvr>
+    <a:masterClrMapping/>
+  </p:clrMapOvr>
+</p:sld>
+</file>
+
+<file path=ppt/slides/slide6.xml><?xml version="1.0" encoding="utf-8"?>
+<p:sld xmlns:a="http://schemas.openxmlformats.org/drawingml/2006/main" xmlns:r="http://schemas.openxmlformats.org/officeDocument/2006/relationships" xmlns:p="http://schemas.openxmlformats.org/presentationml/2006/main">
+  <p:cSld>
+    <p:spTree>
+      <p:nvGrpSpPr>
+        <p:cNvPr id="1" name=""/>
+        <p:cNvGrpSpPr/>
+        <p:nvPr/>
+      </p:nvGrpSpPr>
+      <p:grpSpPr>
+        <a:xfrm>
+          <a:off x="0" y="0"/>
+          <a:ext cx="0" cy="0"/>
+          <a:chOff x="0" y="0"/>
+          <a:chExt cx="0" cy="0"/>
+        </a:xfrm>
+      </p:grpSpPr>
+      <p:sp>
+        <p:nvSpPr>
+          <p:cNvPr id="2" name="Title 1">
+            <a:extLst>
+              <a:ext uri="{FF2B5EF4-FFF2-40B4-BE49-F238E27FC236}">
+                <a16:creationId xmlns:a16="http://schemas.microsoft.com/office/drawing/2014/main" id="{C4E4E986-276A-3389-9592-4618603CC6B5}"/>
+              </a:ext>
+            </a:extLst>
+          </p:cNvPr>
+          <p:cNvSpPr>
+            <a:spLocks noGrp="1"/>
+          </p:cNvSpPr>
+          <p:nvPr>
+            <p:ph type="title"/>
+          </p:nvPr>
+        </p:nvSpPr>
+        <p:spPr>
+          <a:xfrm>
+            <a:off x="478369" y="154471"/>
+            <a:ext cx="9169401" cy="555840"/>
+          </a:xfrm>
+        </p:spPr>
+        <p:txBody>
+          <a:bodyPr/>
+          <a:lstStyle/>
+          <a:p>
+            <a:r>
+              <a:rPr lang="en-US" dirty="0"/>
+              <a:t>WP-2.2 Temporal Centrality Metrics</a:t>
+            </a:r>
+          </a:p>
+        </p:txBody>
+      </p:sp>
+      <p:sp>
+        <p:nvSpPr>
+          <p:cNvPr id="3" name="Content Placeholder 2">
+            <a:extLst>
+              <a:ext uri="{FF2B5EF4-FFF2-40B4-BE49-F238E27FC236}">
+                <a16:creationId xmlns:a16="http://schemas.microsoft.com/office/drawing/2014/main" id="{FAE619BB-68D3-6B04-182B-06FAAA572FCA}"/>
+              </a:ext>
+            </a:extLst>
+          </p:cNvPr>
+          <p:cNvSpPr>
+            <a:spLocks noGrp="1"/>
+          </p:cNvSpPr>
+          <p:nvPr>
+            <p:ph idx="1"/>
+          </p:nvPr>
+        </p:nvSpPr>
+        <p:spPr>
+          <a:xfrm>
+            <a:off x="478369" y="1213308"/>
+            <a:ext cx="11473384" cy="3348609"/>
+          </a:xfrm>
+        </p:spPr>
+        <p:txBody>
+          <a:bodyPr/>
+          <a:lstStyle/>
+          <a:p>
+            <a:pPr marL="457200" indent="-457200">
+              <a:buFont typeface="+mj-lt"/>
+              <a:buAutoNum type="arabicPeriod"/>
+            </a:pPr>
+            <a:r>
+              <a:rPr lang="en-US" dirty="0"/>
+              <a:t>Create a query that return a anomalies happened with a time span</a:t>
+            </a:r>
+          </a:p>
+          <a:p>
+            <a:pPr marL="457200" indent="-457200">
+              <a:buFont typeface="+mj-lt"/>
+              <a:buAutoNum type="arabicPeriod"/>
+            </a:pPr>
+            <a:r>
+              <a:rPr lang="en-US" dirty="0"/>
+              <a:t>For a given anomaly (obtained by the query)</a:t>
+            </a:r>
+          </a:p>
+          <a:p>
+            <a:pPr marL="457200" indent="-457200">
+              <a:buFont typeface="+mj-lt"/>
+              <a:buAutoNum type="arabicPeriod"/>
+            </a:pPr>
+            <a:r>
+              <a:rPr lang="en-US" dirty="0"/>
+              <a:t>Identify and rank the nodes that are most probably affected by the anomaly</a:t>
+            </a:r>
+          </a:p>
+          <a:p>
+            <a:pPr marL="698494" lvl="1" indent="-457200">
+              <a:buFont typeface="+mj-lt"/>
+              <a:buAutoNum type="arabicPeriod"/>
+            </a:pPr>
+            <a:r>
+              <a:rPr lang="en-US" dirty="0"/>
+              <a:t>To identify the nodes, use the Granger Causal Graph (represented by the adjacency matrix) for that</a:t>
+            </a:r>
+          </a:p>
+          <a:p>
+            <a:pPr marL="698494" lvl="1" indent="-457200">
+              <a:buFont typeface="+mj-lt"/>
+              <a:buAutoNum type="arabicPeriod"/>
+            </a:pPr>
+            <a:r>
+              <a:rPr lang="en-US" dirty="0"/>
+              <a:t>To rank the nodes, compute their Temporal Centrality Metric (TCM)</a:t>
+            </a:r>
+          </a:p>
+          <a:p>
+            <a:pPr marL="698494" lvl="1" indent="-457200">
+              <a:buFont typeface="+mj-lt"/>
+              <a:buAutoNum type="arabicPeriod"/>
+            </a:pPr>
+            <a:endParaRPr lang="en-US" dirty="0"/>
+          </a:p>
+          <a:p>
+            <a:pPr marL="698494" lvl="1" indent="-457200">
+              <a:buFont typeface="+mj-lt"/>
+              <a:buAutoNum type="arabicPeriod"/>
+            </a:pPr>
+            <a:endParaRPr lang="en-US" dirty="0"/>
+          </a:p>
+        </p:txBody>
+      </p:sp>
+    </p:spTree>
+    <p:extLst>
+      <p:ext uri="{BB962C8B-B14F-4D97-AF65-F5344CB8AC3E}">
+        <p14:creationId xmlns:p14="http://schemas.microsoft.com/office/powerpoint/2010/main" val="1001495176"/>
+      </p:ext>
+    </p:extLst>
+  </p:cSld>
+  <p:clrMapOvr>
+    <a:masterClrMapping/>
+  </p:clrMapOvr>
+</p:sld>
+</file>
+
+<file path=ppt/slides/slide7.xml><?xml version="1.0" encoding="utf-8"?>
+<p:sld xmlns:a="http://schemas.openxmlformats.org/drawingml/2006/main" xmlns:r="http://schemas.openxmlformats.org/officeDocument/2006/relationships" xmlns:p="http://schemas.openxmlformats.org/presentationml/2006/main">
+  <p:cSld>
+    <p:spTree>
+      <p:nvGrpSpPr>
+        <p:cNvPr id="1" name=""/>
+        <p:cNvGrpSpPr/>
+        <p:nvPr/>
+      </p:nvGrpSpPr>
+      <p:grpSpPr>
+        <a:xfrm>
+          <a:off x="0" y="0"/>
+          <a:ext cx="0" cy="0"/>
+          <a:chOff x="0" y="0"/>
+          <a:chExt cx="0" cy="0"/>
+        </a:xfrm>
+      </p:grpSpPr>
+      <p:sp>
+        <p:nvSpPr>
+          <p:cNvPr id="2" name="Title 1">
+            <a:extLst>
+              <a:ext uri="{FF2B5EF4-FFF2-40B4-BE49-F238E27FC236}">
                 <a16:creationId xmlns:a16="http://schemas.microsoft.com/office/drawing/2014/main" id="{A4144C84-5C8F-BA23-DFFF-80FE7EC0E2A8}"/>
               </a:ext>
             </a:extLst>
@@ -12244,7 +13410,116 @@
 </p:sld>
 </file>
 
-<file path=ppt/slides/slide5.xml><?xml version="1.0" encoding="utf-8"?>
+<file path=ppt/slides/slide8.xml><?xml version="1.0" encoding="utf-8"?>
+<p:sld xmlns:a="http://schemas.openxmlformats.org/drawingml/2006/main" xmlns:r="http://schemas.openxmlformats.org/officeDocument/2006/relationships" xmlns:p="http://schemas.openxmlformats.org/presentationml/2006/main">
+  <p:cSld>
+    <p:spTree>
+      <p:nvGrpSpPr>
+        <p:cNvPr id="1" name=""/>
+        <p:cNvGrpSpPr/>
+        <p:nvPr/>
+      </p:nvGrpSpPr>
+      <p:grpSpPr>
+        <a:xfrm>
+          <a:off x="0" y="0"/>
+          <a:ext cx="0" cy="0"/>
+          <a:chOff x="0" y="0"/>
+          <a:chExt cx="0" cy="0"/>
+        </a:xfrm>
+      </p:grpSpPr>
+      <p:sp>
+        <p:nvSpPr>
+          <p:cNvPr id="2" name="Title 1">
+            <a:extLst>
+              <a:ext uri="{FF2B5EF4-FFF2-40B4-BE49-F238E27FC236}">
+                <a16:creationId xmlns:a16="http://schemas.microsoft.com/office/drawing/2014/main" id="{228FAA46-D46A-5C3B-E8EF-A28E039010A3}"/>
+              </a:ext>
+            </a:extLst>
+          </p:cNvPr>
+          <p:cNvSpPr>
+            <a:spLocks noGrp="1"/>
+          </p:cNvSpPr>
+          <p:nvPr>
+            <p:ph type="title"/>
+          </p:nvPr>
+        </p:nvSpPr>
+        <p:spPr/>
+        <p:txBody>
+          <a:bodyPr/>
+          <a:lstStyle/>
+          <a:p>
+            <a:r>
+              <a:rPr lang="en-US" dirty="0"/>
+              <a:t>WP-2 Data Generation</a:t>
+            </a:r>
+          </a:p>
+        </p:txBody>
+      </p:sp>
+      <p:sp>
+        <p:nvSpPr>
+          <p:cNvPr id="3" name="Content Placeholder 2">
+            <a:extLst>
+              <a:ext uri="{FF2B5EF4-FFF2-40B4-BE49-F238E27FC236}">
+                <a16:creationId xmlns:a16="http://schemas.microsoft.com/office/drawing/2014/main" id="{B8161C70-14AB-666E-34E2-BFDE44408997}"/>
+              </a:ext>
+            </a:extLst>
+          </p:cNvPr>
+          <p:cNvSpPr>
+            <a:spLocks noGrp="1"/>
+          </p:cNvSpPr>
+          <p:nvPr>
+            <p:ph idx="1"/>
+          </p:nvPr>
+        </p:nvSpPr>
+        <p:spPr>
+          <a:xfrm>
+            <a:off x="478369" y="1213308"/>
+            <a:ext cx="11473384" cy="2694584"/>
+          </a:xfrm>
+        </p:spPr>
+        <p:txBody>
+          <a:bodyPr/>
+          <a:lstStyle/>
+          <a:p>
+            <a:r>
+              <a:rPr lang="en-US" dirty="0"/>
+              <a:t>For one or two methods:</a:t>
+            </a:r>
+          </a:p>
+          <a:p>
+            <a:r>
+              <a:rPr lang="en-US" dirty="0"/>
+              <a:t>Discuss how inputs from a temporal graph database + dependency matrix (produced by the Granger causality tests)</a:t>
+            </a:r>
+          </a:p>
+          <a:p>
+            <a:r>
+              <a:rPr lang="en-US" dirty="0"/>
+              <a:t>discuss the hyperparameters considering the desired size and shape (motifs or graphlets) of the failure propagation</a:t>
+            </a:r>
+          </a:p>
+          <a:p>
+            <a:r>
+              <a:rPr lang="en-US" dirty="0"/>
+              <a:t>Discuss how the subgraphs will be stored back in the database, for instance, how to index for later retrieval, how to include temporal information?</a:t>
+            </a:r>
+          </a:p>
+        </p:txBody>
+      </p:sp>
+    </p:spTree>
+    <p:extLst>
+      <p:ext uri="{BB962C8B-B14F-4D97-AF65-F5344CB8AC3E}">
+        <p14:creationId xmlns:p14="http://schemas.microsoft.com/office/powerpoint/2010/main" val="3798428021"/>
+      </p:ext>
+    </p:extLst>
+  </p:cSld>
+  <p:clrMapOvr>
+    <a:masterClrMapping/>
+  </p:clrMapOvr>
+</p:sld>
+</file>
+
+<file path=ppt/slides/slide9.xml><?xml version="1.0" encoding="utf-8"?>
 <p:sld xmlns:a="http://schemas.openxmlformats.org/drawingml/2006/main" xmlns:r="http://schemas.openxmlformats.org/officeDocument/2006/relationships" xmlns:p="http://schemas.openxmlformats.org/presentationml/2006/main">
   <p:cSld>
     <p:spTree>
@@ -12880,810 +14155,6 @@
     <p:extLst>
       <p:ext uri="{BB962C8B-B14F-4D97-AF65-F5344CB8AC3E}">
         <p14:creationId xmlns:p14="http://schemas.microsoft.com/office/powerpoint/2010/main" val="3381099877"/>
-      </p:ext>
-    </p:extLst>
-  </p:cSld>
-  <p:clrMapOvr>
-    <a:masterClrMapping/>
-  </p:clrMapOvr>
-</p:sld>
-</file>
-
-<file path=ppt/slides/slide6.xml><?xml version="1.0" encoding="utf-8"?>
-<p:sld xmlns:a="http://schemas.openxmlformats.org/drawingml/2006/main" xmlns:r="http://schemas.openxmlformats.org/officeDocument/2006/relationships" xmlns:p="http://schemas.openxmlformats.org/presentationml/2006/main">
-  <p:cSld>
-    <p:spTree>
-      <p:nvGrpSpPr>
-        <p:cNvPr id="1" name=""/>
-        <p:cNvGrpSpPr/>
-        <p:nvPr/>
-      </p:nvGrpSpPr>
-      <p:grpSpPr>
-        <a:xfrm>
-          <a:off x="0" y="0"/>
-          <a:ext cx="0" cy="0"/>
-          <a:chOff x="0" y="0"/>
-          <a:chExt cx="0" cy="0"/>
-        </a:xfrm>
-      </p:grpSpPr>
-      <p:sp>
-        <p:nvSpPr>
-          <p:cNvPr id="4" name="Title 3">
-            <a:extLst>
-              <a:ext uri="{FF2B5EF4-FFF2-40B4-BE49-F238E27FC236}">
-                <a16:creationId xmlns:a16="http://schemas.microsoft.com/office/drawing/2014/main" id="{A9CE4E3E-A704-859E-9420-CB147BA20052}"/>
-              </a:ext>
-            </a:extLst>
-          </p:cNvPr>
-          <p:cNvSpPr>
-            <a:spLocks noGrp="1"/>
-          </p:cNvSpPr>
-          <p:nvPr>
-            <p:ph type="ctrTitle"/>
-          </p:nvPr>
-        </p:nvSpPr>
-        <p:spPr>
-          <a:xfrm>
-            <a:off x="478368" y="3911097"/>
-            <a:ext cx="11228913" cy="2716040"/>
-          </a:xfrm>
-        </p:spPr>
-        <p:txBody>
-          <a:bodyPr/>
-          <a:lstStyle/>
-          <a:p>
-            <a:r>
-              <a:rPr lang="en-US" dirty="0"/>
-              <a:t>End</a:t>
-            </a:r>
-          </a:p>
-        </p:txBody>
-      </p:sp>
-    </p:spTree>
-    <p:extLst>
-      <p:ext uri="{BB962C8B-B14F-4D97-AF65-F5344CB8AC3E}">
-        <p14:creationId xmlns:p14="http://schemas.microsoft.com/office/powerpoint/2010/main" val="2449525730"/>
-      </p:ext>
-    </p:extLst>
-  </p:cSld>
-  <p:clrMapOvr>
-    <a:masterClrMapping/>
-  </p:clrMapOvr>
-  <p:transition spd="slow">
-    <p:wipe dir="d"/>
-  </p:transition>
-</p:sld>
-</file>
-
-<file path=ppt/slides/slide7.xml><?xml version="1.0" encoding="utf-8"?>
-<p:sld xmlns:a="http://schemas.openxmlformats.org/drawingml/2006/main" xmlns:r="http://schemas.openxmlformats.org/officeDocument/2006/relationships" xmlns:p="http://schemas.openxmlformats.org/presentationml/2006/main">
-  <p:cSld>
-    <p:spTree>
-      <p:nvGrpSpPr>
-        <p:cNvPr id="1" name=""/>
-        <p:cNvGrpSpPr/>
-        <p:nvPr/>
-      </p:nvGrpSpPr>
-      <p:grpSpPr>
-        <a:xfrm>
-          <a:off x="0" y="0"/>
-          <a:ext cx="0" cy="0"/>
-          <a:chOff x="0" y="0"/>
-          <a:chExt cx="0" cy="0"/>
-        </a:xfrm>
-      </p:grpSpPr>
-      <p:sp>
-        <p:nvSpPr>
-          <p:cNvPr id="27649" name="Rectangle 2"/>
-          <p:cNvSpPr>
-            <a:spLocks noGrp="1" noChangeArrowheads="1"/>
-          </p:cNvSpPr>
-          <p:nvPr>
-            <p:ph type="ctrTitle"/>
-          </p:nvPr>
-        </p:nvSpPr>
-        <p:spPr>
-          <a:xfrm>
-            <a:off x="1524000" y="1122363"/>
-            <a:ext cx="9144000" cy="4066164"/>
-          </a:xfrm>
-        </p:spPr>
-        <p:txBody>
-          <a:bodyPr>
-            <a:normAutofit/>
-          </a:bodyPr>
-          <a:lstStyle/>
-          <a:p>
-            <a:r>
-              <a:rPr lang="en-US" sz="4400" b="1" dirty="0"/>
-              <a:t>Extra-Slides </a:t>
-            </a:r>
-            <a:br>
-              <a:rPr lang="en-US" sz="4400" b="1" dirty="0"/>
-            </a:br>
-            <a:r>
-              <a:rPr lang="en-US" sz="4400" b="1" dirty="0"/>
-              <a:t>(Idea Generation)</a:t>
-            </a:r>
-            <a:br>
-              <a:rPr kumimoji="0" lang="en-US" sz="3200" b="0" i="0" u="none" strike="noStrike" kern="1200" cap="none" spc="0" normalizeH="0" baseline="0" noProof="0" dirty="0">
-                <a:ln>
-                  <a:noFill/>
-                </a:ln>
-                <a:solidFill>
-                  <a:srgbClr val="5A6166"/>
-                </a:solidFill>
-                <a:effectLst/>
-                <a:uLnTx/>
-                <a:uFillTx/>
-                <a:latin typeface="Verdana"/>
-                <a:ea typeface="+mj-ea"/>
-                <a:cs typeface="+mj-cs"/>
-              </a:rPr>
-            </a:br>
-            <a:r>
-              <a:rPr kumimoji="0" lang="en-US" sz="2400" b="0" i="0" u="none" strike="noStrike" kern="1200" cap="none" spc="0" normalizeH="0" baseline="0" noProof="0" dirty="0">
-                <a:ln>
-                  <a:noFill/>
-                </a:ln>
-                <a:solidFill>
-                  <a:srgbClr val="5A6166"/>
-                </a:solidFill>
-                <a:effectLst/>
-                <a:uLnTx/>
-                <a:uFillTx/>
-                <a:latin typeface="Verdana"/>
-                <a:ea typeface="ＭＳ Ｐゴシック" charset="-128"/>
-                <a:cs typeface="+mj-cs"/>
-              </a:rPr>
-              <a:t>Co</a:t>
-            </a:r>
-            <a:r>
-              <a:rPr kumimoji="0" lang="en-US" altLang="x-none" sz="2400" b="0" i="0" u="none" strike="noStrike" kern="1200" cap="none" spc="0" normalizeH="0" baseline="0" noProof="0" dirty="0">
-                <a:ln>
-                  <a:noFill/>
-                </a:ln>
-                <a:solidFill>
-                  <a:srgbClr val="5A6166"/>
-                </a:solidFill>
-                <a:effectLst/>
-                <a:uLnTx/>
-                <a:uFillTx/>
-                <a:latin typeface="Verdana"/>
-                <a:ea typeface="ＭＳ Ｐゴシック" charset="-128"/>
-                <a:cs typeface="+mj-cs"/>
-              </a:rPr>
-              <a:t>urse on Graph Neural Networks (Summer Term 22)</a:t>
-            </a:r>
-            <a:br>
-              <a:rPr lang="en-US" altLang="x-none" sz="4900" b="1" dirty="0">
-                <a:ea typeface="ＭＳ Ｐゴシック" charset="-128"/>
-              </a:rPr>
-            </a:br>
-            <a:endParaRPr lang="en-US" altLang="x-none" b="1" dirty="0">
-              <a:ea typeface="ＭＳ Ｐゴシック" charset="-128"/>
-            </a:endParaRPr>
-          </a:p>
-        </p:txBody>
-      </p:sp>
-      <p:sp>
-        <p:nvSpPr>
-          <p:cNvPr id="27650" name="Rectangle 3"/>
-          <p:cNvSpPr>
-            <a:spLocks noGrp="1" noChangeArrowheads="1"/>
-          </p:cNvSpPr>
-          <p:nvPr>
-            <p:ph type="subTitle" idx="1"/>
-          </p:nvPr>
-        </p:nvSpPr>
-        <p:spPr>
-          <a:xfrm>
-            <a:off x="2410725" y="4706741"/>
-            <a:ext cx="7515022" cy="1780064"/>
-          </a:xfrm>
-        </p:spPr>
-        <p:txBody>
-          <a:bodyPr>
-            <a:normAutofit fontScale="25000" lnSpcReduction="20000"/>
-          </a:bodyPr>
-          <a:lstStyle/>
-          <a:p>
-            <a:r>
-              <a:rPr lang="en-US" altLang="x-none" sz="6400" dirty="0">
-                <a:ea typeface="ＭＳ Ｐゴシック" charset="-128"/>
-              </a:rPr>
-              <a:t>Prof. Dr. Holger Giese (</a:t>
-            </a:r>
-            <a:r>
-              <a:rPr lang="en-US" altLang="x-none" sz="6400" dirty="0">
-                <a:ea typeface="ＭＳ Ｐゴシック" charset="-128"/>
-                <a:hlinkClick r:id="rId3"/>
-              </a:rPr>
-              <a:t>holger.giese@hpi.uni-potsdam.de)</a:t>
-            </a:r>
-            <a:r>
-              <a:rPr lang="en-US" altLang="x-none" sz="6400" dirty="0">
-                <a:ea typeface="ＭＳ Ｐゴシック" charset="-128"/>
-              </a:rPr>
-              <a:t> </a:t>
-            </a:r>
-          </a:p>
-          <a:p>
-            <a:r>
-              <a:rPr lang="en-US" altLang="x-none" sz="6400" dirty="0">
-                <a:ea typeface="ＭＳ Ｐゴシック" charset="-128"/>
-              </a:rPr>
-              <a:t>Christian Medeiros Adriano (</a:t>
-            </a:r>
-            <a:r>
-              <a:rPr lang="en-US" altLang="x-none" sz="6400" dirty="0">
-                <a:ea typeface="ＭＳ Ｐゴシック" charset="-128"/>
-                <a:hlinkClick r:id="rId4"/>
-              </a:rPr>
-              <a:t>christian.adriano@hpi.de</a:t>
-            </a:r>
-            <a:r>
-              <a:rPr lang="en-US" altLang="x-none" sz="6400" dirty="0">
-                <a:ea typeface="ＭＳ Ｐゴシック" charset="-128"/>
-              </a:rPr>
-              <a:t>) - </a:t>
-            </a:r>
-            <a:r>
-              <a:rPr lang="en-US" altLang="x-none" sz="6400" b="1" dirty="0">
-                <a:ea typeface="ＭＳ Ｐゴシック" charset="-128"/>
-              </a:rPr>
-              <a:t>“Chris”</a:t>
-            </a:r>
-            <a:endParaRPr lang="en-US" altLang="x-none" sz="6400" dirty="0">
-              <a:ea typeface="ＭＳ Ｐゴシック" charset="-128"/>
-            </a:endParaRPr>
-          </a:p>
-          <a:p>
-            <a:r>
-              <a:rPr lang="en-US" altLang="x-none" sz="6400" dirty="0">
-                <a:ea typeface="ＭＳ Ｐゴシック" charset="-128"/>
-              </a:rPr>
-              <a:t> Matthias </a:t>
-            </a:r>
-            <a:r>
-              <a:rPr lang="en-US" altLang="x-none" sz="6400" dirty="0" err="1">
-                <a:ea typeface="ＭＳ Ｐゴシック" charset="-128"/>
-              </a:rPr>
-              <a:t>Barkowsky</a:t>
-            </a:r>
-            <a:r>
-              <a:rPr lang="en-US" altLang="x-none" sz="6400" dirty="0">
-                <a:ea typeface="ＭＳ Ｐゴシック" charset="-128"/>
-              </a:rPr>
-              <a:t> (</a:t>
-            </a:r>
-            <a:r>
-              <a:rPr lang="en-US" altLang="x-none" sz="6400" dirty="0">
-                <a:ea typeface="ＭＳ Ｐゴシック" charset="-128"/>
-                <a:hlinkClick r:id="rId5"/>
-              </a:rPr>
-              <a:t>matthias.barkowsky@hpi.de</a:t>
-            </a:r>
-            <a:r>
-              <a:rPr lang="en-US" altLang="x-none" sz="6400" dirty="0">
-                <a:ea typeface="ＭＳ Ｐゴシック" charset="-128"/>
-              </a:rPr>
-              <a:t>  )</a:t>
-            </a:r>
-          </a:p>
-          <a:p>
-            <a:r>
-              <a:rPr lang="en-US" altLang="x-none" sz="6400" dirty="0" err="1">
-                <a:ea typeface="ＭＳ Ｐゴシック" charset="-128"/>
-              </a:rPr>
-              <a:t>Iqra</a:t>
-            </a:r>
-            <a:r>
-              <a:rPr lang="en-US" altLang="x-none" sz="6400" dirty="0">
-                <a:ea typeface="ＭＳ Ｐゴシック" charset="-128"/>
-              </a:rPr>
-              <a:t> Zafar (</a:t>
-            </a:r>
-            <a:r>
-              <a:rPr lang="en-US" altLang="x-none" sz="6400" dirty="0">
-                <a:ea typeface="ＭＳ Ｐゴシック" charset="-128"/>
-                <a:hlinkClick r:id="rId6"/>
-              </a:rPr>
-              <a:t>iqra.zafar@hpi.de</a:t>
-            </a:r>
-            <a:r>
-              <a:rPr lang="en-US" altLang="x-none" sz="6400" dirty="0">
-                <a:ea typeface="ＭＳ Ｐゴシック" charset="-128"/>
-              </a:rPr>
-              <a:t>)</a:t>
-            </a:r>
-          </a:p>
-        </p:txBody>
-      </p:sp>
-      <p:sp>
-        <p:nvSpPr>
-          <p:cNvPr id="2" name="Slide Number Placeholder 1">
-            <a:extLst>
-              <a:ext uri="{FF2B5EF4-FFF2-40B4-BE49-F238E27FC236}">
-                <a16:creationId xmlns:a16="http://schemas.microsoft.com/office/drawing/2014/main" id="{70FFAC62-CDF9-4FA9-B6E9-1748944878BE}"/>
-              </a:ext>
-            </a:extLst>
-          </p:cNvPr>
-          <p:cNvSpPr>
-            <a:spLocks noGrp="1"/>
-          </p:cNvSpPr>
-          <p:nvPr>
-            <p:ph type="sldNum" sz="quarter" idx="12"/>
-          </p:nvPr>
-        </p:nvSpPr>
-        <p:spPr/>
-        <p:txBody>
-          <a:bodyPr/>
-          <a:lstStyle/>
-          <a:p>
-            <a:fld id="{81561042-0DC2-4A04-AA50-F6D44EB20EBA}" type="slidenum">
-              <a:rPr lang="en-US" smtClean="0"/>
-              <a:t>7</a:t>
-            </a:fld>
-            <a:endParaRPr lang="en-US"/>
-          </a:p>
-        </p:txBody>
-      </p:sp>
-    </p:spTree>
-  </p:cSld>
-  <p:clrMapOvr>
-    <a:masterClrMapping/>
-  </p:clrMapOvr>
-</p:sld>
-</file>
-
-<file path=ppt/slides/slide8.xml><?xml version="1.0" encoding="utf-8"?>
-<p:sld xmlns:a="http://schemas.openxmlformats.org/drawingml/2006/main" xmlns:r="http://schemas.openxmlformats.org/officeDocument/2006/relationships" xmlns:p="http://schemas.openxmlformats.org/presentationml/2006/main">
-  <p:cSld>
-    <p:spTree>
-      <p:nvGrpSpPr>
-        <p:cNvPr id="1" name=""/>
-        <p:cNvGrpSpPr/>
-        <p:nvPr/>
-      </p:nvGrpSpPr>
-      <p:grpSpPr>
-        <a:xfrm>
-          <a:off x="0" y="0"/>
-          <a:ext cx="0" cy="0"/>
-          <a:chOff x="0" y="0"/>
-          <a:chExt cx="0" cy="0"/>
-        </a:xfrm>
-      </p:grpSpPr>
-      <p:sp>
-        <p:nvSpPr>
-          <p:cNvPr id="2" name="Title 1">
-            <a:extLst>
-              <a:ext uri="{FF2B5EF4-FFF2-40B4-BE49-F238E27FC236}">
-                <a16:creationId xmlns:a16="http://schemas.microsoft.com/office/drawing/2014/main" id="{C4E4E986-276A-3389-9592-4618603CC6B5}"/>
-              </a:ext>
-            </a:extLst>
-          </p:cNvPr>
-          <p:cNvSpPr>
-            <a:spLocks noGrp="1"/>
-          </p:cNvSpPr>
-          <p:nvPr>
-            <p:ph type="title"/>
-          </p:nvPr>
-        </p:nvSpPr>
-        <p:spPr/>
-        <p:txBody>
-          <a:bodyPr/>
-          <a:lstStyle/>
-          <a:p>
-            <a:r>
-              <a:rPr lang="en-US" dirty="0"/>
-              <a:t>WP-1 Anomaly Detection – Possible Tasks</a:t>
-            </a:r>
-          </a:p>
-        </p:txBody>
-      </p:sp>
-      <p:sp>
-        <p:nvSpPr>
-          <p:cNvPr id="3" name="Content Placeholder 2">
-            <a:extLst>
-              <a:ext uri="{FF2B5EF4-FFF2-40B4-BE49-F238E27FC236}">
-                <a16:creationId xmlns:a16="http://schemas.microsoft.com/office/drawing/2014/main" id="{FAE619BB-68D3-6B04-182B-06FAAA572FCA}"/>
-              </a:ext>
-            </a:extLst>
-          </p:cNvPr>
-          <p:cNvSpPr>
-            <a:spLocks noGrp="1"/>
-          </p:cNvSpPr>
-          <p:nvPr>
-            <p:ph idx="1"/>
-          </p:nvPr>
-        </p:nvSpPr>
-        <p:spPr>
-          <a:xfrm>
-            <a:off x="478369" y="1213308"/>
-            <a:ext cx="11473384" cy="4348883"/>
-          </a:xfrm>
-        </p:spPr>
-        <p:txBody>
-          <a:bodyPr/>
-          <a:lstStyle/>
-          <a:p>
-            <a:pPr marL="342900" indent="-342900">
-              <a:buFont typeface="Arial" panose="020B0604020202020204" pitchFamily="34" charset="0"/>
-              <a:buChar char="•"/>
-            </a:pPr>
-            <a:r>
-              <a:rPr lang="en-US" dirty="0"/>
-              <a:t>Obtain the Dataset</a:t>
-            </a:r>
-          </a:p>
-          <a:p>
-            <a:pPr marL="342900" indent="-342900">
-              <a:buFont typeface="Arial" panose="020B0604020202020204" pitchFamily="34" charset="0"/>
-              <a:buChar char="•"/>
-            </a:pPr>
-            <a:r>
-              <a:rPr lang="en-US" dirty="0"/>
-              <a:t>Populate a temporal Graph Database</a:t>
-            </a:r>
-          </a:p>
-          <a:p>
-            <a:pPr marL="342900" indent="-342900">
-              <a:buFont typeface="Arial" panose="020B0604020202020204" pitchFamily="34" charset="0"/>
-              <a:buChar char="•"/>
-            </a:pPr>
-            <a:r>
-              <a:rPr lang="en-US" dirty="0"/>
-              <a:t>Generate graph query templates based on the System Network Structure</a:t>
-            </a:r>
-          </a:p>
-          <a:p>
-            <a:pPr marL="342900" indent="-342900">
-              <a:buFont typeface="Arial" panose="020B0604020202020204" pitchFamily="34" charset="0"/>
-              <a:buChar char="•"/>
-            </a:pPr>
-            <a:r>
-              <a:rPr lang="en-US" dirty="0"/>
-              <a:t>For a given set of services search for anomalies within a time window</a:t>
-            </a:r>
-          </a:p>
-          <a:p>
-            <a:pPr marL="342900" indent="-342900">
-              <a:buFont typeface="Arial" panose="020B0604020202020204" pitchFamily="34" charset="0"/>
-              <a:buChar char="•"/>
-            </a:pPr>
-            <a:r>
-              <a:rPr lang="en-US" dirty="0"/>
-              <a:t>Generate candidate Graph Queries for each Anomaly</a:t>
-            </a:r>
-          </a:p>
-          <a:p>
-            <a:pPr marL="342900" indent="-342900">
-              <a:buFont typeface="Arial" panose="020B0604020202020204" pitchFamily="34" charset="0"/>
-              <a:buChar char="•"/>
-            </a:pPr>
-            <a:r>
-              <a:rPr lang="en-US" dirty="0"/>
-              <a:t>Fit a Granger Causality Model for the outcome of each Graph Query</a:t>
-            </a:r>
-          </a:p>
-          <a:p>
-            <a:pPr marL="342900" indent="-342900">
-              <a:buFont typeface="Arial" panose="020B0604020202020204" pitchFamily="34" charset="0"/>
-              <a:buChar char="•"/>
-            </a:pPr>
-            <a:r>
-              <a:rPr lang="en-US" dirty="0"/>
-              <a:t>Compute the Temporal Centrality Metric (TCM) for each Subgraph</a:t>
-            </a:r>
-          </a:p>
-          <a:p>
-            <a:pPr marL="342900" indent="-342900">
-              <a:buFont typeface="Arial" panose="020B0604020202020204" pitchFamily="34" charset="0"/>
-              <a:buChar char="•"/>
-            </a:pPr>
-            <a:r>
-              <a:rPr lang="en-US" dirty="0"/>
-              <a:t>Correlation between TCMs, corresponding node in the Graph Query result, and ground truth</a:t>
-            </a:r>
-          </a:p>
-          <a:p>
-            <a:pPr marL="342900" indent="-342900">
-              <a:buFont typeface="Arial" panose="020B0604020202020204" pitchFamily="34" charset="0"/>
-              <a:buChar char="•"/>
-            </a:pPr>
-            <a:r>
-              <a:rPr lang="en-US" dirty="0"/>
-              <a:t>Use the Original data to Generate a Synthetic Data </a:t>
-            </a:r>
-          </a:p>
-          <a:p>
-            <a:pPr marL="342900" indent="-342900">
-              <a:buFont typeface="Arial" panose="020B0604020202020204" pitchFamily="34" charset="0"/>
-              <a:buChar char="•"/>
-            </a:pPr>
-            <a:r>
-              <a:rPr lang="en-US" dirty="0"/>
-              <a:t>Evaluate the same methods on the new data (generalization)</a:t>
-            </a:r>
-          </a:p>
-        </p:txBody>
-      </p:sp>
-    </p:spTree>
-    <p:extLst>
-      <p:ext uri="{BB962C8B-B14F-4D97-AF65-F5344CB8AC3E}">
-        <p14:creationId xmlns:p14="http://schemas.microsoft.com/office/powerpoint/2010/main" val="3206188190"/>
-      </p:ext>
-    </p:extLst>
-  </p:cSld>
-  <p:clrMapOvr>
-    <a:masterClrMapping/>
-  </p:clrMapOvr>
-</p:sld>
-</file>
-
-<file path=ppt/slides/slide9.xml><?xml version="1.0" encoding="utf-8"?>
-<p:sld xmlns:a="http://schemas.openxmlformats.org/drawingml/2006/main" xmlns:r="http://schemas.openxmlformats.org/officeDocument/2006/relationships" xmlns:p="http://schemas.openxmlformats.org/presentationml/2006/main">
-  <p:cSld>
-    <p:spTree>
-      <p:nvGrpSpPr>
-        <p:cNvPr id="1" name=""/>
-        <p:cNvGrpSpPr/>
-        <p:nvPr/>
-      </p:nvGrpSpPr>
-      <p:grpSpPr>
-        <a:xfrm>
-          <a:off x="0" y="0"/>
-          <a:ext cx="0" cy="0"/>
-          <a:chOff x="0" y="0"/>
-          <a:chExt cx="0" cy="0"/>
-        </a:xfrm>
-      </p:grpSpPr>
-      <p:sp>
-        <p:nvSpPr>
-          <p:cNvPr id="2" name="Title 1">
-            <a:extLst>
-              <a:ext uri="{FF2B5EF4-FFF2-40B4-BE49-F238E27FC236}">
-                <a16:creationId xmlns:a16="http://schemas.microsoft.com/office/drawing/2014/main" id="{DD71339F-C091-6D76-7391-38DBF645F051}"/>
-              </a:ext>
-            </a:extLst>
-          </p:cNvPr>
-          <p:cNvSpPr>
-            <a:spLocks noGrp="1"/>
-          </p:cNvSpPr>
-          <p:nvPr>
-            <p:ph type="title"/>
-          </p:nvPr>
-        </p:nvSpPr>
-        <p:spPr/>
-        <p:txBody>
-          <a:bodyPr/>
-          <a:lstStyle/>
-          <a:p>
-            <a:r>
-              <a:rPr lang="en-US" dirty="0"/>
-              <a:t>WP-1 – Anomaly Detection</a:t>
-            </a:r>
-          </a:p>
-        </p:txBody>
-      </p:sp>
-      <p:sp>
-        <p:nvSpPr>
-          <p:cNvPr id="3" name="Content Placeholder 2">
-            <a:extLst>
-              <a:ext uri="{FF2B5EF4-FFF2-40B4-BE49-F238E27FC236}">
-                <a16:creationId xmlns:a16="http://schemas.microsoft.com/office/drawing/2014/main" id="{1F65CA9D-35A1-7F00-AAB4-0673981879DE}"/>
-              </a:ext>
-            </a:extLst>
-          </p:cNvPr>
-          <p:cNvSpPr>
-            <a:spLocks noGrp="1"/>
-          </p:cNvSpPr>
-          <p:nvPr>
-            <p:ph idx="1"/>
-          </p:nvPr>
-        </p:nvSpPr>
-        <p:spPr>
-          <a:xfrm>
-            <a:off x="838200" y="1028671"/>
-            <a:ext cx="10515600" cy="5685328"/>
-          </a:xfrm>
-        </p:spPr>
-        <p:txBody>
-          <a:bodyPr>
-            <a:noAutofit/>
-          </a:bodyPr>
-          <a:lstStyle/>
-          <a:p>
-            <a:pPr marL="342900" indent="-342900">
-              <a:lnSpc>
-                <a:spcPct val="150000"/>
-              </a:lnSpc>
-              <a:spcBef>
-                <a:spcPts val="0"/>
-              </a:spcBef>
-              <a:spcAft>
-                <a:spcPts val="0"/>
-              </a:spcAft>
-              <a:buFont typeface="+mj-lt"/>
-              <a:buAutoNum type="arabicPeriod"/>
-            </a:pPr>
-            <a:r>
-              <a:rPr lang="en-US" sz="1800" dirty="0">
-                <a:effectLst/>
-                <a:latin typeface="+mj-lt"/>
-                <a:ea typeface="Verdana" panose="020B0604030504040204" pitchFamily="34" charset="0"/>
-              </a:rPr>
-              <a:t>Data for experiments would be based on </a:t>
-            </a:r>
-            <a:r>
-              <a:rPr lang="en-US" sz="1800" dirty="0" err="1">
-                <a:effectLst/>
-                <a:latin typeface="+mj-lt"/>
-                <a:ea typeface="Verdana" panose="020B0604030504040204" pitchFamily="34" charset="0"/>
-              </a:rPr>
-              <a:t>Iqras</a:t>
-            </a:r>
-            <a:r>
-              <a:rPr lang="en-US" sz="1800" dirty="0">
-                <a:effectLst/>
-                <a:latin typeface="+mj-lt"/>
-                <a:ea typeface="Verdana" panose="020B0604030504040204" pitchFamily="34" charset="0"/>
-              </a:rPr>
-              <a:t> scenario and current approach - "outlier detection on non-stationary time series* by means of calibrating thresholds from priors"</a:t>
-            </a:r>
-          </a:p>
-          <a:p>
-            <a:pPr marL="342900" indent="-342900">
-              <a:lnSpc>
-                <a:spcPct val="150000"/>
-              </a:lnSpc>
-              <a:spcBef>
-                <a:spcPts val="0"/>
-              </a:spcBef>
-              <a:spcAft>
-                <a:spcPts val="0"/>
-              </a:spcAft>
-              <a:buFont typeface="+mj-lt"/>
-              <a:buAutoNum type="arabicPeriod"/>
-            </a:pPr>
-            <a:endParaRPr lang="en-US" sz="1800" dirty="0">
-              <a:effectLst/>
-              <a:latin typeface="+mj-lt"/>
-              <a:ea typeface="Verdana" panose="020B0604030504040204" pitchFamily="34" charset="0"/>
-            </a:endParaRPr>
-          </a:p>
-          <a:p>
-            <a:pPr marL="342900" indent="-342900">
-              <a:lnSpc>
-                <a:spcPct val="150000"/>
-              </a:lnSpc>
-              <a:spcBef>
-                <a:spcPts val="0"/>
-              </a:spcBef>
-              <a:spcAft>
-                <a:spcPts val="0"/>
-              </a:spcAft>
-              <a:buFont typeface="+mj-lt"/>
-              <a:buAutoNum type="arabicPeriod"/>
-            </a:pPr>
-            <a:r>
-              <a:rPr lang="en-US" sz="1800" dirty="0">
-                <a:effectLst/>
-                <a:latin typeface="+mj-lt"/>
-                <a:ea typeface="Verdana" panose="020B0604030504040204" pitchFamily="34" charset="0"/>
-              </a:rPr>
-              <a:t>We could already use it "as it is" and an apply a comparative techniques like Message </a:t>
-            </a:r>
-            <a:r>
-              <a:rPr lang="en-US" sz="1800" dirty="0">
-                <a:latin typeface="+mj-lt"/>
-                <a:ea typeface="Verdana" panose="020B0604030504040204" pitchFamily="34" charset="0"/>
-              </a:rPr>
-              <a:t>Passing (today’s lecture) or </a:t>
-            </a:r>
-            <a:r>
-              <a:rPr lang="en-US" sz="1800" dirty="0">
-                <a:effectLst/>
-                <a:latin typeface="+mj-lt"/>
-                <a:ea typeface="Verdana" panose="020B0604030504040204" pitchFamily="34" charset="0"/>
-              </a:rPr>
-              <a:t>Granger Causality [1] to discover which services are dependent on each other and, hence, possibly the direction of propagation of an anomaly.</a:t>
-            </a:r>
-          </a:p>
-          <a:p>
-            <a:pPr marL="342900" indent="-342900">
-              <a:lnSpc>
-                <a:spcPct val="150000"/>
-              </a:lnSpc>
-              <a:spcBef>
-                <a:spcPts val="0"/>
-              </a:spcBef>
-              <a:spcAft>
-                <a:spcPts val="0"/>
-              </a:spcAft>
-              <a:buFont typeface="+mj-lt"/>
-              <a:buAutoNum type="arabicPeriod"/>
-            </a:pPr>
-            <a:endParaRPr lang="en-US" sz="1800" dirty="0">
-              <a:latin typeface="+mj-lt"/>
-              <a:ea typeface="Verdana" panose="020B0604030504040204" pitchFamily="34" charset="0"/>
-            </a:endParaRPr>
-          </a:p>
-          <a:p>
-            <a:pPr marL="342900" indent="-342900">
-              <a:lnSpc>
-                <a:spcPct val="150000"/>
-              </a:lnSpc>
-              <a:spcBef>
-                <a:spcPts val="0"/>
-              </a:spcBef>
-              <a:spcAft>
-                <a:spcPts val="0"/>
-              </a:spcAft>
-              <a:buFont typeface="+mj-lt"/>
-              <a:buAutoNum type="arabicPeriod"/>
-            </a:pPr>
-            <a:r>
-              <a:rPr lang="en-US" sz="1800" dirty="0">
-                <a:effectLst/>
-                <a:latin typeface="+mj-lt"/>
-                <a:ea typeface="Verdana" panose="020B0604030504040204" pitchFamily="34" charset="0"/>
-              </a:rPr>
-              <a:t>We need simulate partial observability, </a:t>
-            </a:r>
-            <a:r>
-              <a:rPr lang="en-US" sz="1800" dirty="0">
-                <a:latin typeface="+mj-lt"/>
-                <a:ea typeface="Verdana" panose="020B0604030504040204" pitchFamily="34" charset="0"/>
-              </a:rPr>
-              <a:t>e.g., a failure in one component is not logged (silently failing). This could be simulated by adding a gap in a failure trace. Failure trace is a sequence of components that failed.</a:t>
-            </a:r>
-            <a:endParaRPr lang="en-US" sz="1800" dirty="0">
-              <a:effectLst/>
-              <a:latin typeface="+mj-lt"/>
-              <a:ea typeface="Verdana" panose="020B0604030504040204" pitchFamily="34" charset="0"/>
-            </a:endParaRPr>
-          </a:p>
-          <a:p>
-            <a:pPr marL="0" indent="0">
-              <a:lnSpc>
-                <a:spcPct val="150000"/>
-              </a:lnSpc>
-              <a:buNone/>
-            </a:pPr>
-            <a:r>
-              <a:rPr lang="en-US" sz="1400" i="1" dirty="0">
-                <a:effectLst/>
-                <a:latin typeface="Calibri,Helvetica,sans-serif,EmojiFont,Apple Color Emoji,Segoe UI Emoji,NotoColorEmoji,Segoe UI Symbol,Android Emoji,EmojiSymbols"/>
-              </a:rPr>
-              <a:t>*We have previously work with students on generating non-stationary time series. We adopted the </a:t>
-            </a:r>
-            <a:r>
-              <a:rPr lang="en-US" sz="1400" i="1" dirty="0" err="1">
-                <a:effectLst/>
-                <a:latin typeface="Calibri,Helvetica,sans-serif,EmojiFont,Apple Color Emoji,Segoe UI Emoji,NotoColorEmoji,Segoe UI Symbol,Android Emoji,EmojiSymbols"/>
-              </a:rPr>
-              <a:t>Ohrstein-Uhlenbeck</a:t>
-            </a:r>
-            <a:r>
-              <a:rPr lang="en-US" sz="1400" i="1" dirty="0">
-                <a:effectLst/>
-                <a:latin typeface="Calibri,Helvetica,sans-serif,EmojiFont,Apple Color Emoji,Segoe UI Emoji,NotoColorEmoji,Segoe UI Symbol,Android Emoji,EmojiSymbols"/>
-              </a:rPr>
-              <a:t> process [6], which is basically an AR(1) model, Auto-Regressive Model that shifts only the mean, but keeps variance constant</a:t>
-            </a:r>
-            <a:endParaRPr lang="en-US" sz="1400" i="1" dirty="0">
-              <a:latin typeface="+mj-lt"/>
-              <a:ea typeface="Verdana" panose="020B0604030504040204" pitchFamily="34" charset="0"/>
-            </a:endParaRPr>
-          </a:p>
-        </p:txBody>
-      </p:sp>
-    </p:spTree>
-    <p:extLst>
-      <p:ext uri="{BB962C8B-B14F-4D97-AF65-F5344CB8AC3E}">
-        <p14:creationId xmlns:p14="http://schemas.microsoft.com/office/powerpoint/2010/main" val="2182127434"/>
       </p:ext>
     </p:extLst>
   </p:cSld>
